--- a/Fast Quantum Byzantine Agreement.pptx
+++ b/Fast Quantum Byzantine Agreement.pptx
@@ -8,6 +8,12 @@
     <p:sldId id="256" r:id="rId2"/>
     <p:sldId id="257" r:id="rId3"/>
     <p:sldId id="258" r:id="rId4"/>
+    <p:sldId id="259" r:id="rId5"/>
+    <p:sldId id="260" r:id="rId6"/>
+    <p:sldId id="261" r:id="rId7"/>
+    <p:sldId id="262" r:id="rId8"/>
+    <p:sldId id="263" r:id="rId9"/>
+    <p:sldId id="264" r:id="rId10"/>
   </p:sldIdLst>
   <p:sldSz cx="12192000" cy="6858000"/>
   <p:notesSz cx="6858000" cy="9144000"/>
@@ -106,6 +112,11 @@
       </a:defRPr>
     </a:lvl9pPr>
   </p:defaultTextStyle>
+  <p:extLst>
+    <p:ext uri="{EFAFB233-063F-42B5-8137-9DF3F51BA10A}">
+      <p15:sldGuideLst xmlns:p15="http://schemas.microsoft.com/office/powerpoint/2012/main"/>
+    </p:ext>
+  </p:extLst>
 </p:presentation>
 </file>
 
@@ -424,7 +435,7 @@
             <a:fld id="{73C3BD54-29B9-3D42-B178-776ED395AA85}" type="datetimeFigureOut">
               <a:rPr lang="en-US" smtClean="0"/>
               <a:pPr/>
-              <a:t>10/21/2023</a:t>
+              <a:t>10/22/2023</a:t>
             </a:fld>
             <a:endParaRPr lang="en-US" sz="1400"/>
           </a:p>
@@ -674,7 +685,7 @@
           <a:p>
             <a:fld id="{73C3BD54-29B9-3D42-B178-776ED395AA85}" type="datetimeFigureOut">
               <a:rPr lang="en-US" smtClean="0"/>
-              <a:t>10/21/2023</a:t>
+              <a:t>10/22/2023</a:t>
             </a:fld>
             <a:endParaRPr lang="en-US"/>
           </a:p>
@@ -988,7 +999,7 @@
           <a:p>
             <a:fld id="{73C3BD54-29B9-3D42-B178-776ED395AA85}" type="datetimeFigureOut">
               <a:rPr lang="en-US" smtClean="0"/>
-              <a:t>10/21/2023</a:t>
+              <a:t>10/22/2023</a:t>
             </a:fld>
             <a:endParaRPr lang="en-US"/>
           </a:p>
@@ -1502,7 +1513,7 @@
           <a:p>
             <a:fld id="{73C3BD54-29B9-3D42-B178-776ED395AA85}" type="datetimeFigureOut">
               <a:rPr lang="en-US" smtClean="0"/>
-              <a:t>10/21/2023</a:t>
+              <a:t>10/22/2023</a:t>
             </a:fld>
             <a:endParaRPr lang="en-US"/>
           </a:p>
@@ -1933,7 +1944,7 @@
           <a:p>
             <a:fld id="{73C3BD54-29B9-3D42-B178-776ED395AA85}" type="datetimeFigureOut">
               <a:rPr lang="en-US" smtClean="0"/>
-              <a:t>10/21/2023</a:t>
+              <a:t>10/22/2023</a:t>
             </a:fld>
             <a:endParaRPr lang="en-US"/>
           </a:p>
@@ -2198,7 +2209,7 @@
           <a:p>
             <a:fld id="{73C3BD54-29B9-3D42-B178-776ED395AA85}" type="datetimeFigureOut">
               <a:rPr lang="en-US" smtClean="0"/>
-              <a:t>10/21/2023</a:t>
+              <a:t>10/22/2023</a:t>
             </a:fld>
             <a:endParaRPr lang="en-US"/>
           </a:p>
@@ -2772,7 +2783,7 @@
           <a:p>
             <a:fld id="{73C3BD54-29B9-3D42-B178-776ED395AA85}" type="datetimeFigureOut">
               <a:rPr lang="en-US" smtClean="0"/>
-              <a:t>10/21/2023</a:t>
+              <a:t>10/22/2023</a:t>
             </a:fld>
             <a:endParaRPr lang="en-US"/>
           </a:p>
@@ -3075,7 +3086,7 @@
           <a:p>
             <a:fld id="{73C3BD54-29B9-3D42-B178-776ED395AA85}" type="datetimeFigureOut">
               <a:rPr lang="en-US" smtClean="0"/>
-              <a:t>10/21/2023</a:t>
+              <a:t>10/22/2023</a:t>
             </a:fld>
             <a:endParaRPr lang="en-US"/>
           </a:p>
@@ -3350,7 +3361,7 @@
           <a:p>
             <a:fld id="{73C3BD54-29B9-3D42-B178-776ED395AA85}" type="datetimeFigureOut">
               <a:rPr lang="en-US" smtClean="0"/>
-              <a:t>10/21/2023</a:t>
+              <a:t>10/22/2023</a:t>
             </a:fld>
             <a:endParaRPr lang="en-US"/>
           </a:p>
@@ -3821,7 +3832,7 @@
           <a:p>
             <a:fld id="{73C3BD54-29B9-3D42-B178-776ED395AA85}" type="datetimeFigureOut">
               <a:rPr lang="en-US" smtClean="0"/>
-              <a:t>10/21/2023</a:t>
+              <a:t>10/22/2023</a:t>
             </a:fld>
             <a:endParaRPr lang="en-US"/>
           </a:p>
@@ -4272,7 +4283,7 @@
           <a:p>
             <a:fld id="{73C3BD54-29B9-3D42-B178-776ED395AA85}" type="datetimeFigureOut">
               <a:rPr lang="en-US" smtClean="0"/>
-              <a:t>10/21/2023</a:t>
+              <a:t>10/22/2023</a:t>
             </a:fld>
             <a:endParaRPr lang="en-US"/>
           </a:p>
@@ -4668,7 +4679,7 @@
             <a:fld id="{73C3BD54-29B9-3D42-B178-776ED395AA85}" type="datetimeFigureOut">
               <a:rPr lang="en-US" smtClean="0"/>
               <a:pPr/>
-              <a:t>10/21/2023</a:t>
+              <a:t>10/22/2023</a:t>
             </a:fld>
             <a:endParaRPr lang="en-US" dirty="0"/>
           </a:p>
@@ -6502,6 +6513,2201 @@
 </p:sld>
 </file>
 
+<file path=ppt/slides/slide4.xml><?xml version="1.0" encoding="utf-8"?>
+<p:sld xmlns:a="http://schemas.openxmlformats.org/drawingml/2006/main" xmlns:r="http://schemas.openxmlformats.org/officeDocument/2006/relationships" xmlns:p="http://schemas.openxmlformats.org/presentationml/2006/main">
+  <p:cSld>
+    <p:bg>
+      <p:bgPr>
+        <a:solidFill>
+          <a:schemeClr val="bg1"/>
+        </a:solidFill>
+        <a:effectLst/>
+      </p:bgPr>
+    </p:bg>
+    <p:spTree>
+      <p:nvGrpSpPr>
+        <p:cNvPr id="1" name=""/>
+        <p:cNvGrpSpPr/>
+        <p:nvPr/>
+      </p:nvGrpSpPr>
+      <p:grpSpPr>
+        <a:xfrm>
+          <a:off x="0" y="0"/>
+          <a:ext cx="0" cy="0"/>
+          <a:chOff x="0" y="0"/>
+          <a:chExt cx="0" cy="0"/>
+        </a:xfrm>
+      </p:grpSpPr>
+      <p:sp useBgFill="1">
+        <p:nvSpPr>
+          <p:cNvPr id="9" name="Rectangle 8">
+            <a:extLst>
+              <a:ext uri="{FF2B5EF4-FFF2-40B4-BE49-F238E27FC236}">
+                <a16:creationId xmlns:a16="http://schemas.microsoft.com/office/drawing/2014/main" id="{579E3846-8D0B-B14A-817A-7FAC9DDAB4D8}"/>
+              </a:ext>
+              <a:ext uri="{C183D7F6-B498-43B3-948B-1728B52AA6E4}">
+                <adec:decorative xmlns:adec="http://schemas.microsoft.com/office/drawing/2017/decorative" val="1"/>
+              </a:ext>
+            </a:extLst>
+          </p:cNvPr>
+          <p:cNvSpPr>
+            <a:spLocks noGrp="1" noRot="1" noChangeAspect="1" noMove="1" noResize="1" noEditPoints="1" noAdjustHandles="1" noChangeArrowheads="1" noChangeShapeType="1" noTextEdit="1"/>
+          </p:cNvSpPr>
+          <p:nvPr>
+            <p:extLst>
+              <p:ext uri="{386F3935-93C4-4BCD-93E2-E3B085C9AB24}">
+                <p16:designElem xmlns:p16="http://schemas.microsoft.com/office/powerpoint/2015/main" val="1"/>
+              </p:ext>
+            </p:extLst>
+          </p:nvPr>
+        </p:nvSpPr>
+        <p:spPr>
+          <a:xfrm>
+            <a:off x="0" y="0"/>
+            <a:ext cx="12192000" cy="6858000"/>
+          </a:xfrm>
+          <a:prstGeom prst="rect">
+            <a:avLst/>
+          </a:prstGeom>
+          <a:ln>
+            <a:noFill/>
+          </a:ln>
+        </p:spPr>
+        <p:style>
+          <a:lnRef idx="2">
+            <a:schemeClr val="accent1">
+              <a:shade val="50000"/>
+            </a:schemeClr>
+          </a:lnRef>
+          <a:fillRef idx="1">
+            <a:schemeClr val="accent1"/>
+          </a:fillRef>
+          <a:effectRef idx="0">
+            <a:schemeClr val="accent1"/>
+          </a:effectRef>
+          <a:fontRef idx="minor">
+            <a:schemeClr val="lt1"/>
+          </a:fontRef>
+        </p:style>
+        <p:txBody>
+          <a:bodyPr rtlCol="0" anchor="ctr"/>
+          <a:lstStyle/>
+          <a:p>
+            <a:pPr algn="ctr"/>
+            <a:endParaRPr lang="en-US"/>
+          </a:p>
+        </p:txBody>
+      </p:sp>
+      <p:pic>
+        <p:nvPicPr>
+          <p:cNvPr id="5" name="Picture 4" descr="Metal tic-tac-toe game pieces">
+            <a:extLst>
+              <a:ext uri="{FF2B5EF4-FFF2-40B4-BE49-F238E27FC236}">
+                <a16:creationId xmlns:a16="http://schemas.microsoft.com/office/drawing/2014/main" id="{4C5576A3-DA1B-5EBE-E2F8-47FD1010EA46}"/>
+              </a:ext>
+            </a:extLst>
+          </p:cNvPr>
+          <p:cNvPicPr>
+            <a:picLocks noChangeAspect="1"/>
+          </p:cNvPicPr>
+          <p:nvPr/>
+        </p:nvPicPr>
+        <p:blipFill rotWithShape="1">
+          <a:blip r:embed="rId2"/>
+          <a:srcRect l="14675" r="28211"/>
+          <a:stretch/>
+        </p:blipFill>
+        <p:spPr>
+          <a:xfrm>
+            <a:off x="1764" y="10"/>
+            <a:ext cx="5222474" cy="6857990"/>
+          </a:xfrm>
+          <a:prstGeom prst="rect">
+            <a:avLst/>
+          </a:prstGeom>
+        </p:spPr>
+      </p:pic>
+      <p:sp>
+        <p:nvSpPr>
+          <p:cNvPr id="11" name="Rectangle">
+            <a:extLst>
+              <a:ext uri="{FF2B5EF4-FFF2-40B4-BE49-F238E27FC236}">
+                <a16:creationId xmlns:a16="http://schemas.microsoft.com/office/drawing/2014/main" id="{012D3DE8-D97E-7C4A-A951-51BC92671392}"/>
+              </a:ext>
+              <a:ext uri="{C183D7F6-B498-43B3-948B-1728B52AA6E4}">
+                <adec:decorative xmlns:adec="http://schemas.microsoft.com/office/drawing/2017/decorative" val="1"/>
+              </a:ext>
+            </a:extLst>
+          </p:cNvPr>
+          <p:cNvSpPr>
+            <a:spLocks noGrp="1" noRot="1" noChangeAspect="1" noMove="1" noResize="1" noEditPoints="1" noAdjustHandles="1" noChangeArrowheads="1" noChangeShapeType="1" noTextEdit="1"/>
+          </p:cNvSpPr>
+          <p:nvPr>
+            <p:extLst>
+              <p:ext uri="{386F3935-93C4-4BCD-93E2-E3B085C9AB24}">
+                <p16:designElem xmlns:p16="http://schemas.microsoft.com/office/powerpoint/2015/main" val="1"/>
+              </p:ext>
+            </p:extLst>
+          </p:nvPr>
+        </p:nvSpPr>
+        <p:spPr>
+          <a:xfrm>
+            <a:off x="-2" y="1096772"/>
+            <a:ext cx="5222474" cy="5761228"/>
+          </a:xfrm>
+          <a:prstGeom prst="rect">
+            <a:avLst/>
+          </a:prstGeom>
+          <a:gradFill flip="none" rotWithShape="1">
+            <a:gsLst>
+              <a:gs pos="32000">
+                <a:schemeClr val="tx1">
+                  <a:alpha val="67000"/>
+                </a:schemeClr>
+              </a:gs>
+              <a:gs pos="0">
+                <a:schemeClr val="tx1">
+                  <a:alpha val="55000"/>
+                </a:schemeClr>
+              </a:gs>
+              <a:gs pos="99000">
+                <a:schemeClr val="tx1">
+                  <a:alpha val="55000"/>
+                </a:schemeClr>
+              </a:gs>
+            </a:gsLst>
+            <a:path path="circle">
+              <a:fillToRect r="100000" b="100000"/>
+            </a:path>
+            <a:tileRect l="-100000" t="-100000"/>
+          </a:gradFill>
+          <a:ln w="12700">
+            <a:miter lim="400000"/>
+          </a:ln>
+        </p:spPr>
+        <p:txBody>
+          <a:bodyPr lIns="50800" tIns="50800" rIns="50800" bIns="50800" anchor="ctr"/>
+          <a:lstStyle/>
+          <a:p>
+            <a:pPr algn="ctr"/>
+            <a:endParaRPr sz="2600" cap="all" dirty="0">
+              <a:solidFill>
+                <a:srgbClr val="FFFFFF"/>
+              </a:solidFill>
+              <a:sym typeface="Avenir Next"/>
+            </a:endParaRPr>
+          </a:p>
+        </p:txBody>
+      </p:sp>
+      <p:sp>
+        <p:nvSpPr>
+          <p:cNvPr id="2" name="Titolo 1">
+            <a:extLst>
+              <a:ext uri="{FF2B5EF4-FFF2-40B4-BE49-F238E27FC236}">
+                <a16:creationId xmlns:a16="http://schemas.microsoft.com/office/drawing/2014/main" id="{E3EFFD17-7C52-29C7-C221-15EB0DD307D1}"/>
+              </a:ext>
+            </a:extLst>
+          </p:cNvPr>
+          <p:cNvSpPr>
+            <a:spLocks noGrp="1"/>
+          </p:cNvSpPr>
+          <p:nvPr>
+            <p:ph type="title"/>
+          </p:nvPr>
+        </p:nvSpPr>
+        <p:spPr>
+          <a:xfrm>
+            <a:off x="565149" y="1553972"/>
+            <a:ext cx="4114800" cy="4064931"/>
+          </a:xfrm>
+        </p:spPr>
+        <p:txBody>
+          <a:bodyPr>
+            <a:normAutofit/>
+          </a:bodyPr>
+          <a:lstStyle/>
+          <a:p>
+            <a:r>
+              <a:rPr lang="it-IT" dirty="0">
+                <a:solidFill>
+                  <a:schemeClr val="bg1"/>
+                </a:solidFill>
+              </a:rPr>
+              <a:t>QOCC</a:t>
+            </a:r>
+          </a:p>
+        </p:txBody>
+      </p:sp>
+      <p:sp>
+        <p:nvSpPr>
+          <p:cNvPr id="3" name="Segnaposto contenuto 2">
+            <a:extLst>
+              <a:ext uri="{FF2B5EF4-FFF2-40B4-BE49-F238E27FC236}">
+                <a16:creationId xmlns:a16="http://schemas.microsoft.com/office/drawing/2014/main" id="{83665003-F382-B896-40F6-DC76672856AA}"/>
+              </a:ext>
+            </a:extLst>
+          </p:cNvPr>
+          <p:cNvSpPr>
+            <a:spLocks noGrp="1"/>
+          </p:cNvSpPr>
+          <p:nvPr>
+            <p:ph idx="1"/>
+          </p:nvPr>
+        </p:nvSpPr>
+        <p:spPr>
+          <a:xfrm>
+            <a:off x="6096000" y="1553972"/>
+            <a:ext cx="5530839" cy="4327398"/>
+          </a:xfrm>
+        </p:spPr>
+        <p:txBody>
+          <a:bodyPr>
+            <a:normAutofit/>
+          </a:bodyPr>
+          <a:lstStyle/>
+          <a:p>
+            <a:r>
+              <a:rPr lang="it-IT" dirty="0"/>
+              <a:t>Subroutine </a:t>
+            </a:r>
+            <a:r>
+              <a:rPr lang="it-IT" dirty="0" err="1"/>
+              <a:t>when</a:t>
+            </a:r>
+            <a:r>
+              <a:rPr lang="it-IT" dirty="0"/>
+              <a:t> </a:t>
+            </a:r>
+            <a:r>
+              <a:rPr lang="it-IT" dirty="0" err="1"/>
+              <a:t>there</a:t>
+            </a:r>
+            <a:r>
+              <a:rPr lang="it-IT" dirty="0"/>
+              <a:t> </a:t>
+            </a:r>
+            <a:r>
+              <a:rPr lang="it-IT" dirty="0" err="1"/>
+              <a:t>isn’t</a:t>
+            </a:r>
+            <a:r>
+              <a:rPr lang="it-IT" dirty="0"/>
+              <a:t> an agreement</a:t>
+            </a:r>
+          </a:p>
+          <a:p>
+            <a:r>
+              <a:rPr lang="it-IT" dirty="0" err="1"/>
+              <a:t>When</a:t>
+            </a:r>
+            <a:r>
+              <a:rPr lang="it-IT" dirty="0"/>
+              <a:t> sum of bits </a:t>
+            </a:r>
+            <a:r>
+              <a:rPr lang="it-IT" dirty="0" err="1"/>
+              <a:t>is</a:t>
+            </a:r>
+            <a:r>
+              <a:rPr lang="it-IT" dirty="0"/>
+              <a:t> </a:t>
+            </a:r>
+            <a:r>
+              <a:rPr lang="it-IT" dirty="0" err="1"/>
+              <a:t>beetwen</a:t>
+            </a:r>
+            <a:r>
+              <a:rPr lang="it-IT" dirty="0"/>
+              <a:t> n/3 and 2n/3</a:t>
+            </a:r>
+          </a:p>
+          <a:p>
+            <a:r>
+              <a:rPr lang="it-IT" dirty="0" err="1"/>
+              <a:t>Every</a:t>
+            </a:r>
+            <a:r>
+              <a:rPr lang="it-IT" dirty="0"/>
+              <a:t> peer </a:t>
+            </a:r>
+            <a:r>
+              <a:rPr lang="it-IT" dirty="0" err="1"/>
+              <a:t>returns</a:t>
+            </a:r>
+            <a:r>
+              <a:rPr lang="it-IT" dirty="0"/>
+              <a:t> a bit with a </a:t>
+            </a:r>
+            <a:r>
+              <a:rPr lang="it-IT" dirty="0" err="1"/>
+              <a:t>certain</a:t>
+            </a:r>
+            <a:r>
+              <a:rPr lang="it-IT" dirty="0"/>
+              <a:t> </a:t>
+            </a:r>
+            <a:r>
+              <a:rPr lang="it-IT" dirty="0" err="1"/>
+              <a:t>probability</a:t>
+            </a:r>
+            <a:endParaRPr lang="it-IT" dirty="0"/>
+          </a:p>
+          <a:p>
+            <a:r>
+              <a:rPr lang="it-IT" dirty="0"/>
+              <a:t>VQSS </a:t>
+            </a:r>
+            <a:r>
+              <a:rPr lang="it-IT" dirty="0" err="1"/>
+              <a:t>encoding</a:t>
+            </a:r>
+            <a:r>
+              <a:rPr lang="it-IT" dirty="0"/>
+              <a:t> to </a:t>
+            </a:r>
+            <a:r>
+              <a:rPr lang="it-IT" dirty="0" err="1"/>
+              <a:t>defend</a:t>
+            </a:r>
+            <a:r>
+              <a:rPr lang="it-IT" dirty="0"/>
+              <a:t> from </a:t>
+            </a:r>
+            <a:r>
+              <a:rPr lang="it-IT" dirty="0" err="1"/>
+              <a:t>malicious</a:t>
+            </a:r>
+            <a:r>
+              <a:rPr lang="it-IT" dirty="0"/>
+              <a:t> peer</a:t>
+            </a:r>
+          </a:p>
+          <a:p>
+            <a:pPr marL="0" indent="0">
+              <a:buNone/>
+            </a:pPr>
+            <a:endParaRPr lang="it-IT" dirty="0"/>
+          </a:p>
+        </p:txBody>
+      </p:sp>
+      <p:sp>
+        <p:nvSpPr>
+          <p:cNvPr id="13" name="Rectangle">
+            <a:extLst>
+              <a:ext uri="{FF2B5EF4-FFF2-40B4-BE49-F238E27FC236}">
+                <a16:creationId xmlns:a16="http://schemas.microsoft.com/office/drawing/2014/main" id="{F9A7C64A-7759-E942-8BF4-90D754872284}"/>
+              </a:ext>
+              <a:ext uri="{C183D7F6-B498-43B3-948B-1728B52AA6E4}">
+                <adec:decorative xmlns:adec="http://schemas.microsoft.com/office/drawing/2017/decorative" val="1"/>
+              </a:ext>
+            </a:extLst>
+          </p:cNvPr>
+          <p:cNvSpPr>
+            <a:spLocks noGrp="1" noRot="1" noChangeAspect="1" noMove="1" noResize="1" noEditPoints="1" noAdjustHandles="1" noChangeArrowheads="1" noChangeShapeType="1" noTextEdit="1"/>
+          </p:cNvSpPr>
+          <p:nvPr>
+            <p:extLst>
+              <p:ext uri="{386F3935-93C4-4BCD-93E2-E3B085C9AB24}">
+                <p16:designElem xmlns:p16="http://schemas.microsoft.com/office/powerpoint/2015/main" val="1"/>
+              </p:ext>
+            </p:extLst>
+          </p:nvPr>
+        </p:nvSpPr>
+        <p:spPr>
+          <a:xfrm>
+            <a:off x="5222471" y="1096772"/>
+            <a:ext cx="492517" cy="5761228"/>
+          </a:xfrm>
+          <a:prstGeom prst="rect">
+            <a:avLst/>
+          </a:prstGeom>
+          <a:solidFill>
+            <a:schemeClr val="bg2"/>
+          </a:solidFill>
+          <a:ln w="12700">
+            <a:miter lim="400000"/>
+          </a:ln>
+        </p:spPr>
+        <p:txBody>
+          <a:bodyPr lIns="50800" tIns="50800" rIns="50800" bIns="50800" anchor="ctr"/>
+          <a:lstStyle/>
+          <a:p>
+            <a:pPr algn="ctr"/>
+            <a:endParaRPr sz="2600" cap="all" dirty="0">
+              <a:solidFill>
+                <a:srgbClr val="FFFFFF"/>
+              </a:solidFill>
+              <a:sym typeface="Avenir Next"/>
+            </a:endParaRPr>
+          </a:p>
+        </p:txBody>
+      </p:sp>
+      <p:sp>
+        <p:nvSpPr>
+          <p:cNvPr id="15" name="Cross 14">
+            <a:extLst>
+              <a:ext uri="{FF2B5EF4-FFF2-40B4-BE49-F238E27FC236}">
+                <a16:creationId xmlns:a16="http://schemas.microsoft.com/office/drawing/2014/main" id="{6E8F4613-F584-E34B-9CDA-FF05A0B4C65F}"/>
+              </a:ext>
+              <a:ext uri="{C183D7F6-B498-43B3-948B-1728B52AA6E4}">
+                <adec:decorative xmlns:adec="http://schemas.microsoft.com/office/drawing/2017/decorative" val="1"/>
+              </a:ext>
+            </a:extLst>
+          </p:cNvPr>
+          <p:cNvSpPr>
+            <a:spLocks noGrp="1" noRot="1" noChangeAspect="1" noMove="1" noResize="1" noEditPoints="1" noAdjustHandles="1" noChangeArrowheads="1" noChangeShapeType="1" noTextEdit="1"/>
+          </p:cNvSpPr>
+          <p:nvPr>
+            <p:extLst>
+              <p:ext uri="{386F3935-93C4-4BCD-93E2-E3B085C9AB24}">
+                <p16:designElem xmlns:p16="http://schemas.microsoft.com/office/powerpoint/2015/main" val="1"/>
+              </p:ext>
+            </p:extLst>
+          </p:nvPr>
+        </p:nvSpPr>
+        <p:spPr>
+          <a:xfrm>
+            <a:off x="5016806" y="5618903"/>
+            <a:ext cx="524933" cy="524933"/>
+          </a:xfrm>
+          <a:prstGeom prst="plus">
+            <a:avLst>
+              <a:gd name="adj" fmla="val 39516"/>
+            </a:avLst>
+          </a:prstGeom>
+          <a:solidFill>
+            <a:schemeClr val="tx1"/>
+          </a:solidFill>
+          <a:ln>
+            <a:noFill/>
+          </a:ln>
+        </p:spPr>
+        <p:style>
+          <a:lnRef idx="2">
+            <a:schemeClr val="accent1">
+              <a:shade val="50000"/>
+            </a:schemeClr>
+          </a:lnRef>
+          <a:fillRef idx="1">
+            <a:schemeClr val="accent1"/>
+          </a:fillRef>
+          <a:effectRef idx="0">
+            <a:schemeClr val="accent1"/>
+          </a:effectRef>
+          <a:fontRef idx="minor">
+            <a:schemeClr val="lt1"/>
+          </a:fontRef>
+        </p:style>
+        <p:txBody>
+          <a:bodyPr rtlCol="0" anchor="ctr"/>
+          <a:lstStyle/>
+          <a:p>
+            <a:pPr algn="ctr"/>
+            <a:endParaRPr lang="en-US"/>
+          </a:p>
+        </p:txBody>
+      </p:sp>
+      <p:sp>
+        <p:nvSpPr>
+          <p:cNvPr id="17" name="Rectangle 16">
+            <a:extLst>
+              <a:ext uri="{FF2B5EF4-FFF2-40B4-BE49-F238E27FC236}">
+                <a16:creationId xmlns:a16="http://schemas.microsoft.com/office/drawing/2014/main" id="{AC276E95-1B84-914C-B0C5-9FA065619733}"/>
+              </a:ext>
+              <a:ext uri="{C183D7F6-B498-43B3-948B-1728B52AA6E4}">
+                <adec:decorative xmlns:adec="http://schemas.microsoft.com/office/drawing/2017/decorative" val="1"/>
+              </a:ext>
+            </a:extLst>
+          </p:cNvPr>
+          <p:cNvSpPr>
+            <a:spLocks noGrp="1" noRot="1" noChangeAspect="1" noMove="1" noResize="1" noEditPoints="1" noAdjustHandles="1" noChangeArrowheads="1" noChangeShapeType="1" noTextEdit="1"/>
+          </p:cNvSpPr>
+          <p:nvPr>
+            <p:extLst>
+              <p:ext uri="{386F3935-93C4-4BCD-93E2-E3B085C9AB24}">
+                <p16:designElem xmlns:p16="http://schemas.microsoft.com/office/powerpoint/2015/main" val="1"/>
+              </p:ext>
+            </p:extLst>
+          </p:nvPr>
+        </p:nvSpPr>
+        <p:spPr>
+          <a:xfrm>
+            <a:off x="9881559" y="976630"/>
+            <a:ext cx="1336774" cy="120142"/>
+          </a:xfrm>
+          <a:prstGeom prst="rect">
+            <a:avLst/>
+          </a:prstGeom>
+          <a:solidFill>
+            <a:schemeClr val="tx1"/>
+          </a:solidFill>
+          <a:ln>
+            <a:noFill/>
+          </a:ln>
+        </p:spPr>
+        <p:style>
+          <a:lnRef idx="2">
+            <a:schemeClr val="accent1">
+              <a:shade val="50000"/>
+            </a:schemeClr>
+          </a:lnRef>
+          <a:fillRef idx="1">
+            <a:schemeClr val="accent1"/>
+          </a:fillRef>
+          <a:effectRef idx="0">
+            <a:schemeClr val="accent1"/>
+          </a:effectRef>
+          <a:fontRef idx="minor">
+            <a:schemeClr val="lt1"/>
+          </a:fontRef>
+        </p:style>
+        <p:txBody>
+          <a:bodyPr rtlCol="0" anchor="ctr"/>
+          <a:lstStyle/>
+          <a:p>
+            <a:pPr algn="ctr"/>
+            <a:endParaRPr lang="en-US"/>
+          </a:p>
+        </p:txBody>
+      </p:sp>
+    </p:spTree>
+    <p:extLst>
+      <p:ext uri="{BB962C8B-B14F-4D97-AF65-F5344CB8AC3E}">
+        <p14:creationId xmlns:p14="http://schemas.microsoft.com/office/powerpoint/2010/main" val="3105964439"/>
+      </p:ext>
+    </p:extLst>
+  </p:cSld>
+  <p:clrMapOvr>
+    <a:masterClrMapping/>
+  </p:clrMapOvr>
+</p:sld>
+</file>
+
+<file path=ppt/slides/slide5.xml><?xml version="1.0" encoding="utf-8"?>
+<p:sld xmlns:a="http://schemas.openxmlformats.org/drawingml/2006/main" xmlns:r="http://schemas.openxmlformats.org/officeDocument/2006/relationships" xmlns:p="http://schemas.openxmlformats.org/presentationml/2006/main">
+  <p:cSld>
+    <p:bg>
+      <p:bgPr>
+        <a:solidFill>
+          <a:schemeClr val="bg1"/>
+        </a:solidFill>
+        <a:effectLst/>
+      </p:bgPr>
+    </p:bg>
+    <p:spTree>
+      <p:nvGrpSpPr>
+        <p:cNvPr id="1" name=""/>
+        <p:cNvGrpSpPr/>
+        <p:nvPr/>
+      </p:nvGrpSpPr>
+      <p:grpSpPr>
+        <a:xfrm>
+          <a:off x="0" y="0"/>
+          <a:ext cx="0" cy="0"/>
+          <a:chOff x="0" y="0"/>
+          <a:chExt cx="0" cy="0"/>
+        </a:xfrm>
+      </p:grpSpPr>
+      <p:sp useBgFill="1">
+        <p:nvSpPr>
+          <p:cNvPr id="23" name="Rectangle 8">
+            <a:extLst>
+              <a:ext uri="{FF2B5EF4-FFF2-40B4-BE49-F238E27FC236}">
+                <a16:creationId xmlns:a16="http://schemas.microsoft.com/office/drawing/2014/main" id="{579E3846-8D0B-B14A-817A-7FAC9DDAB4D8}"/>
+              </a:ext>
+              <a:ext uri="{C183D7F6-B498-43B3-948B-1728B52AA6E4}">
+                <adec:decorative xmlns:adec="http://schemas.microsoft.com/office/drawing/2017/decorative" val="1"/>
+              </a:ext>
+            </a:extLst>
+          </p:cNvPr>
+          <p:cNvSpPr>
+            <a:spLocks noGrp="1" noRot="1" noChangeAspect="1" noMove="1" noResize="1" noEditPoints="1" noAdjustHandles="1" noChangeArrowheads="1" noChangeShapeType="1" noTextEdit="1"/>
+          </p:cNvSpPr>
+          <p:nvPr>
+            <p:extLst>
+              <p:ext uri="{386F3935-93C4-4BCD-93E2-E3B085C9AB24}">
+                <p16:designElem xmlns:p16="http://schemas.microsoft.com/office/powerpoint/2015/main" val="1"/>
+              </p:ext>
+            </p:extLst>
+          </p:nvPr>
+        </p:nvSpPr>
+        <p:spPr>
+          <a:xfrm>
+            <a:off x="0" y="0"/>
+            <a:ext cx="12192000" cy="6858000"/>
+          </a:xfrm>
+          <a:prstGeom prst="rect">
+            <a:avLst/>
+          </a:prstGeom>
+          <a:ln>
+            <a:noFill/>
+          </a:ln>
+        </p:spPr>
+        <p:style>
+          <a:lnRef idx="2">
+            <a:schemeClr val="accent1">
+              <a:shade val="50000"/>
+            </a:schemeClr>
+          </a:lnRef>
+          <a:fillRef idx="1">
+            <a:schemeClr val="accent1"/>
+          </a:fillRef>
+          <a:effectRef idx="0">
+            <a:schemeClr val="accent1"/>
+          </a:effectRef>
+          <a:fontRef idx="minor">
+            <a:schemeClr val="lt1"/>
+          </a:fontRef>
+        </p:style>
+        <p:txBody>
+          <a:bodyPr rtlCol="0" anchor="ctr"/>
+          <a:lstStyle/>
+          <a:p>
+            <a:pPr algn="ctr"/>
+            <a:endParaRPr lang="en-US"/>
+          </a:p>
+        </p:txBody>
+      </p:sp>
+      <p:sp>
+        <p:nvSpPr>
+          <p:cNvPr id="2" name="Titolo 1">
+            <a:extLst>
+              <a:ext uri="{FF2B5EF4-FFF2-40B4-BE49-F238E27FC236}">
+                <a16:creationId xmlns:a16="http://schemas.microsoft.com/office/drawing/2014/main" id="{C13CC001-0A79-3A08-32C0-6C31EA6FC18D}"/>
+              </a:ext>
+            </a:extLst>
+          </p:cNvPr>
+          <p:cNvSpPr>
+            <a:spLocks noGrp="1"/>
+          </p:cNvSpPr>
+          <p:nvPr>
+            <p:ph type="title"/>
+          </p:nvPr>
+        </p:nvSpPr>
+        <p:spPr>
+          <a:xfrm>
+            <a:off x="7513055" y="622544"/>
+            <a:ext cx="4133647" cy="1446550"/>
+          </a:xfrm>
+        </p:spPr>
+        <p:txBody>
+          <a:bodyPr>
+            <a:normAutofit/>
+          </a:bodyPr>
+          <a:lstStyle/>
+          <a:p>
+            <a:r>
+              <a:rPr lang="it-IT" dirty="0"/>
+              <a:t>QOCC </a:t>
+            </a:r>
+            <a:r>
+              <a:rPr lang="it-IT" dirty="0" err="1"/>
+              <a:t>Algorithm</a:t>
+            </a:r>
+            <a:endParaRPr lang="it-IT" dirty="0"/>
+          </a:p>
+        </p:txBody>
+      </p:sp>
+      <p:sp>
+        <p:nvSpPr>
+          <p:cNvPr id="3" name="Segnaposto contenuto 2">
+            <a:extLst>
+              <a:ext uri="{FF2B5EF4-FFF2-40B4-BE49-F238E27FC236}">
+                <a16:creationId xmlns:a16="http://schemas.microsoft.com/office/drawing/2014/main" id="{6516F902-6C33-B5E6-AF0C-68949B23002F}"/>
+              </a:ext>
+            </a:extLst>
+          </p:cNvPr>
+          <p:cNvSpPr>
+            <a:spLocks noGrp="1"/>
+          </p:cNvSpPr>
+          <p:nvPr>
+            <p:ph idx="1"/>
+          </p:nvPr>
+        </p:nvSpPr>
+        <p:spPr>
+          <a:xfrm>
+            <a:off x="7513054" y="2539238"/>
+            <a:ext cx="4133647" cy="3188586"/>
+          </a:xfrm>
+        </p:spPr>
+        <p:txBody>
+          <a:bodyPr>
+            <a:normAutofit lnSpcReduction="10000"/>
+          </a:bodyPr>
+          <a:lstStyle/>
+          <a:p>
+            <a:r>
+              <a:rPr lang="it-IT" dirty="0" err="1"/>
+              <a:t>Composed</a:t>
+            </a:r>
+            <a:r>
+              <a:rPr lang="it-IT" dirty="0"/>
+              <a:t> by </a:t>
+            </a:r>
+            <a:r>
+              <a:rPr lang="it-IT" dirty="0" err="1"/>
+              <a:t>three</a:t>
+            </a:r>
+            <a:r>
+              <a:rPr lang="it-IT" dirty="0"/>
+              <a:t> subroutines</a:t>
+            </a:r>
+          </a:p>
+          <a:p>
+            <a:r>
+              <a:rPr lang="it-IT" dirty="0" err="1"/>
+              <a:t>Every</a:t>
+            </a:r>
+            <a:r>
+              <a:rPr lang="it-IT" dirty="0"/>
+              <a:t> peer </a:t>
+            </a:r>
+            <a:r>
+              <a:rPr lang="it-IT" dirty="0" err="1"/>
+              <a:t>sends</a:t>
+            </a:r>
+            <a:r>
+              <a:rPr lang="it-IT" dirty="0"/>
+              <a:t> and </a:t>
+            </a:r>
+            <a:r>
+              <a:rPr lang="it-IT" dirty="0" err="1"/>
+              <a:t>receive</a:t>
+            </a:r>
+            <a:r>
+              <a:rPr lang="it-IT" dirty="0"/>
+              <a:t> bits from </a:t>
+            </a:r>
+            <a:r>
+              <a:rPr lang="it-IT" dirty="0" err="1"/>
+              <a:t>other</a:t>
+            </a:r>
+            <a:endParaRPr lang="it-IT" dirty="0"/>
+          </a:p>
+          <a:p>
+            <a:r>
+              <a:rPr lang="it-IT" dirty="0" err="1"/>
+              <a:t>Calculate</a:t>
+            </a:r>
+            <a:r>
+              <a:rPr lang="it-IT" dirty="0"/>
+              <a:t> the sum of bits and checks </a:t>
+            </a:r>
+            <a:r>
+              <a:rPr lang="it-IT" dirty="0" err="1"/>
+              <a:t>it</a:t>
+            </a:r>
+            <a:endParaRPr lang="it-IT" dirty="0"/>
+          </a:p>
+          <a:p>
+            <a:r>
+              <a:rPr lang="it-IT" dirty="0"/>
+              <a:t>In base to sum sets the bit to 0 or 1</a:t>
+            </a:r>
+          </a:p>
+          <a:p>
+            <a:endParaRPr lang="it-IT" dirty="0"/>
+          </a:p>
+        </p:txBody>
+      </p:sp>
+      <p:pic>
+        <p:nvPicPr>
+          <p:cNvPr id="24" name="Picture 4" descr="Abstract background">
+            <a:extLst>
+              <a:ext uri="{FF2B5EF4-FFF2-40B4-BE49-F238E27FC236}">
+                <a16:creationId xmlns:a16="http://schemas.microsoft.com/office/drawing/2014/main" id="{A96417FB-A460-D0C6-5533-7C4A49BF56C1}"/>
+              </a:ext>
+            </a:extLst>
+          </p:cNvPr>
+          <p:cNvPicPr>
+            <a:picLocks noChangeAspect="1"/>
+          </p:cNvPicPr>
+          <p:nvPr/>
+        </p:nvPicPr>
+        <p:blipFill rotWithShape="1">
+          <a:blip r:embed="rId2"/>
+          <a:srcRect l="39040"/>
+          <a:stretch/>
+        </p:blipFill>
+        <p:spPr>
+          <a:xfrm>
+            <a:off x="20" y="10"/>
+            <a:ext cx="6967738" cy="6857990"/>
+          </a:xfrm>
+          <a:prstGeom prst="rect">
+            <a:avLst/>
+          </a:prstGeom>
+        </p:spPr>
+      </p:pic>
+      <p:sp>
+        <p:nvSpPr>
+          <p:cNvPr id="25" name="Cross 10">
+            <a:extLst>
+              <a:ext uri="{FF2B5EF4-FFF2-40B4-BE49-F238E27FC236}">
+                <a16:creationId xmlns:a16="http://schemas.microsoft.com/office/drawing/2014/main" id="{A12C7CBA-A034-9548-BC45-D37C25C0087C}"/>
+              </a:ext>
+              <a:ext uri="{C183D7F6-B498-43B3-948B-1728B52AA6E4}">
+                <adec:decorative xmlns:adec="http://schemas.microsoft.com/office/drawing/2017/decorative" val="1"/>
+              </a:ext>
+            </a:extLst>
+          </p:cNvPr>
+          <p:cNvSpPr>
+            <a:spLocks noGrp="1" noRot="1" noChangeAspect="1" noMove="1" noResize="1" noEditPoints="1" noAdjustHandles="1" noChangeArrowheads="1" noChangeShapeType="1" noTextEdit="1"/>
+          </p:cNvSpPr>
+          <p:nvPr>
+            <p:extLst>
+              <p:ext uri="{386F3935-93C4-4BCD-93E2-E3B085C9AB24}">
+                <p16:designElem xmlns:p16="http://schemas.microsoft.com/office/powerpoint/2015/main" val="1"/>
+              </p:ext>
+            </p:extLst>
+          </p:nvPr>
+        </p:nvSpPr>
+        <p:spPr>
+          <a:xfrm>
+            <a:off x="6760326" y="5618903"/>
+            <a:ext cx="524933" cy="524933"/>
+          </a:xfrm>
+          <a:prstGeom prst="plus">
+            <a:avLst>
+              <a:gd name="adj" fmla="val 39516"/>
+            </a:avLst>
+          </a:prstGeom>
+          <a:solidFill>
+            <a:schemeClr val="tx1"/>
+          </a:solidFill>
+          <a:ln>
+            <a:noFill/>
+          </a:ln>
+        </p:spPr>
+        <p:style>
+          <a:lnRef idx="2">
+            <a:schemeClr val="accent1">
+              <a:shade val="50000"/>
+            </a:schemeClr>
+          </a:lnRef>
+          <a:fillRef idx="1">
+            <a:schemeClr val="accent1"/>
+          </a:fillRef>
+          <a:effectRef idx="0">
+            <a:schemeClr val="accent1"/>
+          </a:effectRef>
+          <a:fontRef idx="minor">
+            <a:schemeClr val="lt1"/>
+          </a:fontRef>
+        </p:style>
+        <p:txBody>
+          <a:bodyPr rtlCol="0" anchor="ctr"/>
+          <a:lstStyle/>
+          <a:p>
+            <a:pPr algn="ctr"/>
+            <a:endParaRPr lang="en-US"/>
+          </a:p>
+        </p:txBody>
+      </p:sp>
+      <p:sp>
+        <p:nvSpPr>
+          <p:cNvPr id="26" name="Rectangle 12">
+            <a:extLst>
+              <a:ext uri="{FF2B5EF4-FFF2-40B4-BE49-F238E27FC236}">
+                <a16:creationId xmlns:a16="http://schemas.microsoft.com/office/drawing/2014/main" id="{5449ED22-D9F5-F848-A98A-7181D4EE7A7B}"/>
+              </a:ext>
+              <a:ext uri="{C183D7F6-B498-43B3-948B-1728B52AA6E4}">
+                <adec:decorative xmlns:adec="http://schemas.microsoft.com/office/drawing/2017/decorative" val="1"/>
+              </a:ext>
+            </a:extLst>
+          </p:cNvPr>
+          <p:cNvSpPr>
+            <a:spLocks noGrp="1" noRot="1" noChangeAspect="1" noMove="1" noResize="1" noEditPoints="1" noAdjustHandles="1" noChangeArrowheads="1" noChangeShapeType="1" noTextEdit="1"/>
+          </p:cNvSpPr>
+          <p:nvPr>
+            <p:extLst>
+              <p:ext uri="{386F3935-93C4-4BCD-93E2-E3B085C9AB24}">
+                <p16:designElem xmlns:p16="http://schemas.microsoft.com/office/powerpoint/2015/main" val="1"/>
+              </p:ext>
+            </p:extLst>
+          </p:nvPr>
+        </p:nvSpPr>
+        <p:spPr>
+          <a:xfrm>
+            <a:off x="973666" y="976630"/>
+            <a:ext cx="1336774" cy="120142"/>
+          </a:xfrm>
+          <a:prstGeom prst="rect">
+            <a:avLst/>
+          </a:prstGeom>
+          <a:solidFill>
+            <a:schemeClr val="tx1"/>
+          </a:solidFill>
+          <a:ln>
+            <a:noFill/>
+          </a:ln>
+        </p:spPr>
+        <p:style>
+          <a:lnRef idx="2">
+            <a:schemeClr val="accent1">
+              <a:shade val="50000"/>
+            </a:schemeClr>
+          </a:lnRef>
+          <a:fillRef idx="1">
+            <a:schemeClr val="accent1"/>
+          </a:fillRef>
+          <a:effectRef idx="0">
+            <a:schemeClr val="accent1"/>
+          </a:effectRef>
+          <a:fontRef idx="minor">
+            <a:schemeClr val="lt1"/>
+          </a:fontRef>
+        </p:style>
+        <p:txBody>
+          <a:bodyPr rtlCol="0" anchor="ctr"/>
+          <a:lstStyle/>
+          <a:p>
+            <a:pPr algn="ctr"/>
+            <a:endParaRPr lang="en-US"/>
+          </a:p>
+        </p:txBody>
+      </p:sp>
+    </p:spTree>
+    <p:extLst>
+      <p:ext uri="{BB962C8B-B14F-4D97-AF65-F5344CB8AC3E}">
+        <p14:creationId xmlns:p14="http://schemas.microsoft.com/office/powerpoint/2010/main" val="2533991533"/>
+      </p:ext>
+    </p:extLst>
+  </p:cSld>
+  <p:clrMapOvr>
+    <a:masterClrMapping/>
+  </p:clrMapOvr>
+</p:sld>
+</file>
+
+<file path=ppt/slides/slide6.xml><?xml version="1.0" encoding="utf-8"?>
+<p:sld xmlns:a="http://schemas.openxmlformats.org/drawingml/2006/main" xmlns:r="http://schemas.openxmlformats.org/officeDocument/2006/relationships" xmlns:p="http://schemas.openxmlformats.org/presentationml/2006/main">
+  <p:cSld>
+    <p:bg>
+      <p:bgPr>
+        <a:solidFill>
+          <a:schemeClr val="bg1"/>
+        </a:solidFill>
+        <a:effectLst/>
+      </p:bgPr>
+    </p:bg>
+    <p:spTree>
+      <p:nvGrpSpPr>
+        <p:cNvPr id="1" name=""/>
+        <p:cNvGrpSpPr/>
+        <p:nvPr/>
+      </p:nvGrpSpPr>
+      <p:grpSpPr>
+        <a:xfrm>
+          <a:off x="0" y="0"/>
+          <a:ext cx="0" cy="0"/>
+          <a:chOff x="0" y="0"/>
+          <a:chExt cx="0" cy="0"/>
+        </a:xfrm>
+      </p:grpSpPr>
+      <p:sp useBgFill="1">
+        <p:nvSpPr>
+          <p:cNvPr id="9" name="Rectangle 8">
+            <a:extLst>
+              <a:ext uri="{FF2B5EF4-FFF2-40B4-BE49-F238E27FC236}">
+                <a16:creationId xmlns:a16="http://schemas.microsoft.com/office/drawing/2014/main" id="{579E3846-8D0B-B14A-817A-7FAC9DDAB4D8}"/>
+              </a:ext>
+              <a:ext uri="{C183D7F6-B498-43B3-948B-1728B52AA6E4}">
+                <adec:decorative xmlns:adec="http://schemas.microsoft.com/office/drawing/2017/decorative" val="1"/>
+              </a:ext>
+            </a:extLst>
+          </p:cNvPr>
+          <p:cNvSpPr>
+            <a:spLocks noGrp="1" noRot="1" noChangeAspect="1" noMove="1" noResize="1" noEditPoints="1" noAdjustHandles="1" noChangeArrowheads="1" noChangeShapeType="1" noTextEdit="1"/>
+          </p:cNvSpPr>
+          <p:nvPr>
+            <p:extLst>
+              <p:ext uri="{386F3935-93C4-4BCD-93E2-E3B085C9AB24}">
+                <p16:designElem xmlns:p16="http://schemas.microsoft.com/office/powerpoint/2015/main" val="1"/>
+              </p:ext>
+            </p:extLst>
+          </p:nvPr>
+        </p:nvSpPr>
+        <p:spPr>
+          <a:xfrm>
+            <a:off x="0" y="0"/>
+            <a:ext cx="12192000" cy="6858000"/>
+          </a:xfrm>
+          <a:prstGeom prst="rect">
+            <a:avLst/>
+          </a:prstGeom>
+          <a:ln>
+            <a:noFill/>
+          </a:ln>
+        </p:spPr>
+        <p:style>
+          <a:lnRef idx="2">
+            <a:schemeClr val="accent1">
+              <a:shade val="50000"/>
+            </a:schemeClr>
+          </a:lnRef>
+          <a:fillRef idx="1">
+            <a:schemeClr val="accent1"/>
+          </a:fillRef>
+          <a:effectRef idx="0">
+            <a:schemeClr val="accent1"/>
+          </a:effectRef>
+          <a:fontRef idx="minor">
+            <a:schemeClr val="lt1"/>
+          </a:fontRef>
+        </p:style>
+        <p:txBody>
+          <a:bodyPr rtlCol="0" anchor="ctr"/>
+          <a:lstStyle/>
+          <a:p>
+            <a:pPr algn="ctr"/>
+            <a:endParaRPr lang="en-US"/>
+          </a:p>
+        </p:txBody>
+      </p:sp>
+      <p:sp>
+        <p:nvSpPr>
+          <p:cNvPr id="2" name="Titolo 1">
+            <a:extLst>
+              <a:ext uri="{FF2B5EF4-FFF2-40B4-BE49-F238E27FC236}">
+                <a16:creationId xmlns:a16="http://schemas.microsoft.com/office/drawing/2014/main" id="{A3943FB6-6CB9-0FD0-F920-734BD0522DC8}"/>
+              </a:ext>
+            </a:extLst>
+          </p:cNvPr>
+          <p:cNvSpPr>
+            <a:spLocks noGrp="1"/>
+          </p:cNvSpPr>
+          <p:nvPr>
+            <p:ph type="title"/>
+          </p:nvPr>
+        </p:nvSpPr>
+        <p:spPr>
+          <a:xfrm>
+            <a:off x="565149" y="1204721"/>
+            <a:ext cx="4114799" cy="1446550"/>
+          </a:xfrm>
+        </p:spPr>
+        <p:txBody>
+          <a:bodyPr>
+            <a:normAutofit/>
+          </a:bodyPr>
+          <a:lstStyle/>
+          <a:p>
+            <a:r>
+              <a:rPr lang="it-IT" dirty="0" err="1"/>
+              <a:t>Implementation</a:t>
+            </a:r>
+            <a:endParaRPr lang="it-IT" dirty="0"/>
+          </a:p>
+        </p:txBody>
+      </p:sp>
+      <p:sp>
+        <p:nvSpPr>
+          <p:cNvPr id="3" name="Segnaposto contenuto 2">
+            <a:extLst>
+              <a:ext uri="{FF2B5EF4-FFF2-40B4-BE49-F238E27FC236}">
+                <a16:creationId xmlns:a16="http://schemas.microsoft.com/office/drawing/2014/main" id="{3D4DE5C7-5A8B-ADA9-B124-3B1051BD8B90}"/>
+              </a:ext>
+            </a:extLst>
+          </p:cNvPr>
+          <p:cNvSpPr>
+            <a:spLocks noGrp="1"/>
+          </p:cNvSpPr>
+          <p:nvPr>
+            <p:ph idx="1"/>
+          </p:nvPr>
+        </p:nvSpPr>
+        <p:spPr>
+          <a:xfrm>
+            <a:off x="565150" y="2691638"/>
+            <a:ext cx="4114799" cy="3188586"/>
+          </a:xfrm>
+        </p:spPr>
+        <p:txBody>
+          <a:bodyPr>
+            <a:normAutofit/>
+          </a:bodyPr>
+          <a:lstStyle/>
+          <a:p>
+            <a:r>
+              <a:rPr lang="it-IT" dirty="0" err="1"/>
+              <a:t>NetQASM</a:t>
+            </a:r>
+            <a:r>
+              <a:rPr lang="it-IT" dirty="0"/>
+              <a:t> to make quantum network </a:t>
+            </a:r>
+            <a:r>
+              <a:rPr lang="it-IT" dirty="0" err="1"/>
+              <a:t>applications</a:t>
+            </a:r>
+            <a:endParaRPr lang="it-IT" dirty="0"/>
+          </a:p>
+          <a:p>
+            <a:r>
+              <a:rPr lang="it-IT" dirty="0"/>
+              <a:t>Python</a:t>
+            </a:r>
+          </a:p>
+          <a:p>
+            <a:r>
+              <a:rPr lang="it-IT" dirty="0" err="1"/>
+              <a:t>SquidASM</a:t>
+            </a:r>
+            <a:r>
+              <a:rPr lang="it-IT" dirty="0"/>
+              <a:t> to simulate </a:t>
+            </a:r>
+            <a:r>
+              <a:rPr lang="it-IT" dirty="0" err="1"/>
+              <a:t>application</a:t>
+            </a:r>
+            <a:endParaRPr lang="it-IT" dirty="0"/>
+          </a:p>
+        </p:txBody>
+      </p:sp>
+      <p:pic>
+        <p:nvPicPr>
+          <p:cNvPr id="5" name="Picture 4" descr="Sphere of mesh and nodes">
+            <a:extLst>
+              <a:ext uri="{FF2B5EF4-FFF2-40B4-BE49-F238E27FC236}">
+                <a16:creationId xmlns:a16="http://schemas.microsoft.com/office/drawing/2014/main" id="{E3CDCFE7-3158-9268-3246-647B1CDF0553}"/>
+              </a:ext>
+            </a:extLst>
+          </p:cNvPr>
+          <p:cNvPicPr>
+            <a:picLocks noChangeAspect="1"/>
+          </p:cNvPicPr>
+          <p:nvPr/>
+        </p:nvPicPr>
+        <p:blipFill rotWithShape="1">
+          <a:blip r:embed="rId2"/>
+          <a:srcRect l="23800"/>
+          <a:stretch/>
+        </p:blipFill>
+        <p:spPr>
+          <a:xfrm>
+            <a:off x="5224242" y="10"/>
+            <a:ext cx="6967758" cy="6857990"/>
+          </a:xfrm>
+          <a:prstGeom prst="rect">
+            <a:avLst/>
+          </a:prstGeom>
+        </p:spPr>
+      </p:pic>
+      <p:sp>
+        <p:nvSpPr>
+          <p:cNvPr id="11" name="Cross 10">
+            <a:extLst>
+              <a:ext uri="{FF2B5EF4-FFF2-40B4-BE49-F238E27FC236}">
+                <a16:creationId xmlns:a16="http://schemas.microsoft.com/office/drawing/2014/main" id="{EAB1217A-7C36-3A41-8536-BC68C4521095}"/>
+              </a:ext>
+              <a:ext uri="{C183D7F6-B498-43B3-948B-1728B52AA6E4}">
+                <adec:decorative xmlns:adec="http://schemas.microsoft.com/office/drawing/2017/decorative" val="1"/>
+              </a:ext>
+            </a:extLst>
+          </p:cNvPr>
+          <p:cNvSpPr>
+            <a:spLocks noGrp="1" noRot="1" noChangeAspect="1" noMove="1" noResize="1" noEditPoints="1" noAdjustHandles="1" noChangeArrowheads="1" noChangeShapeType="1" noTextEdit="1"/>
+          </p:cNvSpPr>
+          <p:nvPr>
+            <p:extLst>
+              <p:ext uri="{386F3935-93C4-4BCD-93E2-E3B085C9AB24}">
+                <p16:designElem xmlns:p16="http://schemas.microsoft.com/office/powerpoint/2015/main" val="1"/>
+              </p:ext>
+            </p:extLst>
+          </p:nvPr>
+        </p:nvSpPr>
+        <p:spPr>
+          <a:xfrm>
+            <a:off x="5016810" y="5618903"/>
+            <a:ext cx="524933" cy="524933"/>
+          </a:xfrm>
+          <a:prstGeom prst="plus">
+            <a:avLst>
+              <a:gd name="adj" fmla="val 39516"/>
+            </a:avLst>
+          </a:prstGeom>
+          <a:solidFill>
+            <a:schemeClr val="tx1"/>
+          </a:solidFill>
+          <a:ln>
+            <a:noFill/>
+          </a:ln>
+        </p:spPr>
+        <p:style>
+          <a:lnRef idx="2">
+            <a:schemeClr val="accent1">
+              <a:shade val="50000"/>
+            </a:schemeClr>
+          </a:lnRef>
+          <a:fillRef idx="1">
+            <a:schemeClr val="accent1"/>
+          </a:fillRef>
+          <a:effectRef idx="0">
+            <a:schemeClr val="accent1"/>
+          </a:effectRef>
+          <a:fontRef idx="minor">
+            <a:schemeClr val="lt1"/>
+          </a:fontRef>
+        </p:style>
+        <p:txBody>
+          <a:bodyPr rtlCol="0" anchor="ctr"/>
+          <a:lstStyle/>
+          <a:p>
+            <a:pPr algn="ctr"/>
+            <a:endParaRPr lang="en-US"/>
+          </a:p>
+        </p:txBody>
+      </p:sp>
+      <p:sp>
+        <p:nvSpPr>
+          <p:cNvPr id="13" name="Rectangle 12">
+            <a:extLst>
+              <a:ext uri="{FF2B5EF4-FFF2-40B4-BE49-F238E27FC236}">
+                <a16:creationId xmlns:a16="http://schemas.microsoft.com/office/drawing/2014/main" id="{DCA5172B-100A-154D-8648-280629D67DD0}"/>
+              </a:ext>
+              <a:ext uri="{C183D7F6-B498-43B3-948B-1728B52AA6E4}">
+                <adec:decorative xmlns:adec="http://schemas.microsoft.com/office/drawing/2017/decorative" val="1"/>
+              </a:ext>
+            </a:extLst>
+          </p:cNvPr>
+          <p:cNvSpPr>
+            <a:spLocks noGrp="1" noRot="1" noChangeAspect="1" noMove="1" noResize="1" noEditPoints="1" noAdjustHandles="1" noChangeArrowheads="1" noChangeShapeType="1" noTextEdit="1"/>
+          </p:cNvSpPr>
+          <p:nvPr>
+            <p:extLst>
+              <p:ext uri="{386F3935-93C4-4BCD-93E2-E3B085C9AB24}">
+                <p16:designElem xmlns:p16="http://schemas.microsoft.com/office/powerpoint/2015/main" val="1"/>
+              </p:ext>
+            </p:extLst>
+          </p:nvPr>
+        </p:nvSpPr>
+        <p:spPr>
+          <a:xfrm>
+            <a:off x="9881559" y="976630"/>
+            <a:ext cx="1336774" cy="120142"/>
+          </a:xfrm>
+          <a:prstGeom prst="rect">
+            <a:avLst/>
+          </a:prstGeom>
+          <a:solidFill>
+            <a:schemeClr val="tx1"/>
+          </a:solidFill>
+          <a:ln>
+            <a:noFill/>
+          </a:ln>
+        </p:spPr>
+        <p:style>
+          <a:lnRef idx="2">
+            <a:schemeClr val="accent1">
+              <a:shade val="50000"/>
+            </a:schemeClr>
+          </a:lnRef>
+          <a:fillRef idx="1">
+            <a:schemeClr val="accent1"/>
+          </a:fillRef>
+          <a:effectRef idx="0">
+            <a:schemeClr val="accent1"/>
+          </a:effectRef>
+          <a:fontRef idx="minor">
+            <a:schemeClr val="lt1"/>
+          </a:fontRef>
+        </p:style>
+        <p:txBody>
+          <a:bodyPr rtlCol="0" anchor="ctr"/>
+          <a:lstStyle/>
+          <a:p>
+            <a:pPr algn="ctr"/>
+            <a:endParaRPr lang="en-US"/>
+          </a:p>
+        </p:txBody>
+      </p:sp>
+    </p:spTree>
+    <p:extLst>
+      <p:ext uri="{BB962C8B-B14F-4D97-AF65-F5344CB8AC3E}">
+        <p14:creationId xmlns:p14="http://schemas.microsoft.com/office/powerpoint/2010/main" val="1396010090"/>
+      </p:ext>
+    </p:extLst>
+  </p:cSld>
+  <p:clrMapOvr>
+    <a:masterClrMapping/>
+  </p:clrMapOvr>
+</p:sld>
+</file>
+
+<file path=ppt/slides/slide7.xml><?xml version="1.0" encoding="utf-8"?>
+<p:sld xmlns:a="http://schemas.openxmlformats.org/drawingml/2006/main" xmlns:r="http://schemas.openxmlformats.org/officeDocument/2006/relationships" xmlns:p="http://schemas.openxmlformats.org/presentationml/2006/main">
+  <p:cSld>
+    <p:bg>
+      <p:bgPr>
+        <a:solidFill>
+          <a:schemeClr val="bg1"/>
+        </a:solidFill>
+        <a:effectLst/>
+      </p:bgPr>
+    </p:bg>
+    <p:spTree>
+      <p:nvGrpSpPr>
+        <p:cNvPr id="1" name=""/>
+        <p:cNvGrpSpPr/>
+        <p:nvPr/>
+      </p:nvGrpSpPr>
+      <p:grpSpPr>
+        <a:xfrm>
+          <a:off x="0" y="0"/>
+          <a:ext cx="0" cy="0"/>
+          <a:chOff x="0" y="0"/>
+          <a:chExt cx="0" cy="0"/>
+        </a:xfrm>
+      </p:grpSpPr>
+      <p:sp useBgFill="1">
+        <p:nvSpPr>
+          <p:cNvPr id="19" name="Rectangle 8">
+            <a:extLst>
+              <a:ext uri="{FF2B5EF4-FFF2-40B4-BE49-F238E27FC236}">
+                <a16:creationId xmlns:a16="http://schemas.microsoft.com/office/drawing/2014/main" id="{579E3846-8D0B-B14A-817A-7FAC9DDAB4D8}"/>
+              </a:ext>
+              <a:ext uri="{C183D7F6-B498-43B3-948B-1728B52AA6E4}">
+                <adec:decorative xmlns:adec="http://schemas.microsoft.com/office/drawing/2017/decorative" val="1"/>
+              </a:ext>
+            </a:extLst>
+          </p:cNvPr>
+          <p:cNvSpPr>
+            <a:spLocks noGrp="1" noRot="1" noChangeAspect="1" noMove="1" noResize="1" noEditPoints="1" noAdjustHandles="1" noChangeArrowheads="1" noChangeShapeType="1" noTextEdit="1"/>
+          </p:cNvSpPr>
+          <p:nvPr>
+            <p:extLst>
+              <p:ext uri="{386F3935-93C4-4BCD-93E2-E3B085C9AB24}">
+                <p16:designElem xmlns:p16="http://schemas.microsoft.com/office/powerpoint/2015/main" val="1"/>
+              </p:ext>
+            </p:extLst>
+          </p:nvPr>
+        </p:nvSpPr>
+        <p:spPr>
+          <a:xfrm>
+            <a:off x="0" y="0"/>
+            <a:ext cx="12192000" cy="6858000"/>
+          </a:xfrm>
+          <a:prstGeom prst="rect">
+            <a:avLst/>
+          </a:prstGeom>
+          <a:ln>
+            <a:noFill/>
+          </a:ln>
+        </p:spPr>
+        <p:style>
+          <a:lnRef idx="2">
+            <a:schemeClr val="accent1">
+              <a:shade val="50000"/>
+            </a:schemeClr>
+          </a:lnRef>
+          <a:fillRef idx="1">
+            <a:schemeClr val="accent1"/>
+          </a:fillRef>
+          <a:effectRef idx="0">
+            <a:schemeClr val="accent1"/>
+          </a:effectRef>
+          <a:fontRef idx="minor">
+            <a:schemeClr val="lt1"/>
+          </a:fontRef>
+        </p:style>
+        <p:txBody>
+          <a:bodyPr rtlCol="0" anchor="ctr"/>
+          <a:lstStyle/>
+          <a:p>
+            <a:pPr algn="ctr"/>
+            <a:endParaRPr lang="en-US"/>
+          </a:p>
+        </p:txBody>
+      </p:sp>
+      <p:sp>
+        <p:nvSpPr>
+          <p:cNvPr id="2" name="Titolo 1">
+            <a:extLst>
+              <a:ext uri="{FF2B5EF4-FFF2-40B4-BE49-F238E27FC236}">
+                <a16:creationId xmlns:a16="http://schemas.microsoft.com/office/drawing/2014/main" id="{AF4F5160-818F-E59D-AD76-75628EB33D85}"/>
+              </a:ext>
+            </a:extLst>
+          </p:cNvPr>
+          <p:cNvSpPr>
+            <a:spLocks noGrp="1"/>
+          </p:cNvSpPr>
+          <p:nvPr>
+            <p:ph type="title"/>
+          </p:nvPr>
+        </p:nvSpPr>
+        <p:spPr>
+          <a:xfrm>
+            <a:off x="7493192" y="1204721"/>
+            <a:ext cx="4133647" cy="1446550"/>
+          </a:xfrm>
+        </p:spPr>
+        <p:txBody>
+          <a:bodyPr>
+            <a:normAutofit fontScale="90000"/>
+          </a:bodyPr>
+          <a:lstStyle/>
+          <a:p>
+            <a:pPr>
+              <a:lnSpc>
+                <a:spcPct val="90000"/>
+              </a:lnSpc>
+            </a:pPr>
+            <a:r>
+              <a:rPr lang="it-IT" dirty="0" err="1"/>
+              <a:t>Results</a:t>
+            </a:r>
+            <a:br>
+              <a:rPr lang="it-IT" sz="3100" dirty="0"/>
+            </a:br>
+            <a:br>
+              <a:rPr lang="it-IT" sz="3100" dirty="0"/>
+            </a:br>
+            <a:r>
+              <a:rPr lang="it-IT" sz="2700" b="1" dirty="0" err="1"/>
+              <a:t>Parameters</a:t>
+            </a:r>
+            <a:r>
+              <a:rPr lang="it-IT" sz="2700" b="1" dirty="0"/>
+              <a:t> :</a:t>
+            </a:r>
+            <a:endParaRPr lang="it-IT" sz="3100" b="1" dirty="0"/>
+          </a:p>
+        </p:txBody>
+      </p:sp>
+      <p:sp>
+        <p:nvSpPr>
+          <p:cNvPr id="3" name="Segnaposto contenuto 2">
+            <a:extLst>
+              <a:ext uri="{FF2B5EF4-FFF2-40B4-BE49-F238E27FC236}">
+                <a16:creationId xmlns:a16="http://schemas.microsoft.com/office/drawing/2014/main" id="{520F8629-9625-78D2-CB95-1D414A103521}"/>
+              </a:ext>
+            </a:extLst>
+          </p:cNvPr>
+          <p:cNvSpPr>
+            <a:spLocks noGrp="1"/>
+          </p:cNvSpPr>
+          <p:nvPr>
+            <p:ph idx="1"/>
+          </p:nvPr>
+        </p:nvSpPr>
+        <p:spPr>
+          <a:xfrm>
+            <a:off x="7493193" y="2691638"/>
+            <a:ext cx="4133647" cy="3188586"/>
+          </a:xfrm>
+        </p:spPr>
+        <p:txBody>
+          <a:bodyPr>
+            <a:normAutofit/>
+          </a:bodyPr>
+          <a:lstStyle/>
+          <a:p>
+            <a:r>
+              <a:rPr lang="it-IT" dirty="0"/>
+              <a:t>Gate fidelity and fidelity</a:t>
+            </a:r>
+          </a:p>
+          <a:p>
+            <a:r>
+              <a:rPr lang="it-IT" dirty="0" err="1"/>
+              <a:t>Type</a:t>
+            </a:r>
+            <a:r>
+              <a:rPr lang="it-IT" dirty="0"/>
+              <a:t> </a:t>
+            </a:r>
+            <a:r>
+              <a:rPr lang="it-IT" dirty="0" err="1"/>
+              <a:t>noise</a:t>
+            </a:r>
+            <a:endParaRPr lang="it-IT" dirty="0"/>
+          </a:p>
+          <a:p>
+            <a:r>
+              <a:rPr lang="it-IT" dirty="0" err="1"/>
+              <a:t>Decoherence</a:t>
+            </a:r>
+            <a:r>
+              <a:rPr lang="it-IT" dirty="0"/>
+              <a:t> times</a:t>
+            </a:r>
+          </a:p>
+          <a:p>
+            <a:r>
+              <a:rPr lang="it-IT" dirty="0" err="1"/>
+              <a:t>Number</a:t>
+            </a:r>
+            <a:r>
+              <a:rPr lang="it-IT" dirty="0"/>
+              <a:t> of </a:t>
+            </a:r>
+            <a:r>
+              <a:rPr lang="it-IT" dirty="0" err="1"/>
+              <a:t>peers</a:t>
+            </a:r>
+            <a:endParaRPr lang="it-IT" dirty="0"/>
+          </a:p>
+          <a:p>
+            <a:endParaRPr lang="it-IT" dirty="0"/>
+          </a:p>
+        </p:txBody>
+      </p:sp>
+      <p:pic>
+        <p:nvPicPr>
+          <p:cNvPr id="20" name="Picture 4" descr="Zigzag indicator line">
+            <a:extLst>
+              <a:ext uri="{FF2B5EF4-FFF2-40B4-BE49-F238E27FC236}">
+                <a16:creationId xmlns:a16="http://schemas.microsoft.com/office/drawing/2014/main" id="{2DBAD723-D4DE-5C86-E696-00D63622E075}"/>
+              </a:ext>
+            </a:extLst>
+          </p:cNvPr>
+          <p:cNvPicPr>
+            <a:picLocks noChangeAspect="1"/>
+          </p:cNvPicPr>
+          <p:nvPr/>
+        </p:nvPicPr>
+        <p:blipFill rotWithShape="1">
+          <a:blip r:embed="rId2"/>
+          <a:srcRect l="13667" r="18514" b="-1"/>
+          <a:stretch/>
+        </p:blipFill>
+        <p:spPr>
+          <a:xfrm>
+            <a:off x="20" y="10"/>
+            <a:ext cx="6967738" cy="6857990"/>
+          </a:xfrm>
+          <a:prstGeom prst="rect">
+            <a:avLst/>
+          </a:prstGeom>
+        </p:spPr>
+      </p:pic>
+      <p:sp>
+        <p:nvSpPr>
+          <p:cNvPr id="21" name="Cross 10">
+            <a:extLst>
+              <a:ext uri="{FF2B5EF4-FFF2-40B4-BE49-F238E27FC236}">
+                <a16:creationId xmlns:a16="http://schemas.microsoft.com/office/drawing/2014/main" id="{A12C7CBA-A034-9548-BC45-D37C25C0087C}"/>
+              </a:ext>
+              <a:ext uri="{C183D7F6-B498-43B3-948B-1728B52AA6E4}">
+                <adec:decorative xmlns:adec="http://schemas.microsoft.com/office/drawing/2017/decorative" val="1"/>
+              </a:ext>
+            </a:extLst>
+          </p:cNvPr>
+          <p:cNvSpPr>
+            <a:spLocks noGrp="1" noRot="1" noChangeAspect="1" noMove="1" noResize="1" noEditPoints="1" noAdjustHandles="1" noChangeArrowheads="1" noChangeShapeType="1" noTextEdit="1"/>
+          </p:cNvSpPr>
+          <p:nvPr>
+            <p:extLst>
+              <p:ext uri="{386F3935-93C4-4BCD-93E2-E3B085C9AB24}">
+                <p16:designElem xmlns:p16="http://schemas.microsoft.com/office/powerpoint/2015/main" val="1"/>
+              </p:ext>
+            </p:extLst>
+          </p:nvPr>
+        </p:nvSpPr>
+        <p:spPr>
+          <a:xfrm>
+            <a:off x="6760326" y="5618903"/>
+            <a:ext cx="524933" cy="524933"/>
+          </a:xfrm>
+          <a:prstGeom prst="plus">
+            <a:avLst>
+              <a:gd name="adj" fmla="val 39516"/>
+            </a:avLst>
+          </a:prstGeom>
+          <a:solidFill>
+            <a:schemeClr val="tx1"/>
+          </a:solidFill>
+          <a:ln>
+            <a:noFill/>
+          </a:ln>
+        </p:spPr>
+        <p:style>
+          <a:lnRef idx="2">
+            <a:schemeClr val="accent1">
+              <a:shade val="50000"/>
+            </a:schemeClr>
+          </a:lnRef>
+          <a:fillRef idx="1">
+            <a:schemeClr val="accent1"/>
+          </a:fillRef>
+          <a:effectRef idx="0">
+            <a:schemeClr val="accent1"/>
+          </a:effectRef>
+          <a:fontRef idx="minor">
+            <a:schemeClr val="lt1"/>
+          </a:fontRef>
+        </p:style>
+        <p:txBody>
+          <a:bodyPr rtlCol="0" anchor="ctr"/>
+          <a:lstStyle/>
+          <a:p>
+            <a:pPr algn="ctr"/>
+            <a:endParaRPr lang="en-US"/>
+          </a:p>
+        </p:txBody>
+      </p:sp>
+      <p:sp>
+        <p:nvSpPr>
+          <p:cNvPr id="22" name="Rectangle 12">
+            <a:extLst>
+              <a:ext uri="{FF2B5EF4-FFF2-40B4-BE49-F238E27FC236}">
+                <a16:creationId xmlns:a16="http://schemas.microsoft.com/office/drawing/2014/main" id="{5449ED22-D9F5-F848-A98A-7181D4EE7A7B}"/>
+              </a:ext>
+              <a:ext uri="{C183D7F6-B498-43B3-948B-1728B52AA6E4}">
+                <adec:decorative xmlns:adec="http://schemas.microsoft.com/office/drawing/2017/decorative" val="1"/>
+              </a:ext>
+            </a:extLst>
+          </p:cNvPr>
+          <p:cNvSpPr>
+            <a:spLocks noGrp="1" noRot="1" noChangeAspect="1" noMove="1" noResize="1" noEditPoints="1" noAdjustHandles="1" noChangeArrowheads="1" noChangeShapeType="1" noTextEdit="1"/>
+          </p:cNvSpPr>
+          <p:nvPr>
+            <p:extLst>
+              <p:ext uri="{386F3935-93C4-4BCD-93E2-E3B085C9AB24}">
+                <p16:designElem xmlns:p16="http://schemas.microsoft.com/office/powerpoint/2015/main" val="1"/>
+              </p:ext>
+            </p:extLst>
+          </p:nvPr>
+        </p:nvSpPr>
+        <p:spPr>
+          <a:xfrm>
+            <a:off x="973666" y="976630"/>
+            <a:ext cx="1336774" cy="120142"/>
+          </a:xfrm>
+          <a:prstGeom prst="rect">
+            <a:avLst/>
+          </a:prstGeom>
+          <a:solidFill>
+            <a:schemeClr val="tx1"/>
+          </a:solidFill>
+          <a:ln>
+            <a:noFill/>
+          </a:ln>
+        </p:spPr>
+        <p:style>
+          <a:lnRef idx="2">
+            <a:schemeClr val="accent1">
+              <a:shade val="50000"/>
+            </a:schemeClr>
+          </a:lnRef>
+          <a:fillRef idx="1">
+            <a:schemeClr val="accent1"/>
+          </a:fillRef>
+          <a:effectRef idx="0">
+            <a:schemeClr val="accent1"/>
+          </a:effectRef>
+          <a:fontRef idx="minor">
+            <a:schemeClr val="lt1"/>
+          </a:fontRef>
+        </p:style>
+        <p:txBody>
+          <a:bodyPr rtlCol="0" anchor="ctr"/>
+          <a:lstStyle/>
+          <a:p>
+            <a:pPr algn="ctr"/>
+            <a:endParaRPr lang="en-US"/>
+          </a:p>
+        </p:txBody>
+      </p:sp>
+    </p:spTree>
+    <p:extLst>
+      <p:ext uri="{BB962C8B-B14F-4D97-AF65-F5344CB8AC3E}">
+        <p14:creationId xmlns:p14="http://schemas.microsoft.com/office/powerpoint/2010/main" val="2795818398"/>
+      </p:ext>
+    </p:extLst>
+  </p:cSld>
+  <p:clrMapOvr>
+    <a:masterClrMapping/>
+  </p:clrMapOvr>
+</p:sld>
+</file>
+
+<file path=ppt/slides/slide8.xml><?xml version="1.0" encoding="utf-8"?>
+<p:sld xmlns:a="http://schemas.openxmlformats.org/drawingml/2006/main" xmlns:r="http://schemas.openxmlformats.org/officeDocument/2006/relationships" xmlns:p="http://schemas.openxmlformats.org/presentationml/2006/main">
+  <p:cSld>
+    <p:spTree>
+      <p:nvGrpSpPr>
+        <p:cNvPr id="1" name=""/>
+        <p:cNvGrpSpPr/>
+        <p:nvPr/>
+      </p:nvGrpSpPr>
+      <p:grpSpPr>
+        <a:xfrm>
+          <a:off x="0" y="0"/>
+          <a:ext cx="0" cy="0"/>
+          <a:chOff x="0" y="0"/>
+          <a:chExt cx="0" cy="0"/>
+        </a:xfrm>
+      </p:grpSpPr>
+      <p:sp>
+        <p:nvSpPr>
+          <p:cNvPr id="2" name="Titolo 1">
+            <a:extLst>
+              <a:ext uri="{FF2B5EF4-FFF2-40B4-BE49-F238E27FC236}">
+                <a16:creationId xmlns:a16="http://schemas.microsoft.com/office/drawing/2014/main" id="{E7FB1C7D-C86A-4142-476D-EC90EC4B3F82}"/>
+              </a:ext>
+            </a:extLst>
+          </p:cNvPr>
+          <p:cNvSpPr>
+            <a:spLocks noGrp="1"/>
+          </p:cNvSpPr>
+          <p:nvPr>
+            <p:ph type="title"/>
+          </p:nvPr>
+        </p:nvSpPr>
+        <p:spPr/>
+        <p:txBody>
+          <a:bodyPr/>
+          <a:lstStyle/>
+          <a:p>
+            <a:r>
+              <a:rPr lang="it-IT" dirty="0" err="1"/>
+              <a:t>Results</a:t>
+            </a:r>
+            <a:endParaRPr lang="it-IT" dirty="0"/>
+          </a:p>
+        </p:txBody>
+      </p:sp>
+      <p:sp>
+        <p:nvSpPr>
+          <p:cNvPr id="3" name="Segnaposto contenuto 2">
+            <a:extLst>
+              <a:ext uri="{FF2B5EF4-FFF2-40B4-BE49-F238E27FC236}">
+                <a16:creationId xmlns:a16="http://schemas.microsoft.com/office/drawing/2014/main" id="{3BE2915B-9099-81DD-2FF3-5F6AC61A2C97}"/>
+              </a:ext>
+            </a:extLst>
+          </p:cNvPr>
+          <p:cNvSpPr>
+            <a:spLocks noGrp="1"/>
+          </p:cNvSpPr>
+          <p:nvPr>
+            <p:ph idx="1"/>
+          </p:nvPr>
+        </p:nvSpPr>
+        <p:spPr/>
+        <p:txBody>
+          <a:bodyPr/>
+          <a:lstStyle/>
+          <a:p>
+            <a:endParaRPr lang="it-IT"/>
+          </a:p>
+        </p:txBody>
+      </p:sp>
+    </p:spTree>
+    <p:extLst>
+      <p:ext uri="{BB962C8B-B14F-4D97-AF65-F5344CB8AC3E}">
+        <p14:creationId xmlns:p14="http://schemas.microsoft.com/office/powerpoint/2010/main" val="1349168310"/>
+      </p:ext>
+    </p:extLst>
+  </p:cSld>
+  <p:clrMapOvr>
+    <a:masterClrMapping/>
+  </p:clrMapOvr>
+</p:sld>
+</file>
+
+<file path=ppt/slides/slide9.xml><?xml version="1.0" encoding="utf-8"?>
+<p:sld xmlns:a="http://schemas.openxmlformats.org/drawingml/2006/main" xmlns:r="http://schemas.openxmlformats.org/officeDocument/2006/relationships" xmlns:p="http://schemas.openxmlformats.org/presentationml/2006/main">
+  <p:cSld>
+    <p:bg>
+      <p:bgPr>
+        <a:solidFill>
+          <a:schemeClr val="bg1"/>
+        </a:solidFill>
+        <a:effectLst/>
+      </p:bgPr>
+    </p:bg>
+    <p:spTree>
+      <p:nvGrpSpPr>
+        <p:cNvPr id="1" name=""/>
+        <p:cNvGrpSpPr/>
+        <p:nvPr/>
+      </p:nvGrpSpPr>
+      <p:grpSpPr>
+        <a:xfrm>
+          <a:off x="0" y="0"/>
+          <a:ext cx="0" cy="0"/>
+          <a:chOff x="0" y="0"/>
+          <a:chExt cx="0" cy="0"/>
+        </a:xfrm>
+      </p:grpSpPr>
+      <p:sp useBgFill="1">
+        <p:nvSpPr>
+          <p:cNvPr id="9" name="Rectangle 8">
+            <a:extLst>
+              <a:ext uri="{FF2B5EF4-FFF2-40B4-BE49-F238E27FC236}">
+                <a16:creationId xmlns:a16="http://schemas.microsoft.com/office/drawing/2014/main" id="{579E3846-8D0B-B14A-817A-7FAC9DDAB4D8}"/>
+              </a:ext>
+              <a:ext uri="{C183D7F6-B498-43B3-948B-1728B52AA6E4}">
+                <adec:decorative xmlns:adec="http://schemas.microsoft.com/office/drawing/2017/decorative" val="1"/>
+              </a:ext>
+            </a:extLst>
+          </p:cNvPr>
+          <p:cNvSpPr>
+            <a:spLocks noGrp="1" noRot="1" noChangeAspect="1" noMove="1" noResize="1" noEditPoints="1" noAdjustHandles="1" noChangeArrowheads="1" noChangeShapeType="1" noTextEdit="1"/>
+          </p:cNvSpPr>
+          <p:nvPr>
+            <p:extLst>
+              <p:ext uri="{386F3935-93C4-4BCD-93E2-E3B085C9AB24}">
+                <p16:designElem xmlns:p16="http://schemas.microsoft.com/office/powerpoint/2015/main" val="1"/>
+              </p:ext>
+            </p:extLst>
+          </p:nvPr>
+        </p:nvSpPr>
+        <p:spPr>
+          <a:xfrm>
+            <a:off x="0" y="0"/>
+            <a:ext cx="12192000" cy="6858000"/>
+          </a:xfrm>
+          <a:prstGeom prst="rect">
+            <a:avLst/>
+          </a:prstGeom>
+          <a:ln>
+            <a:noFill/>
+          </a:ln>
+        </p:spPr>
+        <p:style>
+          <a:lnRef idx="2">
+            <a:schemeClr val="accent1">
+              <a:shade val="50000"/>
+            </a:schemeClr>
+          </a:lnRef>
+          <a:fillRef idx="1">
+            <a:schemeClr val="accent1"/>
+          </a:fillRef>
+          <a:effectRef idx="0">
+            <a:schemeClr val="accent1"/>
+          </a:effectRef>
+          <a:fontRef idx="minor">
+            <a:schemeClr val="lt1"/>
+          </a:fontRef>
+        </p:style>
+        <p:txBody>
+          <a:bodyPr rtlCol="0" anchor="ctr"/>
+          <a:lstStyle/>
+          <a:p>
+            <a:pPr algn="ctr"/>
+            <a:endParaRPr lang="en-US"/>
+          </a:p>
+        </p:txBody>
+      </p:sp>
+      <p:sp>
+        <p:nvSpPr>
+          <p:cNvPr id="2" name="Titolo 1">
+            <a:extLst>
+              <a:ext uri="{FF2B5EF4-FFF2-40B4-BE49-F238E27FC236}">
+                <a16:creationId xmlns:a16="http://schemas.microsoft.com/office/drawing/2014/main" id="{02BDD4DA-372C-EC76-D877-5A78B0E9E4AC}"/>
+              </a:ext>
+            </a:extLst>
+          </p:cNvPr>
+          <p:cNvSpPr>
+            <a:spLocks noGrp="1"/>
+          </p:cNvSpPr>
+          <p:nvPr>
+            <p:ph type="title"/>
+          </p:nvPr>
+        </p:nvSpPr>
+        <p:spPr>
+          <a:xfrm>
+            <a:off x="565149" y="1204721"/>
+            <a:ext cx="4114799" cy="1446550"/>
+          </a:xfrm>
+        </p:spPr>
+        <p:txBody>
+          <a:bodyPr>
+            <a:normAutofit/>
+          </a:bodyPr>
+          <a:lstStyle/>
+          <a:p>
+            <a:r>
+              <a:rPr lang="it-IT" dirty="0" err="1"/>
+              <a:t>Conclusions</a:t>
+            </a:r>
+            <a:endParaRPr lang="it-IT" dirty="0"/>
+          </a:p>
+        </p:txBody>
+      </p:sp>
+      <p:sp>
+        <p:nvSpPr>
+          <p:cNvPr id="3" name="Segnaposto contenuto 2">
+            <a:extLst>
+              <a:ext uri="{FF2B5EF4-FFF2-40B4-BE49-F238E27FC236}">
+                <a16:creationId xmlns:a16="http://schemas.microsoft.com/office/drawing/2014/main" id="{BAFCF626-016A-84E8-E00C-B431E688D6FC}"/>
+              </a:ext>
+            </a:extLst>
+          </p:cNvPr>
+          <p:cNvSpPr>
+            <a:spLocks noGrp="1"/>
+          </p:cNvSpPr>
+          <p:nvPr>
+            <p:ph idx="1"/>
+          </p:nvPr>
+        </p:nvSpPr>
+        <p:spPr>
+          <a:xfrm>
+            <a:off x="565150" y="2691638"/>
+            <a:ext cx="4451660" cy="3188586"/>
+          </a:xfrm>
+        </p:spPr>
+        <p:txBody>
+          <a:bodyPr>
+            <a:normAutofit/>
+          </a:bodyPr>
+          <a:lstStyle/>
+          <a:p>
+            <a:r>
+              <a:rPr lang="en-US" dirty="0"/>
+              <a:t>In the ideal case, the number of iterations is equal to 1</a:t>
+            </a:r>
+            <a:endParaRPr lang="it-IT" dirty="0"/>
+          </a:p>
+          <a:p>
+            <a:r>
+              <a:rPr lang="it-IT" dirty="0"/>
+              <a:t>More </a:t>
+            </a:r>
+            <a:r>
+              <a:rPr lang="it-IT" dirty="0" err="1"/>
+              <a:t>noise</a:t>
+            </a:r>
+            <a:r>
+              <a:rPr lang="it-IT" dirty="0"/>
+              <a:t> more </a:t>
+            </a:r>
+            <a:r>
+              <a:rPr lang="it-IT" dirty="0" err="1"/>
+              <a:t>iterations</a:t>
+            </a:r>
+            <a:endParaRPr lang="it-IT" dirty="0"/>
+          </a:p>
+          <a:p>
+            <a:r>
+              <a:rPr lang="it-IT" dirty="0"/>
+              <a:t>High </a:t>
+            </a:r>
+            <a:r>
+              <a:rPr lang="it-IT" dirty="0" err="1"/>
+              <a:t>number</a:t>
+            </a:r>
+            <a:r>
+              <a:rPr lang="it-IT" dirty="0"/>
+              <a:t> of </a:t>
+            </a:r>
+            <a:r>
+              <a:rPr lang="it-IT" dirty="0" err="1"/>
+              <a:t>peers</a:t>
+            </a:r>
+            <a:r>
+              <a:rPr lang="it-IT" dirty="0"/>
+              <a:t> </a:t>
+            </a:r>
+            <a:r>
+              <a:rPr lang="it-IT" dirty="0" err="1"/>
+              <a:t>ensure</a:t>
+            </a:r>
+            <a:r>
+              <a:rPr lang="it-IT" dirty="0"/>
+              <a:t> </a:t>
+            </a:r>
+            <a:r>
+              <a:rPr lang="it-IT" dirty="0" err="1"/>
+              <a:t>greater</a:t>
+            </a:r>
+            <a:r>
+              <a:rPr lang="it-IT" dirty="0"/>
+              <a:t> </a:t>
+            </a:r>
+            <a:r>
+              <a:rPr lang="it-IT" dirty="0" err="1"/>
+              <a:t>robustness</a:t>
+            </a:r>
+            <a:r>
+              <a:rPr lang="it-IT" dirty="0"/>
+              <a:t> to </a:t>
+            </a:r>
+            <a:r>
+              <a:rPr lang="it-IT" dirty="0" err="1"/>
+              <a:t>noise</a:t>
+            </a:r>
+            <a:endParaRPr lang="it-IT" dirty="0"/>
+          </a:p>
+          <a:p>
+            <a:endParaRPr lang="it-IT" dirty="0"/>
+          </a:p>
+        </p:txBody>
+      </p:sp>
+      <p:pic>
+        <p:nvPicPr>
+          <p:cNvPr id="5" name="Picture 4" descr="Graph on document with pen">
+            <a:extLst>
+              <a:ext uri="{FF2B5EF4-FFF2-40B4-BE49-F238E27FC236}">
+                <a16:creationId xmlns:a16="http://schemas.microsoft.com/office/drawing/2014/main" id="{1EF7B1BF-852B-1398-80ED-872D11C221FC}"/>
+              </a:ext>
+            </a:extLst>
+          </p:cNvPr>
+          <p:cNvPicPr>
+            <a:picLocks noChangeAspect="1"/>
+          </p:cNvPicPr>
+          <p:nvPr/>
+        </p:nvPicPr>
+        <p:blipFill rotWithShape="1">
+          <a:blip r:embed="rId2"/>
+          <a:srcRect l="22952" r="9229" b="-1"/>
+          <a:stretch/>
+        </p:blipFill>
+        <p:spPr>
+          <a:xfrm>
+            <a:off x="5224242" y="10"/>
+            <a:ext cx="6967758" cy="6857990"/>
+          </a:xfrm>
+          <a:prstGeom prst="rect">
+            <a:avLst/>
+          </a:prstGeom>
+        </p:spPr>
+      </p:pic>
+      <p:sp>
+        <p:nvSpPr>
+          <p:cNvPr id="11" name="Cross 10">
+            <a:extLst>
+              <a:ext uri="{FF2B5EF4-FFF2-40B4-BE49-F238E27FC236}">
+                <a16:creationId xmlns:a16="http://schemas.microsoft.com/office/drawing/2014/main" id="{EAB1217A-7C36-3A41-8536-BC68C4521095}"/>
+              </a:ext>
+              <a:ext uri="{C183D7F6-B498-43B3-948B-1728B52AA6E4}">
+                <adec:decorative xmlns:adec="http://schemas.microsoft.com/office/drawing/2017/decorative" val="1"/>
+              </a:ext>
+            </a:extLst>
+          </p:cNvPr>
+          <p:cNvSpPr>
+            <a:spLocks noGrp="1" noRot="1" noChangeAspect="1" noMove="1" noResize="1" noEditPoints="1" noAdjustHandles="1" noChangeArrowheads="1" noChangeShapeType="1" noTextEdit="1"/>
+          </p:cNvSpPr>
+          <p:nvPr>
+            <p:extLst>
+              <p:ext uri="{386F3935-93C4-4BCD-93E2-E3B085C9AB24}">
+                <p16:designElem xmlns:p16="http://schemas.microsoft.com/office/powerpoint/2015/main" val="1"/>
+              </p:ext>
+            </p:extLst>
+          </p:nvPr>
+        </p:nvSpPr>
+        <p:spPr>
+          <a:xfrm>
+            <a:off x="5016810" y="5618903"/>
+            <a:ext cx="524933" cy="524933"/>
+          </a:xfrm>
+          <a:prstGeom prst="plus">
+            <a:avLst>
+              <a:gd name="adj" fmla="val 39516"/>
+            </a:avLst>
+          </a:prstGeom>
+          <a:solidFill>
+            <a:schemeClr val="tx1"/>
+          </a:solidFill>
+          <a:ln>
+            <a:noFill/>
+          </a:ln>
+        </p:spPr>
+        <p:style>
+          <a:lnRef idx="2">
+            <a:schemeClr val="accent1">
+              <a:shade val="50000"/>
+            </a:schemeClr>
+          </a:lnRef>
+          <a:fillRef idx="1">
+            <a:schemeClr val="accent1"/>
+          </a:fillRef>
+          <a:effectRef idx="0">
+            <a:schemeClr val="accent1"/>
+          </a:effectRef>
+          <a:fontRef idx="minor">
+            <a:schemeClr val="lt1"/>
+          </a:fontRef>
+        </p:style>
+        <p:txBody>
+          <a:bodyPr rtlCol="0" anchor="ctr"/>
+          <a:lstStyle/>
+          <a:p>
+            <a:pPr algn="ctr"/>
+            <a:endParaRPr lang="en-US"/>
+          </a:p>
+        </p:txBody>
+      </p:sp>
+      <p:sp>
+        <p:nvSpPr>
+          <p:cNvPr id="13" name="Rectangle 12">
+            <a:extLst>
+              <a:ext uri="{FF2B5EF4-FFF2-40B4-BE49-F238E27FC236}">
+                <a16:creationId xmlns:a16="http://schemas.microsoft.com/office/drawing/2014/main" id="{DCA5172B-100A-154D-8648-280629D67DD0}"/>
+              </a:ext>
+              <a:ext uri="{C183D7F6-B498-43B3-948B-1728B52AA6E4}">
+                <adec:decorative xmlns:adec="http://schemas.microsoft.com/office/drawing/2017/decorative" val="1"/>
+              </a:ext>
+            </a:extLst>
+          </p:cNvPr>
+          <p:cNvSpPr>
+            <a:spLocks noGrp="1" noRot="1" noChangeAspect="1" noMove="1" noResize="1" noEditPoints="1" noAdjustHandles="1" noChangeArrowheads="1" noChangeShapeType="1" noTextEdit="1"/>
+          </p:cNvSpPr>
+          <p:nvPr>
+            <p:extLst>
+              <p:ext uri="{386F3935-93C4-4BCD-93E2-E3B085C9AB24}">
+                <p16:designElem xmlns:p16="http://schemas.microsoft.com/office/powerpoint/2015/main" val="1"/>
+              </p:ext>
+            </p:extLst>
+          </p:nvPr>
+        </p:nvSpPr>
+        <p:spPr>
+          <a:xfrm>
+            <a:off x="9881559" y="976630"/>
+            <a:ext cx="1336774" cy="120142"/>
+          </a:xfrm>
+          <a:prstGeom prst="rect">
+            <a:avLst/>
+          </a:prstGeom>
+          <a:solidFill>
+            <a:schemeClr val="tx1"/>
+          </a:solidFill>
+          <a:ln>
+            <a:noFill/>
+          </a:ln>
+        </p:spPr>
+        <p:style>
+          <a:lnRef idx="2">
+            <a:schemeClr val="accent1">
+              <a:shade val="50000"/>
+            </a:schemeClr>
+          </a:lnRef>
+          <a:fillRef idx="1">
+            <a:schemeClr val="accent1"/>
+          </a:fillRef>
+          <a:effectRef idx="0">
+            <a:schemeClr val="accent1"/>
+          </a:effectRef>
+          <a:fontRef idx="minor">
+            <a:schemeClr val="lt1"/>
+          </a:fontRef>
+        </p:style>
+        <p:txBody>
+          <a:bodyPr rtlCol="0" anchor="ctr"/>
+          <a:lstStyle/>
+          <a:p>
+            <a:pPr algn="ctr"/>
+            <a:endParaRPr lang="en-US"/>
+          </a:p>
+        </p:txBody>
+      </p:sp>
+    </p:spTree>
+    <p:extLst>
+      <p:ext uri="{BB962C8B-B14F-4D97-AF65-F5344CB8AC3E}">
+        <p14:creationId xmlns:p14="http://schemas.microsoft.com/office/powerpoint/2010/main" val="2215721124"/>
+      </p:ext>
+    </p:extLst>
+  </p:cSld>
+  <p:clrMapOvr>
+    <a:masterClrMapping/>
+  </p:clrMapOvr>
+</p:sld>
+</file>
+
 <file path=ppt/theme/theme1.xml><?xml version="1.0" encoding="utf-8"?>
 <a:theme xmlns:a="http://schemas.openxmlformats.org/drawingml/2006/main" name="MadridVTI">
   <a:themeElements>

--- a/Fast Quantum Byzantine Agreement.pptx
+++ b/Fast Quantum Byzantine Agreement.pptx
@@ -12,10 +12,12 @@
     <p:sldId id="260" r:id="rId6"/>
     <p:sldId id="265" r:id="rId7"/>
     <p:sldId id="266" r:id="rId8"/>
-    <p:sldId id="261" r:id="rId9"/>
-    <p:sldId id="262" r:id="rId10"/>
-    <p:sldId id="263" r:id="rId11"/>
-    <p:sldId id="264" r:id="rId12"/>
+    <p:sldId id="267" r:id="rId9"/>
+    <p:sldId id="268" r:id="rId10"/>
+    <p:sldId id="261" r:id="rId11"/>
+    <p:sldId id="262" r:id="rId12"/>
+    <p:sldId id="263" r:id="rId13"/>
+    <p:sldId id="264" r:id="rId14"/>
   </p:sldIdLst>
   <p:sldSz cx="12192000" cy="6858000"/>
   <p:notesSz cx="6858000" cy="9144000"/>
@@ -270,7 +272,7 @@
             <a:fld id="{73C3BD54-29B9-3D42-B178-776ED395AA85}" type="datetimeFigureOut">
               <a:rPr lang="en-US" smtClean="0"/>
               <a:pPr/>
-              <a:t>10/23/2023</a:t>
+              <a:t>10/24/2023</a:t>
             </a:fld>
             <a:endParaRPr lang="en-US" dirty="0"/>
           </a:p>
@@ -470,7 +472,7 @@
             <a:fld id="{73C3BD54-29B9-3D42-B178-776ED395AA85}" type="datetimeFigureOut">
               <a:rPr lang="en-US" smtClean="0"/>
               <a:pPr/>
-              <a:t>10/23/2023</a:t>
+              <a:t>10/24/2023</a:t>
             </a:fld>
             <a:endParaRPr lang="en-US" dirty="0"/>
           </a:p>
@@ -680,7 +682,7 @@
             <a:fld id="{73C3BD54-29B9-3D42-B178-776ED395AA85}" type="datetimeFigureOut">
               <a:rPr lang="en-US" smtClean="0"/>
               <a:pPr/>
-              <a:t>10/23/2023</a:t>
+              <a:t>10/24/2023</a:t>
             </a:fld>
             <a:endParaRPr lang="en-US" dirty="0"/>
           </a:p>
@@ -880,7 +882,7 @@
             <a:fld id="{73C3BD54-29B9-3D42-B178-776ED395AA85}" type="datetimeFigureOut">
               <a:rPr lang="en-US" smtClean="0"/>
               <a:pPr/>
-              <a:t>10/23/2023</a:t>
+              <a:t>10/24/2023</a:t>
             </a:fld>
             <a:endParaRPr lang="en-US" dirty="0"/>
           </a:p>
@@ -1157,7 +1159,7 @@
             <a:fld id="{73C3BD54-29B9-3D42-B178-776ED395AA85}" type="datetimeFigureOut">
               <a:rPr lang="en-US" smtClean="0"/>
               <a:pPr/>
-              <a:t>10/23/2023</a:t>
+              <a:t>10/24/2023</a:t>
             </a:fld>
             <a:endParaRPr lang="en-US" dirty="0"/>
           </a:p>
@@ -1424,7 +1426,7 @@
             <a:fld id="{73C3BD54-29B9-3D42-B178-776ED395AA85}" type="datetimeFigureOut">
               <a:rPr lang="en-US" smtClean="0"/>
               <a:pPr/>
-              <a:t>10/23/2023</a:t>
+              <a:t>10/24/2023</a:t>
             </a:fld>
             <a:endParaRPr lang="en-US" dirty="0"/>
           </a:p>
@@ -1838,7 +1840,7 @@
             <a:fld id="{73C3BD54-29B9-3D42-B178-776ED395AA85}" type="datetimeFigureOut">
               <a:rPr lang="en-US" smtClean="0"/>
               <a:pPr/>
-              <a:t>10/23/2023</a:t>
+              <a:t>10/24/2023</a:t>
             </a:fld>
             <a:endParaRPr lang="en-US" dirty="0"/>
           </a:p>
@@ -1981,7 +1983,7 @@
             <a:fld id="{73C3BD54-29B9-3D42-B178-776ED395AA85}" type="datetimeFigureOut">
               <a:rPr lang="en-US" smtClean="0"/>
               <a:pPr/>
-              <a:t>10/23/2023</a:t>
+              <a:t>10/24/2023</a:t>
             </a:fld>
             <a:endParaRPr lang="en-US" dirty="0"/>
           </a:p>
@@ -2096,7 +2098,7 @@
             <a:fld id="{73C3BD54-29B9-3D42-B178-776ED395AA85}" type="datetimeFigureOut">
               <a:rPr lang="en-US" smtClean="0"/>
               <a:pPr/>
-              <a:t>10/23/2023</a:t>
+              <a:t>10/24/2023</a:t>
             </a:fld>
             <a:endParaRPr lang="en-US" dirty="0"/>
           </a:p>
@@ -2409,7 +2411,7 @@
             <a:fld id="{73C3BD54-29B9-3D42-B178-776ED395AA85}" type="datetimeFigureOut">
               <a:rPr lang="en-US" smtClean="0"/>
               <a:pPr/>
-              <a:t>10/23/2023</a:t>
+              <a:t>10/24/2023</a:t>
             </a:fld>
             <a:endParaRPr lang="en-US" dirty="0"/>
           </a:p>
@@ -2699,7 +2701,7 @@
             <a:fld id="{73C3BD54-29B9-3D42-B178-776ED395AA85}" type="datetimeFigureOut">
               <a:rPr lang="en-US" smtClean="0"/>
               <a:pPr/>
-              <a:t>10/23/2023</a:t>
+              <a:t>10/24/2023</a:t>
             </a:fld>
             <a:endParaRPr lang="en-US" dirty="0"/>
           </a:p>
@@ -2942,7 +2944,7 @@
             <a:fld id="{73C3BD54-29B9-3D42-B178-776ED395AA85}" type="datetimeFigureOut">
               <a:rPr lang="en-US" smtClean="0"/>
               <a:pPr/>
-              <a:t>10/23/2023</a:t>
+              <a:t>10/24/2023</a:t>
             </a:fld>
             <a:endParaRPr lang="en-US" dirty="0"/>
           </a:p>
@@ -3715,6 +3717,14 @@
 <file path=ppt/slides/slide10.xml><?xml version="1.0" encoding="utf-8"?>
 <p:sld xmlns:a="http://schemas.openxmlformats.org/drawingml/2006/main" xmlns:r="http://schemas.openxmlformats.org/officeDocument/2006/relationships" xmlns:p="http://schemas.openxmlformats.org/presentationml/2006/main">
   <p:cSld>
+    <p:bg>
+      <p:bgPr>
+        <a:solidFill>
+          <a:schemeClr val="bg1"/>
+        </a:solidFill>
+        <a:effectLst/>
+      </p:bgPr>
+    </p:bg>
     <p:spTree>
       <p:nvGrpSpPr>
         <p:cNvPr id="1" name=""/>
@@ -3734,7 +3744,7 @@
           <p:cNvPr id="2" name="Titolo 1">
             <a:extLst>
               <a:ext uri="{FF2B5EF4-FFF2-40B4-BE49-F238E27FC236}">
-                <a16:creationId xmlns:a16="http://schemas.microsoft.com/office/drawing/2014/main" id="{E7FB1C7D-C86A-4142-476D-EC90EC4B3F82}"/>
+                <a16:creationId xmlns:a16="http://schemas.microsoft.com/office/drawing/2014/main" id="{A3943FB6-6CB9-0FD0-F920-734BD0522DC8}"/>
               </a:ext>
             </a:extLst>
           </p:cNvPr>
@@ -3745,44 +3755,489 @@
             <p:ph type="title"/>
           </p:nvPr>
         </p:nvSpPr>
-        <p:spPr/>
-        <p:txBody>
-          <a:bodyPr/>
-          <a:lstStyle/>
-          <a:p>
+        <p:spPr>
+          <a:xfrm>
+            <a:off x="565149" y="1204721"/>
+            <a:ext cx="4114799" cy="1446550"/>
+          </a:xfrm>
+        </p:spPr>
+        <p:txBody>
+          <a:bodyPr>
+            <a:normAutofit/>
+          </a:bodyPr>
+          <a:lstStyle/>
+          <a:p>
+            <a:r>
+              <a:rPr lang="it-IT" dirty="0" err="1"/>
+              <a:t>Implementation</a:t>
+            </a:r>
+            <a:endParaRPr lang="it-IT" dirty="0"/>
+          </a:p>
+        </p:txBody>
+      </p:sp>
+      <p:sp>
+        <p:nvSpPr>
+          <p:cNvPr id="3" name="Segnaposto contenuto 2">
+            <a:extLst>
+              <a:ext uri="{FF2B5EF4-FFF2-40B4-BE49-F238E27FC236}">
+                <a16:creationId xmlns:a16="http://schemas.microsoft.com/office/drawing/2014/main" id="{3D4DE5C7-5A8B-ADA9-B124-3B1051BD8B90}"/>
+              </a:ext>
+            </a:extLst>
+          </p:cNvPr>
+          <p:cNvSpPr>
+            <a:spLocks noGrp="1"/>
+          </p:cNvSpPr>
+          <p:nvPr>
+            <p:ph idx="1"/>
+          </p:nvPr>
+        </p:nvSpPr>
+        <p:spPr>
+          <a:xfrm>
+            <a:off x="565150" y="2691638"/>
+            <a:ext cx="4114799" cy="3188586"/>
+          </a:xfrm>
+        </p:spPr>
+        <p:txBody>
+          <a:bodyPr>
+            <a:normAutofit fontScale="92500" lnSpcReduction="10000"/>
+          </a:bodyPr>
+          <a:lstStyle/>
+          <a:p>
+            <a:r>
+              <a:rPr lang="it-IT" dirty="0" err="1"/>
+              <a:t>NetQASM</a:t>
+            </a:r>
+            <a:r>
+              <a:rPr lang="it-IT" dirty="0"/>
+              <a:t> to make quantum network </a:t>
+            </a:r>
+            <a:r>
+              <a:rPr lang="it-IT" dirty="0" err="1"/>
+              <a:t>applications</a:t>
+            </a:r>
+            <a:endParaRPr lang="it-IT" dirty="0"/>
+          </a:p>
+          <a:p>
+            <a:r>
+              <a:rPr lang="it-IT" dirty="0"/>
+              <a:t>Python</a:t>
+            </a:r>
+          </a:p>
+          <a:p>
+            <a:r>
+              <a:rPr lang="it-IT" dirty="0" err="1"/>
+              <a:t>SquidASM</a:t>
+            </a:r>
+            <a:r>
+              <a:rPr lang="it-IT" dirty="0"/>
+              <a:t> to simulate </a:t>
+            </a:r>
+            <a:r>
+              <a:rPr lang="it-IT" dirty="0" err="1"/>
+              <a:t>application</a:t>
+            </a:r>
+            <a:endParaRPr lang="it-IT" dirty="0"/>
+          </a:p>
+          <a:p>
+            <a:r>
+              <a:rPr lang="it-IT" dirty="0"/>
+              <a:t>Alternative to QOCC for </a:t>
+            </a:r>
+            <a:r>
+              <a:rPr lang="it-IT" dirty="0" err="1"/>
+              <a:t>noise</a:t>
+            </a:r>
+            <a:r>
+              <a:rPr lang="it-IT" dirty="0"/>
+              <a:t> study</a:t>
+            </a:r>
+          </a:p>
+        </p:txBody>
+      </p:sp>
+      <p:pic>
+        <p:nvPicPr>
+          <p:cNvPr id="5" name="Picture 4" descr="Sphere of mesh and nodes">
+            <a:extLst>
+              <a:ext uri="{FF2B5EF4-FFF2-40B4-BE49-F238E27FC236}">
+                <a16:creationId xmlns:a16="http://schemas.microsoft.com/office/drawing/2014/main" id="{E3CDCFE7-3158-9268-3246-647B1CDF0553}"/>
+              </a:ext>
+            </a:extLst>
+          </p:cNvPr>
+          <p:cNvPicPr>
+            <a:picLocks noChangeAspect="1"/>
+          </p:cNvPicPr>
+          <p:nvPr/>
+        </p:nvPicPr>
+        <p:blipFill rotWithShape="1">
+          <a:blip r:embed="rId2"/>
+          <a:srcRect l="23800"/>
+          <a:stretch/>
+        </p:blipFill>
+        <p:spPr>
+          <a:xfrm>
+            <a:off x="5224242" y="10"/>
+            <a:ext cx="6967758" cy="6857990"/>
+          </a:xfrm>
+          <a:prstGeom prst="rect">
+            <a:avLst/>
+          </a:prstGeom>
+        </p:spPr>
+      </p:pic>
+    </p:spTree>
+    <p:extLst>
+      <p:ext uri="{BB962C8B-B14F-4D97-AF65-F5344CB8AC3E}">
+        <p14:creationId xmlns:p14="http://schemas.microsoft.com/office/powerpoint/2010/main" val="1396010090"/>
+      </p:ext>
+    </p:extLst>
+  </p:cSld>
+  <p:clrMapOvr>
+    <a:masterClrMapping/>
+  </p:clrMapOvr>
+</p:sld>
+</file>
+
+<file path=ppt/slides/slide11.xml><?xml version="1.0" encoding="utf-8"?>
+<p:sld xmlns:a="http://schemas.openxmlformats.org/drawingml/2006/main" xmlns:r="http://schemas.openxmlformats.org/officeDocument/2006/relationships" xmlns:p="http://schemas.openxmlformats.org/presentationml/2006/main">
+  <p:cSld>
+    <p:bg>
+      <p:bgPr>
+        <a:solidFill>
+          <a:schemeClr val="bg1"/>
+        </a:solidFill>
+        <a:effectLst/>
+      </p:bgPr>
+    </p:bg>
+    <p:spTree>
+      <p:nvGrpSpPr>
+        <p:cNvPr id="1" name=""/>
+        <p:cNvGrpSpPr/>
+        <p:nvPr/>
+      </p:nvGrpSpPr>
+      <p:grpSpPr>
+        <a:xfrm>
+          <a:off x="0" y="0"/>
+          <a:ext cx="0" cy="0"/>
+          <a:chOff x="0" y="0"/>
+          <a:chExt cx="0" cy="0"/>
+        </a:xfrm>
+      </p:grpSpPr>
+      <p:sp>
+        <p:nvSpPr>
+          <p:cNvPr id="2" name="Titolo 1">
+            <a:extLst>
+              <a:ext uri="{FF2B5EF4-FFF2-40B4-BE49-F238E27FC236}">
+                <a16:creationId xmlns:a16="http://schemas.microsoft.com/office/drawing/2014/main" id="{AF4F5160-818F-E59D-AD76-75628EB33D85}"/>
+              </a:ext>
+            </a:extLst>
+          </p:cNvPr>
+          <p:cNvSpPr>
+            <a:spLocks noGrp="1"/>
+          </p:cNvSpPr>
+          <p:nvPr>
+            <p:ph type="title"/>
+          </p:nvPr>
+        </p:nvSpPr>
+        <p:spPr>
+          <a:xfrm>
+            <a:off x="7493192" y="1204721"/>
+            <a:ext cx="4133647" cy="1446550"/>
+          </a:xfrm>
+        </p:spPr>
+        <p:txBody>
+          <a:bodyPr>
+            <a:normAutofit fontScale="90000"/>
+          </a:bodyPr>
+          <a:lstStyle/>
+          <a:p>
+            <a:pPr>
+              <a:lnSpc>
+                <a:spcPct val="90000"/>
+              </a:lnSpc>
+            </a:pPr>
             <a:r>
               <a:rPr lang="it-IT" dirty="0" err="1"/>
               <a:t>Results</a:t>
             </a:r>
+            <a:br>
+              <a:rPr lang="it-IT" sz="3100" dirty="0"/>
+            </a:br>
+            <a:br>
+              <a:rPr lang="it-IT" sz="3100" dirty="0"/>
+            </a:br>
+            <a:r>
+              <a:rPr lang="it-IT" sz="2700" b="1" dirty="0" err="1"/>
+              <a:t>Parameters</a:t>
+            </a:r>
+            <a:r>
+              <a:rPr lang="it-IT" sz="2700" b="1" dirty="0"/>
+              <a:t> :</a:t>
+            </a:r>
+            <a:endParaRPr lang="it-IT" sz="3100" b="1" dirty="0"/>
+          </a:p>
+        </p:txBody>
+      </p:sp>
+      <p:sp>
+        <p:nvSpPr>
+          <p:cNvPr id="3" name="Segnaposto contenuto 2">
+            <a:extLst>
+              <a:ext uri="{FF2B5EF4-FFF2-40B4-BE49-F238E27FC236}">
+                <a16:creationId xmlns:a16="http://schemas.microsoft.com/office/drawing/2014/main" id="{520F8629-9625-78D2-CB95-1D414A103521}"/>
+              </a:ext>
+            </a:extLst>
+          </p:cNvPr>
+          <p:cNvSpPr>
+            <a:spLocks noGrp="1"/>
+          </p:cNvSpPr>
+          <p:nvPr>
+            <p:ph idx="1"/>
+          </p:nvPr>
+        </p:nvSpPr>
+        <p:spPr>
+          <a:xfrm>
+            <a:off x="7493193" y="2691638"/>
+            <a:ext cx="4133647" cy="3188586"/>
+          </a:xfrm>
+        </p:spPr>
+        <p:txBody>
+          <a:bodyPr>
+            <a:normAutofit/>
+          </a:bodyPr>
+          <a:lstStyle/>
+          <a:p>
+            <a:r>
+              <a:rPr lang="it-IT" dirty="0"/>
+              <a:t>Gate fidelity and fidelity</a:t>
+            </a:r>
+          </a:p>
+          <a:p>
+            <a:r>
+              <a:rPr lang="it-IT" dirty="0" err="1"/>
+              <a:t>Type</a:t>
+            </a:r>
+            <a:r>
+              <a:rPr lang="it-IT" dirty="0"/>
+              <a:t> </a:t>
+            </a:r>
+            <a:r>
+              <a:rPr lang="it-IT" dirty="0" err="1"/>
+              <a:t>noise</a:t>
+            </a:r>
             <a:endParaRPr lang="it-IT" dirty="0"/>
           </a:p>
-        </p:txBody>
-      </p:sp>
-      <p:sp>
-        <p:nvSpPr>
-          <p:cNvPr id="3" name="Segnaposto contenuto 2">
-            <a:extLst>
-              <a:ext uri="{FF2B5EF4-FFF2-40B4-BE49-F238E27FC236}">
-                <a16:creationId xmlns:a16="http://schemas.microsoft.com/office/drawing/2014/main" id="{3BE2915B-9099-81DD-2FF3-5F6AC61A2C97}"/>
-              </a:ext>
-            </a:extLst>
-          </p:cNvPr>
-          <p:cNvSpPr>
-            <a:spLocks noGrp="1"/>
-          </p:cNvSpPr>
+          <a:p>
+            <a:r>
+              <a:rPr lang="it-IT" dirty="0" err="1"/>
+              <a:t>Decoherence</a:t>
+            </a:r>
+            <a:r>
+              <a:rPr lang="it-IT" dirty="0"/>
+              <a:t> times</a:t>
+            </a:r>
+          </a:p>
+          <a:p>
+            <a:r>
+              <a:rPr lang="it-IT" dirty="0" err="1"/>
+              <a:t>Number</a:t>
+            </a:r>
+            <a:r>
+              <a:rPr lang="it-IT" dirty="0"/>
+              <a:t> of </a:t>
+            </a:r>
+            <a:r>
+              <a:rPr lang="it-IT" dirty="0" err="1"/>
+              <a:t>peers</a:t>
+            </a:r>
+            <a:endParaRPr lang="it-IT" dirty="0"/>
+          </a:p>
+          <a:p>
+            <a:pPr marL="0" indent="0">
+              <a:buNone/>
+            </a:pPr>
+            <a:r>
+              <a:rPr lang="it-IT" dirty="0"/>
+              <a:t>30 </a:t>
+            </a:r>
+            <a:r>
+              <a:rPr lang="it-IT" dirty="0" err="1"/>
+              <a:t>runs</a:t>
+            </a:r>
+            <a:r>
+              <a:rPr lang="it-IT" dirty="0"/>
+              <a:t> for </a:t>
+            </a:r>
+            <a:r>
+              <a:rPr lang="it-IT" dirty="0" err="1"/>
+              <a:t>every</a:t>
+            </a:r>
+            <a:r>
+              <a:rPr lang="it-IT" dirty="0"/>
+              <a:t> test case</a:t>
+            </a:r>
+          </a:p>
+          <a:p>
+            <a:endParaRPr lang="it-IT" dirty="0"/>
+          </a:p>
+        </p:txBody>
+      </p:sp>
+      <p:pic>
+        <p:nvPicPr>
+          <p:cNvPr id="20" name="Picture 4" descr="Zigzag indicator line">
+            <a:extLst>
+              <a:ext uri="{FF2B5EF4-FFF2-40B4-BE49-F238E27FC236}">
+                <a16:creationId xmlns:a16="http://schemas.microsoft.com/office/drawing/2014/main" id="{2DBAD723-D4DE-5C86-E696-00D63622E075}"/>
+              </a:ext>
+            </a:extLst>
+          </p:cNvPr>
+          <p:cNvPicPr>
+            <a:picLocks noChangeAspect="1"/>
+          </p:cNvPicPr>
+          <p:nvPr/>
+        </p:nvPicPr>
+        <p:blipFill rotWithShape="1">
+          <a:blip r:embed="rId2"/>
+          <a:srcRect l="13667" r="18514" b="-1"/>
+          <a:stretch/>
+        </p:blipFill>
+        <p:spPr>
+          <a:xfrm>
+            <a:off x="20" y="10"/>
+            <a:ext cx="6967738" cy="6857990"/>
+          </a:xfrm>
+          <a:prstGeom prst="rect">
+            <a:avLst/>
+          </a:prstGeom>
+        </p:spPr>
+      </p:pic>
+    </p:spTree>
+    <p:extLst>
+      <p:ext uri="{BB962C8B-B14F-4D97-AF65-F5344CB8AC3E}">
+        <p14:creationId xmlns:p14="http://schemas.microsoft.com/office/powerpoint/2010/main" val="2795818398"/>
+      </p:ext>
+    </p:extLst>
+  </p:cSld>
+  <p:clrMapOvr>
+    <a:masterClrMapping/>
+  </p:clrMapOvr>
+</p:sld>
+</file>
+
+<file path=ppt/slides/slide12.xml><?xml version="1.0" encoding="utf-8"?>
+<p:sld xmlns:a="http://schemas.openxmlformats.org/drawingml/2006/main" xmlns:r="http://schemas.openxmlformats.org/officeDocument/2006/relationships" xmlns:p="http://schemas.openxmlformats.org/presentationml/2006/main">
+  <p:cSld>
+    <p:spTree>
+      <p:nvGrpSpPr>
+        <p:cNvPr id="1" name=""/>
+        <p:cNvGrpSpPr/>
+        <p:nvPr/>
+      </p:nvGrpSpPr>
+      <p:grpSpPr>
+        <a:xfrm>
+          <a:off x="0" y="0"/>
+          <a:ext cx="0" cy="0"/>
+          <a:chOff x="0" y="0"/>
+          <a:chExt cx="0" cy="0"/>
+        </a:xfrm>
+      </p:grpSpPr>
+      <p:sp>
+        <p:nvSpPr>
+          <p:cNvPr id="2" name="Titolo 1">
+            <a:extLst>
+              <a:ext uri="{FF2B5EF4-FFF2-40B4-BE49-F238E27FC236}">
+                <a16:creationId xmlns:a16="http://schemas.microsoft.com/office/drawing/2014/main" id="{E7FB1C7D-C86A-4142-476D-EC90EC4B3F82}"/>
+              </a:ext>
+            </a:extLst>
+          </p:cNvPr>
+          <p:cNvSpPr>
+            <a:spLocks noGrp="1"/>
+          </p:cNvSpPr>
+          <p:nvPr>
+            <p:ph type="title"/>
+          </p:nvPr>
+        </p:nvSpPr>
+        <p:spPr/>
+        <p:txBody>
+          <a:bodyPr/>
+          <a:lstStyle/>
+          <a:p>
+            <a:r>
+              <a:rPr lang="it-IT" dirty="0" err="1"/>
+              <a:t>Results</a:t>
+            </a:r>
+            <a:endParaRPr lang="it-IT" dirty="0"/>
+          </a:p>
+        </p:txBody>
+      </p:sp>
+      <p:pic>
+        <p:nvPicPr>
+          <p:cNvPr id="5" name="Segnaposto contenuto 4" descr="Immagine che contiene testo, schermata, diagramma, numero&#10;&#10;Descrizione generata automaticamente">
+            <a:extLst>
+              <a:ext uri="{FF2B5EF4-FFF2-40B4-BE49-F238E27FC236}">
+                <a16:creationId xmlns:a16="http://schemas.microsoft.com/office/drawing/2014/main" id="{0CF152E4-4C32-DE0E-E6CB-0A346FEA3CED}"/>
+              </a:ext>
+            </a:extLst>
+          </p:cNvPr>
+          <p:cNvPicPr>
+            <a:picLocks noGrp="1" noChangeAspect="1"/>
+          </p:cNvPicPr>
           <p:nvPr>
             <p:ph idx="1"/>
           </p:nvPr>
-        </p:nvSpPr>
-        <p:spPr/>
-        <p:txBody>
-          <a:bodyPr/>
-          <a:lstStyle/>
-          <a:p>
-            <a:endParaRPr lang="it-IT" dirty="0"/>
-          </a:p>
-        </p:txBody>
-      </p:sp>
+        </p:nvPicPr>
+        <p:blipFill>
+          <a:blip r:embed="rId2">
+            <a:extLst>
+              <a:ext uri="{28A0092B-C50C-407E-A947-70E740481C1C}">
+                <a14:useLocalDpi xmlns:a14="http://schemas.microsoft.com/office/drawing/2010/main" val="0"/>
+              </a:ext>
+            </a:extLst>
+          </a:blip>
+          <a:stretch>
+            <a:fillRect/>
+          </a:stretch>
+        </p:blipFill>
+        <p:spPr>
+          <a:xfrm>
+            <a:off x="121196" y="1619818"/>
+            <a:ext cx="6653920" cy="4351338"/>
+          </a:xfrm>
+        </p:spPr>
+      </p:pic>
+      <p:pic>
+        <p:nvPicPr>
+          <p:cNvPr id="7" name="Immagine 6" descr="Immagine che contiene testo, schermata, diagramma, numero&#10;&#10;Descrizione generata automaticamente">
+            <a:extLst>
+              <a:ext uri="{FF2B5EF4-FFF2-40B4-BE49-F238E27FC236}">
+                <a16:creationId xmlns:a16="http://schemas.microsoft.com/office/drawing/2014/main" id="{C8129ED3-8EC7-84CD-E40C-827BB337D2CA}"/>
+              </a:ext>
+            </a:extLst>
+          </p:cNvPr>
+          <p:cNvPicPr>
+            <a:picLocks noChangeAspect="1"/>
+          </p:cNvPicPr>
+          <p:nvPr/>
+        </p:nvPicPr>
+        <p:blipFill>
+          <a:blip r:embed="rId3">
+            <a:extLst>
+              <a:ext uri="{28A0092B-C50C-407E-A947-70E740481C1C}">
+                <a14:useLocalDpi xmlns:a14="http://schemas.microsoft.com/office/drawing/2010/main" val="0"/>
+              </a:ext>
+            </a:extLst>
+          </a:blip>
+          <a:stretch>
+            <a:fillRect/>
+          </a:stretch>
+        </p:blipFill>
+        <p:spPr>
+          <a:xfrm>
+            <a:off x="6218632" y="1600922"/>
+            <a:ext cx="5852172" cy="4389129"/>
+          </a:xfrm>
+          <a:prstGeom prst="rect">
+            <a:avLst/>
+          </a:prstGeom>
+        </p:spPr>
+      </p:pic>
     </p:spTree>
     <p:extLst>
       <p:ext uri="{BB962C8B-B14F-4D97-AF65-F5344CB8AC3E}">
@@ -3796,7 +4251,7 @@
 </p:sld>
 </file>
 
-<file path=ppt/slides/slide11.xml><?xml version="1.0" encoding="utf-8"?>
+<file path=ppt/slides/slide13.xml><?xml version="1.0" encoding="utf-8"?>
 <p:sld xmlns:a="http://schemas.openxmlformats.org/drawingml/2006/main" xmlns:r="http://schemas.openxmlformats.org/officeDocument/2006/relationships" xmlns:p="http://schemas.openxmlformats.org/presentationml/2006/main">
   <p:cSld>
     <p:bg>
@@ -5108,14 +5563,6 @@
 <file path=ppt/slides/slide8.xml><?xml version="1.0" encoding="utf-8"?>
 <p:sld xmlns:a="http://schemas.openxmlformats.org/drawingml/2006/main" xmlns:r="http://schemas.openxmlformats.org/officeDocument/2006/relationships" xmlns:p="http://schemas.openxmlformats.org/presentationml/2006/main">
   <p:cSld>
-    <p:bg>
-      <p:bgPr>
-        <a:solidFill>
-          <a:schemeClr val="bg1"/>
-        </a:solidFill>
-        <a:effectLst/>
-      </p:bgPr>
-    </p:bg>
     <p:spTree>
       <p:nvGrpSpPr>
         <p:cNvPr id="1" name=""/>
@@ -5130,127 +5577,47 @@
           <a:chExt cx="0" cy="0"/>
         </a:xfrm>
       </p:grpSpPr>
-      <p:sp>
-        <p:nvSpPr>
-          <p:cNvPr id="2" name="Titolo 1">
-            <a:extLst>
-              <a:ext uri="{FF2B5EF4-FFF2-40B4-BE49-F238E27FC236}">
-                <a16:creationId xmlns:a16="http://schemas.microsoft.com/office/drawing/2014/main" id="{A3943FB6-6CB9-0FD0-F920-734BD0522DC8}"/>
-              </a:ext>
-            </a:extLst>
-          </p:cNvPr>
-          <p:cNvSpPr>
-            <a:spLocks noGrp="1"/>
-          </p:cNvSpPr>
-          <p:nvPr>
-            <p:ph type="title"/>
-          </p:nvPr>
-        </p:nvSpPr>
+      <p:pic>
+        <p:nvPicPr>
+          <p:cNvPr id="5" name="Segnaposto contenuto 4" descr="Immagine che contiene luna, cerchio, Oggetto astronomico, sfera&#10;&#10;Descrizione generata automaticamente">
+            <a:extLst>
+              <a:ext uri="{FF2B5EF4-FFF2-40B4-BE49-F238E27FC236}">
+                <a16:creationId xmlns:a16="http://schemas.microsoft.com/office/drawing/2014/main" id="{34C3AD6E-7D22-DBDA-9A7C-22FF767DACC9}"/>
+              </a:ext>
+            </a:extLst>
+          </p:cNvPr>
+          <p:cNvPicPr>
+            <a:picLocks noGrp="1" noChangeAspect="1"/>
+          </p:cNvPicPr>
+          <p:nvPr>
+            <p:ph idx="1"/>
+          </p:nvPr>
+        </p:nvPicPr>
+        <p:blipFill>
+          <a:blip r:embed="rId2">
+            <a:extLst>
+              <a:ext uri="{28A0092B-C50C-407E-A947-70E740481C1C}">
+                <a14:useLocalDpi xmlns:a14="http://schemas.microsoft.com/office/drawing/2010/main" val="0"/>
+              </a:ext>
+            </a:extLst>
+          </a:blip>
+          <a:stretch>
+            <a:fillRect/>
+          </a:stretch>
+        </p:blipFill>
         <p:spPr>
           <a:xfrm>
-            <a:off x="565149" y="1204721"/>
-            <a:ext cx="4114799" cy="1446550"/>
+            <a:off x="889191" y="1113923"/>
+            <a:ext cx="5107111" cy="4351338"/>
           </a:xfrm>
         </p:spPr>
-        <p:txBody>
-          <a:bodyPr>
-            <a:normAutofit/>
-          </a:bodyPr>
-          <a:lstStyle/>
-          <a:p>
-            <a:r>
-              <a:rPr lang="it-IT" dirty="0" err="1"/>
-              <a:t>Implementation</a:t>
-            </a:r>
-            <a:endParaRPr lang="it-IT" dirty="0"/>
-          </a:p>
-        </p:txBody>
-      </p:sp>
-      <p:sp>
-        <p:nvSpPr>
-          <p:cNvPr id="3" name="Segnaposto contenuto 2">
-            <a:extLst>
-              <a:ext uri="{FF2B5EF4-FFF2-40B4-BE49-F238E27FC236}">
-                <a16:creationId xmlns:a16="http://schemas.microsoft.com/office/drawing/2014/main" id="{3D4DE5C7-5A8B-ADA9-B124-3B1051BD8B90}"/>
-              </a:ext>
-            </a:extLst>
-          </p:cNvPr>
-          <p:cNvSpPr>
-            <a:spLocks noGrp="1"/>
-          </p:cNvSpPr>
-          <p:nvPr>
-            <p:ph idx="1"/>
-          </p:nvPr>
-        </p:nvSpPr>
-        <p:spPr>
-          <a:xfrm>
-            <a:off x="565150" y="2691638"/>
-            <a:ext cx="4114799" cy="3188586"/>
-          </a:xfrm>
-        </p:spPr>
-        <p:txBody>
-          <a:bodyPr>
-            <a:normAutofit fontScale="92500" lnSpcReduction="10000"/>
-          </a:bodyPr>
-          <a:lstStyle/>
-          <a:p>
-            <a:r>
-              <a:rPr lang="it-IT" dirty="0" err="1"/>
-              <a:t>NetQASM</a:t>
-            </a:r>
-            <a:r>
-              <a:rPr lang="it-IT" dirty="0"/>
-              <a:t> to make quantum network </a:t>
-            </a:r>
-            <a:r>
-              <a:rPr lang="it-IT" dirty="0" err="1"/>
-              <a:t>applications</a:t>
-            </a:r>
-            <a:endParaRPr lang="it-IT" dirty="0"/>
-          </a:p>
-          <a:p>
-            <a:r>
-              <a:rPr lang="it-IT" dirty="0"/>
-              <a:t>Python</a:t>
-            </a:r>
-          </a:p>
-          <a:p>
-            <a:r>
-              <a:rPr lang="it-IT" dirty="0" err="1"/>
-              <a:t>SquidASM</a:t>
-            </a:r>
-            <a:r>
-              <a:rPr lang="it-IT" dirty="0"/>
-              <a:t> to simulate </a:t>
-            </a:r>
-            <a:r>
-              <a:rPr lang="it-IT" dirty="0" err="1"/>
-              <a:t>application</a:t>
-            </a:r>
-            <a:endParaRPr lang="it-IT" dirty="0"/>
-          </a:p>
-          <a:p>
-            <a:r>
-              <a:rPr lang="it-IT" dirty="0"/>
-              <a:t>Alternative to QOCC for </a:t>
-            </a:r>
-            <a:r>
-              <a:rPr lang="it-IT" dirty="0" err="1"/>
-              <a:t>noise</a:t>
-            </a:r>
-            <a:r>
-              <a:rPr lang="it-IT" dirty="0"/>
-              <a:t> study</a:t>
-            </a:r>
-          </a:p>
-        </p:txBody>
-      </p:sp>
+      </p:pic>
       <p:pic>
         <p:nvPicPr>
-          <p:cNvPr id="5" name="Picture 4" descr="Sphere of mesh and nodes">
-            <a:extLst>
-              <a:ext uri="{FF2B5EF4-FFF2-40B4-BE49-F238E27FC236}">
-                <a16:creationId xmlns:a16="http://schemas.microsoft.com/office/drawing/2014/main" id="{E3CDCFE7-3158-9268-3246-647B1CDF0553}"/>
+          <p:cNvPr id="7" name="Immagine 6" descr="Immagine che contiene cerchio, sfera, Oggetto astronomico, schermata&#10;&#10;Descrizione generata automaticamente">
+            <a:extLst>
+              <a:ext uri="{FF2B5EF4-FFF2-40B4-BE49-F238E27FC236}">
+                <a16:creationId xmlns:a16="http://schemas.microsoft.com/office/drawing/2014/main" id="{721C5268-364B-10FE-97D7-9D834C4D6840}"/>
               </a:ext>
             </a:extLst>
           </p:cNvPr>
@@ -5259,15 +5626,22 @@
           </p:cNvPicPr>
           <p:nvPr/>
         </p:nvPicPr>
-        <p:blipFill rotWithShape="1">
-          <a:blip r:embed="rId2"/>
-          <a:srcRect l="23800"/>
-          <a:stretch/>
+        <p:blipFill>
+          <a:blip r:embed="rId3">
+            <a:extLst>
+              <a:ext uri="{28A0092B-C50C-407E-A947-70E740481C1C}">
+                <a14:useLocalDpi xmlns:a14="http://schemas.microsoft.com/office/drawing/2010/main" val="0"/>
+              </a:ext>
+            </a:extLst>
+          </a:blip>
+          <a:stretch>
+            <a:fillRect/>
+          </a:stretch>
         </p:blipFill>
         <p:spPr>
           <a:xfrm>
-            <a:off x="5224242" y="10"/>
-            <a:ext cx="6967758" cy="6857990"/>
+            <a:off x="6763319" y="1392738"/>
+            <a:ext cx="4539490" cy="4072523"/>
           </a:xfrm>
           <a:prstGeom prst="rect">
             <a:avLst/>
@@ -5277,7 +5651,7 @@
     </p:spTree>
     <p:extLst>
       <p:ext uri="{BB962C8B-B14F-4D97-AF65-F5344CB8AC3E}">
-        <p14:creationId xmlns:p14="http://schemas.microsoft.com/office/powerpoint/2010/main" val="1396010090"/>
+        <p14:creationId xmlns:p14="http://schemas.microsoft.com/office/powerpoint/2010/main" val="2177200231"/>
       </p:ext>
     </p:extLst>
   </p:cSld>
@@ -5290,14 +5664,6 @@
 <file path=ppt/slides/slide9.xml><?xml version="1.0" encoding="utf-8"?>
 <p:sld xmlns:a="http://schemas.openxmlformats.org/drawingml/2006/main" xmlns:r="http://schemas.openxmlformats.org/officeDocument/2006/relationships" xmlns:p="http://schemas.openxmlformats.org/presentationml/2006/main">
   <p:cSld>
-    <p:bg>
-      <p:bgPr>
-        <a:solidFill>
-          <a:schemeClr val="bg1"/>
-        </a:solidFill>
-        <a:effectLst/>
-      </p:bgPr>
-    </p:bg>
     <p:spTree>
       <p:nvGrpSpPr>
         <p:cNvPr id="1" name=""/>
@@ -5317,7 +5683,7 @@
           <p:cNvPr id="2" name="Titolo 1">
             <a:extLst>
               <a:ext uri="{FF2B5EF4-FFF2-40B4-BE49-F238E27FC236}">
-                <a16:creationId xmlns:a16="http://schemas.microsoft.com/office/drawing/2014/main" id="{AF4F5160-818F-E59D-AD76-75628EB33D85}"/>
+                <a16:creationId xmlns:a16="http://schemas.microsoft.com/office/drawing/2014/main" id="{4534BB15-FC22-E85D-006C-62E2D9668676}"/>
               </a:ext>
             </a:extLst>
           </p:cNvPr>
@@ -5328,42 +5694,12 @@
             <p:ph type="title"/>
           </p:nvPr>
         </p:nvSpPr>
-        <p:spPr>
-          <a:xfrm>
-            <a:off x="7493192" y="1204721"/>
-            <a:ext cx="4133647" cy="1446550"/>
-          </a:xfrm>
-        </p:spPr>
-        <p:txBody>
-          <a:bodyPr>
-            <a:normAutofit fontScale="90000"/>
-          </a:bodyPr>
-          <a:lstStyle/>
-          <a:p>
-            <a:pPr>
-              <a:lnSpc>
-                <a:spcPct val="90000"/>
-              </a:lnSpc>
-            </a:pPr>
-            <a:r>
-              <a:rPr lang="it-IT" dirty="0" err="1"/>
-              <a:t>Results</a:t>
-            </a:r>
-            <a:br>
-              <a:rPr lang="it-IT" sz="3100" dirty="0"/>
-            </a:br>
-            <a:br>
-              <a:rPr lang="it-IT" sz="3100" dirty="0"/>
-            </a:br>
-            <a:r>
-              <a:rPr lang="it-IT" sz="2700" b="1" dirty="0" err="1"/>
-              <a:t>Parameters</a:t>
-            </a:r>
-            <a:r>
-              <a:rPr lang="it-IT" sz="2700" b="1" dirty="0"/>
-              <a:t> :</a:t>
-            </a:r>
-            <a:endParaRPr lang="it-IT" sz="3100" b="1" dirty="0"/>
+        <p:spPr/>
+        <p:txBody>
+          <a:bodyPr/>
+          <a:lstStyle/>
+          <a:p>
+            <a:endParaRPr lang="it-IT"/>
           </a:p>
         </p:txBody>
       </p:sp>
@@ -5372,7 +5708,7 @@
           <p:cNvPr id="3" name="Segnaposto contenuto 2">
             <a:extLst>
               <a:ext uri="{FF2B5EF4-FFF2-40B4-BE49-F238E27FC236}">
-                <a16:creationId xmlns:a16="http://schemas.microsoft.com/office/drawing/2014/main" id="{520F8629-9625-78D2-CB95-1D414A103521}"/>
+                <a16:creationId xmlns:a16="http://schemas.microsoft.com/office/drawing/2014/main" id="{C6FEEB9D-B8BF-D3D3-E9CC-4182F541FEEA}"/>
               </a:ext>
             </a:extLst>
           </p:cNvPr>
@@ -5383,126 +5719,19 @@
             <p:ph idx="1"/>
           </p:nvPr>
         </p:nvSpPr>
-        <p:spPr>
-          <a:xfrm>
-            <a:off x="7493193" y="2691638"/>
-            <a:ext cx="4133647" cy="3188586"/>
-          </a:xfrm>
-        </p:spPr>
-        <p:txBody>
-          <a:bodyPr>
-            <a:normAutofit/>
-          </a:bodyPr>
-          <a:lstStyle/>
-          <a:p>
-            <a:r>
-              <a:rPr lang="it-IT" dirty="0"/>
-              <a:t>Gate fidelity and fidelity</a:t>
-            </a:r>
-          </a:p>
-          <a:p>
-            <a:r>
-              <a:rPr lang="it-IT" dirty="0" err="1"/>
-              <a:t>Type</a:t>
-            </a:r>
-            <a:r>
-              <a:rPr lang="it-IT" dirty="0"/>
-              <a:t> </a:t>
-            </a:r>
-            <a:r>
-              <a:rPr lang="it-IT" dirty="0" err="1"/>
-              <a:t>noise</a:t>
-            </a:r>
+        <p:spPr/>
+        <p:txBody>
+          <a:bodyPr/>
+          <a:lstStyle/>
+          <a:p>
             <a:endParaRPr lang="it-IT" dirty="0"/>
           </a:p>
-          <a:p>
-            <a:r>
-              <a:rPr lang="it-IT" dirty="0" err="1"/>
-              <a:t>Decoherence</a:t>
-            </a:r>
-            <a:r>
-              <a:rPr lang="it-IT" dirty="0"/>
-              <a:t> times</a:t>
-            </a:r>
-          </a:p>
-          <a:p>
-            <a:r>
-              <a:rPr lang="it-IT" dirty="0" err="1"/>
-              <a:t>Number</a:t>
-            </a:r>
-            <a:r>
-              <a:rPr lang="it-IT" dirty="0"/>
-              <a:t> of </a:t>
-            </a:r>
-            <a:r>
-              <a:rPr lang="it-IT" dirty="0" err="1"/>
-              <a:t>peers</a:t>
-            </a:r>
-            <a:endParaRPr lang="it-IT" dirty="0"/>
-          </a:p>
-          <a:p>
-            <a:pPr marL="0" indent="0">
-              <a:buNone/>
-            </a:pPr>
-            <a:r>
-              <a:rPr lang="it-IT" dirty="0"/>
-              <a:t>30 </a:t>
-            </a:r>
-            <a:r>
-              <a:rPr lang="it-IT" dirty="0" err="1"/>
-              <a:t>runs</a:t>
-            </a:r>
-            <a:r>
-              <a:rPr lang="it-IT" dirty="0"/>
-              <a:t> for </a:t>
-            </a:r>
-            <a:r>
-              <a:rPr lang="it-IT" dirty="0" err="1"/>
-              <a:t>every</a:t>
-            </a:r>
-            <a:r>
-              <a:rPr lang="it-IT" dirty="0"/>
-              <a:t> test case</a:t>
-            </a:r>
-          </a:p>
-          <a:p>
-            <a:endParaRPr lang="it-IT" dirty="0"/>
-          </a:p>
-        </p:txBody>
-      </p:sp>
-      <p:pic>
-        <p:nvPicPr>
-          <p:cNvPr id="20" name="Picture 4" descr="Zigzag indicator line">
-            <a:extLst>
-              <a:ext uri="{FF2B5EF4-FFF2-40B4-BE49-F238E27FC236}">
-                <a16:creationId xmlns:a16="http://schemas.microsoft.com/office/drawing/2014/main" id="{2DBAD723-D4DE-5C86-E696-00D63622E075}"/>
-              </a:ext>
-            </a:extLst>
-          </p:cNvPr>
-          <p:cNvPicPr>
-            <a:picLocks noChangeAspect="1"/>
-          </p:cNvPicPr>
-          <p:nvPr/>
-        </p:nvPicPr>
-        <p:blipFill rotWithShape="1">
-          <a:blip r:embed="rId2"/>
-          <a:srcRect l="13667" r="18514" b="-1"/>
-          <a:stretch/>
-        </p:blipFill>
-        <p:spPr>
-          <a:xfrm>
-            <a:off x="20" y="10"/>
-            <a:ext cx="6967738" cy="6857990"/>
-          </a:xfrm>
-          <a:prstGeom prst="rect">
-            <a:avLst/>
-          </a:prstGeom>
-        </p:spPr>
-      </p:pic>
+        </p:txBody>
+      </p:sp>
     </p:spTree>
     <p:extLst>
       <p:ext uri="{BB962C8B-B14F-4D97-AF65-F5344CB8AC3E}">
-        <p14:creationId xmlns:p14="http://schemas.microsoft.com/office/powerpoint/2010/main" val="2795818398"/>
+        <p14:creationId xmlns:p14="http://schemas.microsoft.com/office/powerpoint/2010/main" val="3118947374"/>
       </p:ext>
     </p:extLst>
   </p:cSld>

--- a/Fast Quantum Byzantine Agreement.pptx
+++ b/Fast Quantum Byzantine Agreement.pptx
@@ -4740,7 +4740,7 @@
         </p:nvSpPr>
         <p:spPr>
           <a:xfrm>
-            <a:off x="565149" y="1553972"/>
+            <a:off x="723782" y="359653"/>
             <a:ext cx="4114800" cy="4064931"/>
           </a:xfrm>
         </p:spPr>
@@ -4751,12 +4751,16 @@
           <a:lstStyle/>
           <a:p>
             <a:r>
-              <a:rPr lang="it-IT">
-                <a:solidFill>
-                  <a:schemeClr val="bg1"/>
-                </a:solidFill>
-              </a:rPr>
-              <a:t>Fast Quantum Byzantine Agreement</a:t>
+              <a:rPr lang="it-IT" dirty="0"/>
+              <a:t>Fast Quantum </a:t>
+            </a:r>
+            <a:r>
+              <a:rPr lang="it-IT" dirty="0" err="1"/>
+              <a:t>Byzantine</a:t>
+            </a:r>
+            <a:r>
+              <a:rPr lang="it-IT" dirty="0"/>
+              <a:t> Agreement</a:t>
             </a:r>
           </a:p>
         </p:txBody>
@@ -4779,7 +4783,7 @@
         </p:nvSpPr>
         <p:spPr>
           <a:xfrm>
-            <a:off x="6096000" y="1553972"/>
+            <a:off x="6096000" y="1861882"/>
             <a:ext cx="5530839" cy="4327398"/>
           </a:xfrm>
         </p:spPr>
@@ -4825,6 +4829,30 @@
               <a:rPr lang="it-IT" dirty="0"/>
               <a:t> up to n/3</a:t>
             </a:r>
+          </a:p>
+          <a:p>
+            <a:r>
+              <a:rPr lang="it-IT" dirty="0" err="1"/>
+              <a:t>Used</a:t>
+            </a:r>
+            <a:r>
+              <a:rPr lang="it-IT" dirty="0"/>
+              <a:t> to</a:t>
+            </a:r>
+            <a:r>
+              <a:rPr lang="en-US" dirty="0"/>
+              <a:t> improve the security and speed of the agreement</a:t>
+            </a:r>
+            <a:endParaRPr lang="it-IT" dirty="0"/>
+          </a:p>
+          <a:p>
+            <a:endParaRPr lang="it-IT" dirty="0"/>
+          </a:p>
+          <a:p>
+            <a:endParaRPr lang="it-IT" dirty="0"/>
+          </a:p>
+          <a:p>
+            <a:endParaRPr lang="it-IT" dirty="0"/>
           </a:p>
           <a:p>
             <a:endParaRPr lang="it-IT" dirty="0"/>
@@ -4919,7 +4947,7 @@
         </p:nvSpPr>
         <p:spPr>
           <a:xfrm>
-            <a:off x="565149" y="1553972"/>
+            <a:off x="0" y="1396534"/>
             <a:ext cx="4114800" cy="4064931"/>
           </a:xfrm>
         </p:spPr>
@@ -4930,11 +4958,7 @@
           <a:lstStyle/>
           <a:p>
             <a:r>
-              <a:rPr lang="it-IT" dirty="0">
-                <a:solidFill>
-                  <a:schemeClr val="bg1"/>
-                </a:solidFill>
-              </a:rPr>
+              <a:rPr lang="it-IT" dirty="0"/>
               <a:t>QOCC</a:t>
             </a:r>
           </a:p>

--- a/Fast Quantum Byzantine Agreement.pptx
+++ b/Fast Quantum Byzantine Agreement.pptx
@@ -272,7 +272,7 @@
             <a:fld id="{73C3BD54-29B9-3D42-B178-776ED395AA85}" type="datetimeFigureOut">
               <a:rPr lang="en-US" smtClean="0"/>
               <a:pPr/>
-              <a:t>10/24/2023</a:t>
+              <a:t>10/25/2023</a:t>
             </a:fld>
             <a:endParaRPr lang="en-US" dirty="0"/>
           </a:p>
@@ -472,7 +472,7 @@
             <a:fld id="{73C3BD54-29B9-3D42-B178-776ED395AA85}" type="datetimeFigureOut">
               <a:rPr lang="en-US" smtClean="0"/>
               <a:pPr/>
-              <a:t>10/24/2023</a:t>
+              <a:t>10/25/2023</a:t>
             </a:fld>
             <a:endParaRPr lang="en-US" dirty="0"/>
           </a:p>
@@ -682,7 +682,7 @@
             <a:fld id="{73C3BD54-29B9-3D42-B178-776ED395AA85}" type="datetimeFigureOut">
               <a:rPr lang="en-US" smtClean="0"/>
               <a:pPr/>
-              <a:t>10/24/2023</a:t>
+              <a:t>10/25/2023</a:t>
             </a:fld>
             <a:endParaRPr lang="en-US" dirty="0"/>
           </a:p>
@@ -882,7 +882,7 @@
             <a:fld id="{73C3BD54-29B9-3D42-B178-776ED395AA85}" type="datetimeFigureOut">
               <a:rPr lang="en-US" smtClean="0"/>
               <a:pPr/>
-              <a:t>10/24/2023</a:t>
+              <a:t>10/25/2023</a:t>
             </a:fld>
             <a:endParaRPr lang="en-US" dirty="0"/>
           </a:p>
@@ -1159,7 +1159,7 @@
             <a:fld id="{73C3BD54-29B9-3D42-B178-776ED395AA85}" type="datetimeFigureOut">
               <a:rPr lang="en-US" smtClean="0"/>
               <a:pPr/>
-              <a:t>10/24/2023</a:t>
+              <a:t>10/25/2023</a:t>
             </a:fld>
             <a:endParaRPr lang="en-US" dirty="0"/>
           </a:p>
@@ -1426,7 +1426,7 @@
             <a:fld id="{73C3BD54-29B9-3D42-B178-776ED395AA85}" type="datetimeFigureOut">
               <a:rPr lang="en-US" smtClean="0"/>
               <a:pPr/>
-              <a:t>10/24/2023</a:t>
+              <a:t>10/25/2023</a:t>
             </a:fld>
             <a:endParaRPr lang="en-US" dirty="0"/>
           </a:p>
@@ -1840,7 +1840,7 @@
             <a:fld id="{73C3BD54-29B9-3D42-B178-776ED395AA85}" type="datetimeFigureOut">
               <a:rPr lang="en-US" smtClean="0"/>
               <a:pPr/>
-              <a:t>10/24/2023</a:t>
+              <a:t>10/25/2023</a:t>
             </a:fld>
             <a:endParaRPr lang="en-US" dirty="0"/>
           </a:p>
@@ -1983,7 +1983,7 @@
             <a:fld id="{73C3BD54-29B9-3D42-B178-776ED395AA85}" type="datetimeFigureOut">
               <a:rPr lang="en-US" smtClean="0"/>
               <a:pPr/>
-              <a:t>10/24/2023</a:t>
+              <a:t>10/25/2023</a:t>
             </a:fld>
             <a:endParaRPr lang="en-US" dirty="0"/>
           </a:p>
@@ -2098,7 +2098,7 @@
             <a:fld id="{73C3BD54-29B9-3D42-B178-776ED395AA85}" type="datetimeFigureOut">
               <a:rPr lang="en-US" smtClean="0"/>
               <a:pPr/>
-              <a:t>10/24/2023</a:t>
+              <a:t>10/25/2023</a:t>
             </a:fld>
             <a:endParaRPr lang="en-US" dirty="0"/>
           </a:p>
@@ -2411,7 +2411,7 @@
             <a:fld id="{73C3BD54-29B9-3D42-B178-776ED395AA85}" type="datetimeFigureOut">
               <a:rPr lang="en-US" smtClean="0"/>
               <a:pPr/>
-              <a:t>10/24/2023</a:t>
+              <a:t>10/25/2023</a:t>
             </a:fld>
             <a:endParaRPr lang="en-US" dirty="0"/>
           </a:p>
@@ -2701,7 +2701,7 @@
             <a:fld id="{73C3BD54-29B9-3D42-B178-776ED395AA85}" type="datetimeFigureOut">
               <a:rPr lang="en-US" smtClean="0"/>
               <a:pPr/>
-              <a:t>10/24/2023</a:t>
+              <a:t>10/25/2023</a:t>
             </a:fld>
             <a:endParaRPr lang="en-US" dirty="0"/>
           </a:p>
@@ -2944,7 +2944,7 @@
             <a:fld id="{73C3BD54-29B9-3D42-B178-776ED395AA85}" type="datetimeFigureOut">
               <a:rPr lang="en-US" smtClean="0"/>
               <a:pPr/>
-              <a:t>10/24/2023</a:t>
+              <a:t>10/25/2023</a:t>
             </a:fld>
             <a:endParaRPr lang="en-US" dirty="0"/>
           </a:p>
@@ -4714,7 +4714,7 @@
         </p:blipFill>
         <p:spPr>
           <a:xfrm>
-            <a:off x="1764" y="10"/>
+            <a:off x="0" y="10"/>
             <a:ext cx="5222474" cy="6857990"/>
           </a:xfrm>
           <a:prstGeom prst="rect">
@@ -4740,7 +4740,7 @@
         </p:nvSpPr>
         <p:spPr>
           <a:xfrm>
-            <a:off x="723782" y="359653"/>
+            <a:off x="862929" y="1154783"/>
             <a:ext cx="4114800" cy="4064931"/>
           </a:xfrm>
         </p:spPr>
@@ -4751,15 +4751,48 @@
           <a:lstStyle/>
           <a:p>
             <a:r>
-              <a:rPr lang="it-IT" dirty="0"/>
+              <a:rPr lang="it-IT" sz="5400" b="1" dirty="0">
+                <a:solidFill>
+                  <a:schemeClr val="bg1"/>
+                </a:solidFill>
+                <a:effectLst>
+                  <a:outerShdw blurRad="38100" dist="38100" dir="2700000" algn="tl">
+                    <a:srgbClr val="000000">
+                      <a:alpha val="43137"/>
+                    </a:srgbClr>
+                  </a:outerShdw>
+                </a:effectLst>
+              </a:rPr>
               <a:t>Fast Quantum </a:t>
             </a:r>
             <a:r>
-              <a:rPr lang="it-IT" dirty="0" err="1"/>
+              <a:rPr lang="it-IT" sz="5400" b="1" dirty="0" err="1">
+                <a:solidFill>
+                  <a:schemeClr val="bg1"/>
+                </a:solidFill>
+                <a:effectLst>
+                  <a:outerShdw blurRad="38100" dist="38100" dir="2700000" algn="tl">
+                    <a:srgbClr val="000000">
+                      <a:alpha val="43137"/>
+                    </a:srgbClr>
+                  </a:outerShdw>
+                </a:effectLst>
+              </a:rPr>
               <a:t>Byzantine</a:t>
             </a:r>
             <a:r>
-              <a:rPr lang="it-IT" dirty="0"/>
+              <a:rPr lang="it-IT" sz="5400" b="1" dirty="0">
+                <a:solidFill>
+                  <a:schemeClr val="bg1"/>
+                </a:solidFill>
+                <a:effectLst>
+                  <a:outerShdw blurRad="38100" dist="38100" dir="2700000" algn="tl">
+                    <a:srgbClr val="000000">
+                      <a:alpha val="43137"/>
+                    </a:srgbClr>
+                  </a:outerShdw>
+                </a:effectLst>
+              </a:rPr>
               <a:t> Agreement</a:t>
             </a:r>
           </a:p>
@@ -4947,7 +4980,7 @@
         </p:nvSpPr>
         <p:spPr>
           <a:xfrm>
-            <a:off x="0" y="1396534"/>
+            <a:off x="1497496" y="767056"/>
             <a:ext cx="4114800" cy="4064931"/>
           </a:xfrm>
         </p:spPr>
@@ -4958,7 +4991,18 @@
           <a:lstStyle/>
           <a:p>
             <a:r>
-              <a:rPr lang="it-IT" dirty="0"/>
+              <a:rPr lang="it-IT" sz="5400" b="1" dirty="0">
+                <a:solidFill>
+                  <a:schemeClr val="bg1"/>
+                </a:solidFill>
+                <a:effectLst>
+                  <a:outerShdw blurRad="38100" dist="38100" dir="2700000" algn="tl">
+                    <a:srgbClr val="000000">
+                      <a:alpha val="43137"/>
+                    </a:srgbClr>
+                  </a:outerShdw>
+                </a:effectLst>
+              </a:rPr>
               <a:t>QOCC</a:t>
             </a:r>
           </a:p>
@@ -5364,6 +5408,143 @@
           <a:chExt cx="0" cy="0"/>
         </a:xfrm>
       </p:grpSpPr>
+      <p:sp>
+        <p:nvSpPr>
+          <p:cNvPr id="13" name="Rectangle 12">
+            <a:extLst>
+              <a:ext uri="{FF2B5EF4-FFF2-40B4-BE49-F238E27FC236}">
+                <a16:creationId xmlns:a16="http://schemas.microsoft.com/office/drawing/2014/main" id="{A9F529C3-C941-49FD-8C67-82F134F64BDB}"/>
+              </a:ext>
+              <a:ext uri="{C183D7F6-B498-43B3-948B-1728B52AA6E4}">
+                <adec:decorative xmlns:adec="http://schemas.microsoft.com/office/drawing/2017/decorative" val="1"/>
+              </a:ext>
+            </a:extLst>
+          </p:cNvPr>
+          <p:cNvSpPr>
+            <a:spLocks noGrp="1" noRot="1" noChangeAspect="1" noMove="1" noResize="1" noEditPoints="1" noAdjustHandles="1" noChangeArrowheads="1" noChangeShapeType="1" noTextEdit="1"/>
+          </p:cNvSpPr>
+          <p:nvPr>
+            <p:extLst>
+              <p:ext uri="{386F3935-93C4-4BCD-93E2-E3B085C9AB24}">
+                <p16:designElem xmlns:p16="http://schemas.microsoft.com/office/powerpoint/2015/main" val="1"/>
+              </p:ext>
+            </p:extLst>
+          </p:nvPr>
+        </p:nvSpPr>
+        <p:spPr>
+          <a:xfrm>
+            <a:off x="0" y="0"/>
+            <a:ext cx="12192000" cy="6858000"/>
+          </a:xfrm>
+          <a:prstGeom prst="rect">
+            <a:avLst/>
+          </a:prstGeom>
+          <a:solidFill>
+            <a:schemeClr val="tx1">
+              <a:lumMod val="50000"/>
+              <a:lumOff val="50000"/>
+              <a:alpha val="30000"/>
+            </a:schemeClr>
+          </a:solidFill>
+          <a:ln>
+            <a:noFill/>
+          </a:ln>
+        </p:spPr>
+        <p:style>
+          <a:lnRef idx="2">
+            <a:schemeClr val="accent1">
+              <a:shade val="50000"/>
+            </a:schemeClr>
+          </a:lnRef>
+          <a:fillRef idx="1">
+            <a:schemeClr val="accent1"/>
+          </a:fillRef>
+          <a:effectRef idx="0">
+            <a:schemeClr val="accent1"/>
+          </a:effectRef>
+          <a:fontRef idx="minor">
+            <a:schemeClr val="lt1"/>
+          </a:fontRef>
+        </p:style>
+        <p:txBody>
+          <a:bodyPr rtlCol="0" anchor="ctr"/>
+          <a:lstStyle/>
+          <a:p>
+            <a:pPr algn="ctr"/>
+            <a:endParaRPr lang="en-US"/>
+          </a:p>
+        </p:txBody>
+      </p:sp>
+      <p:sp>
+        <p:nvSpPr>
+          <p:cNvPr id="15" name="Rectangle 14">
+            <a:extLst>
+              <a:ext uri="{FF2B5EF4-FFF2-40B4-BE49-F238E27FC236}">
+                <a16:creationId xmlns:a16="http://schemas.microsoft.com/office/drawing/2014/main" id="{20586029-32A0-47E5-9AEC-AE3ABA6B94D0}"/>
+              </a:ext>
+              <a:ext uri="{C183D7F6-B498-43B3-948B-1728B52AA6E4}">
+                <adec:decorative xmlns:adec="http://schemas.microsoft.com/office/drawing/2017/decorative" val="1"/>
+              </a:ext>
+            </a:extLst>
+          </p:cNvPr>
+          <p:cNvSpPr>
+            <a:spLocks noGrp="1" noRot="1" noChangeAspect="1" noMove="1" noResize="1" noEditPoints="1" noAdjustHandles="1" noChangeArrowheads="1" noChangeShapeType="1" noTextEdit="1"/>
+          </p:cNvSpPr>
+          <p:nvPr>
+            <p:extLst>
+              <p:ext uri="{386F3935-93C4-4BCD-93E2-E3B085C9AB24}">
+                <p16:designElem xmlns:p16="http://schemas.microsoft.com/office/powerpoint/2015/main" val="1"/>
+              </p:ext>
+            </p:extLst>
+          </p:nvPr>
+        </p:nvSpPr>
+        <p:spPr>
+          <a:xfrm>
+            <a:off x="477012" y="480060"/>
+            <a:ext cx="11237976" cy="5897880"/>
+          </a:xfrm>
+          <a:prstGeom prst="rect">
+            <a:avLst/>
+          </a:prstGeom>
+          <a:solidFill>
+            <a:srgbClr val="FFFFFF"/>
+          </a:solidFill>
+          <a:ln w="9525">
+            <a:noFill/>
+          </a:ln>
+          <a:effectLst>
+            <a:outerShdw blurRad="63500" dist="17780" dir="5400000" algn="t" rotWithShape="0">
+              <a:prstClr val="black">
+                <a:alpha val="43000"/>
+              </a:prstClr>
+            </a:outerShdw>
+          </a:effectLst>
+        </p:spPr>
+        <p:style>
+          <a:lnRef idx="2">
+            <a:schemeClr val="accent1">
+              <a:shade val="50000"/>
+            </a:schemeClr>
+          </a:lnRef>
+          <a:fillRef idx="1">
+            <a:schemeClr val="accent1"/>
+          </a:fillRef>
+          <a:effectRef idx="0">
+            <a:schemeClr val="accent1"/>
+          </a:effectRef>
+          <a:fontRef idx="minor">
+            <a:schemeClr val="lt1"/>
+          </a:fontRef>
+        </p:style>
+        <p:txBody>
+          <a:bodyPr rtlCol="0" anchor="ctr"/>
+          <a:lstStyle/>
+          <a:p>
+            <a:pPr algn="ctr"/>
+            <a:endParaRPr lang="en-US"/>
+          </a:p>
+        </p:txBody>
+      </p:sp>
       <p:pic>
         <p:nvPicPr>
           <p:cNvPr id="7" name="Immagine 6" descr="Nodi step 1">
@@ -5392,14 +5573,66 @@
         </p:blipFill>
         <p:spPr>
           <a:xfrm>
-            <a:off x="1104031" y="1779824"/>
-            <a:ext cx="3679107" cy="3298352"/>
+            <a:off x="643467" y="1052996"/>
+            <a:ext cx="5294716" cy="4752006"/>
           </a:xfrm>
           <a:prstGeom prst="rect">
             <a:avLst/>
           </a:prstGeom>
         </p:spPr>
       </p:pic>
+      <p:cxnSp>
+        <p:nvCxnSpPr>
+          <p:cNvPr id="17" name="Straight Connector 16">
+            <a:extLst>
+              <a:ext uri="{FF2B5EF4-FFF2-40B4-BE49-F238E27FC236}">
+                <a16:creationId xmlns:a16="http://schemas.microsoft.com/office/drawing/2014/main" id="{8C730EAB-A532-4295-A302-FB4B90DB9F5E}"/>
+              </a:ext>
+              <a:ext uri="{C183D7F6-B498-43B3-948B-1728B52AA6E4}">
+                <adec:decorative xmlns:adec="http://schemas.microsoft.com/office/drawing/2017/decorative" val="1"/>
+              </a:ext>
+            </a:extLst>
+          </p:cNvPr>
+          <p:cNvCxnSpPr>
+            <a:cxnSpLocks noGrp="1" noRot="1" noChangeAspect="1" noMove="1" noResize="1" noEditPoints="1" noAdjustHandles="1" noChangeArrowheads="1" noChangeShapeType="1"/>
+          </p:cNvCxnSpPr>
+          <p:nvPr>
+            <p:extLst>
+              <p:ext uri="{386F3935-93C4-4BCD-93E2-E3B085C9AB24}">
+                <p16:designElem xmlns:p16="http://schemas.microsoft.com/office/powerpoint/2015/main" val="1"/>
+              </p:ext>
+            </p:extLst>
+          </p:nvPr>
+        </p:nvCxnSpPr>
+        <p:spPr>
+          <a:xfrm>
+            <a:off x="6079958" y="1143000"/>
+            <a:ext cx="0" cy="4572000"/>
+          </a:xfrm>
+          <a:prstGeom prst="line">
+            <a:avLst/>
+          </a:prstGeom>
+          <a:ln>
+            <a:solidFill>
+              <a:srgbClr val="4E4E4E"/>
+            </a:solidFill>
+          </a:ln>
+        </p:spPr>
+        <p:style>
+          <a:lnRef idx="1">
+            <a:schemeClr val="accent1"/>
+          </a:lnRef>
+          <a:fillRef idx="0">
+            <a:schemeClr val="accent1"/>
+          </a:fillRef>
+          <a:effectRef idx="0">
+            <a:schemeClr val="accent1"/>
+          </a:effectRef>
+          <a:fontRef idx="minor">
+            <a:schemeClr val="tx1"/>
+          </a:fontRef>
+        </p:style>
+      </p:cxnSp>
       <p:pic>
         <p:nvPicPr>
           <p:cNvPr id="8" name="Segnaposto contenuto 4" descr="Immagine che contiene cerchio, Oggetto astronomico, schermata, sfera&#10;&#10;Descrizione generata automaticamente">
@@ -5430,9 +5663,12 @@
         </p:blipFill>
         <p:spPr>
           <a:xfrm>
-            <a:off x="6563833" y="1430409"/>
-            <a:ext cx="4011308" cy="3836251"/>
-          </a:xfrm>
+            <a:off x="6253817" y="894156"/>
+            <a:ext cx="5294715" cy="5069688"/>
+          </a:xfrm>
+          <a:prstGeom prst="rect">
+            <a:avLst/>
+          </a:prstGeom>
         </p:spPr>
       </p:pic>
     </p:spTree>
@@ -5451,6 +5687,14 @@
 <file path=ppt/slides/slide7.xml><?xml version="1.0" encoding="utf-8"?>
 <p:sld xmlns:a="http://schemas.openxmlformats.org/drawingml/2006/main" xmlns:r="http://schemas.openxmlformats.org/officeDocument/2006/relationships" xmlns:p="http://schemas.openxmlformats.org/presentationml/2006/main">
   <p:cSld>
+    <p:bg>
+      <p:bgPr>
+        <a:solidFill>
+          <a:schemeClr val="bg1"/>
+        </a:solidFill>
+        <a:effectLst/>
+      </p:bgPr>
+    </p:bg>
     <p:spTree>
       <p:nvGrpSpPr>
         <p:cNvPr id="1" name=""/>
@@ -5465,6 +5709,143 @@
           <a:chExt cx="0" cy="0"/>
         </a:xfrm>
       </p:grpSpPr>
+      <p:sp>
+        <p:nvSpPr>
+          <p:cNvPr id="16" name="Rectangle 15">
+            <a:extLst>
+              <a:ext uri="{FF2B5EF4-FFF2-40B4-BE49-F238E27FC236}">
+                <a16:creationId xmlns:a16="http://schemas.microsoft.com/office/drawing/2014/main" id="{A9F529C3-C941-49FD-8C67-82F134F64BDB}"/>
+              </a:ext>
+              <a:ext uri="{C183D7F6-B498-43B3-948B-1728B52AA6E4}">
+                <adec:decorative xmlns:adec="http://schemas.microsoft.com/office/drawing/2017/decorative" val="1"/>
+              </a:ext>
+            </a:extLst>
+          </p:cNvPr>
+          <p:cNvSpPr>
+            <a:spLocks noGrp="1" noRot="1" noChangeAspect="1" noMove="1" noResize="1" noEditPoints="1" noAdjustHandles="1" noChangeArrowheads="1" noChangeShapeType="1" noTextEdit="1"/>
+          </p:cNvSpPr>
+          <p:nvPr>
+            <p:extLst>
+              <p:ext uri="{386F3935-93C4-4BCD-93E2-E3B085C9AB24}">
+                <p16:designElem xmlns:p16="http://schemas.microsoft.com/office/powerpoint/2015/main" val="1"/>
+              </p:ext>
+            </p:extLst>
+          </p:nvPr>
+        </p:nvSpPr>
+        <p:spPr>
+          <a:xfrm>
+            <a:off x="0" y="0"/>
+            <a:ext cx="12192000" cy="6858000"/>
+          </a:xfrm>
+          <a:prstGeom prst="rect">
+            <a:avLst/>
+          </a:prstGeom>
+          <a:solidFill>
+            <a:schemeClr val="tx1">
+              <a:lumMod val="50000"/>
+              <a:lumOff val="50000"/>
+              <a:alpha val="30000"/>
+            </a:schemeClr>
+          </a:solidFill>
+          <a:ln>
+            <a:noFill/>
+          </a:ln>
+        </p:spPr>
+        <p:style>
+          <a:lnRef idx="2">
+            <a:schemeClr val="accent1">
+              <a:shade val="50000"/>
+            </a:schemeClr>
+          </a:lnRef>
+          <a:fillRef idx="1">
+            <a:schemeClr val="accent1"/>
+          </a:fillRef>
+          <a:effectRef idx="0">
+            <a:schemeClr val="accent1"/>
+          </a:effectRef>
+          <a:fontRef idx="minor">
+            <a:schemeClr val="lt1"/>
+          </a:fontRef>
+        </p:style>
+        <p:txBody>
+          <a:bodyPr rtlCol="0" anchor="ctr"/>
+          <a:lstStyle/>
+          <a:p>
+            <a:pPr algn="ctr"/>
+            <a:endParaRPr lang="en-US"/>
+          </a:p>
+        </p:txBody>
+      </p:sp>
+      <p:sp>
+        <p:nvSpPr>
+          <p:cNvPr id="18" name="Rectangle 17">
+            <a:extLst>
+              <a:ext uri="{FF2B5EF4-FFF2-40B4-BE49-F238E27FC236}">
+                <a16:creationId xmlns:a16="http://schemas.microsoft.com/office/drawing/2014/main" id="{20586029-32A0-47E5-9AEC-AE3ABA6B94D0}"/>
+              </a:ext>
+              <a:ext uri="{C183D7F6-B498-43B3-948B-1728B52AA6E4}">
+                <adec:decorative xmlns:adec="http://schemas.microsoft.com/office/drawing/2017/decorative" val="1"/>
+              </a:ext>
+            </a:extLst>
+          </p:cNvPr>
+          <p:cNvSpPr>
+            <a:spLocks noGrp="1" noRot="1" noChangeAspect="1" noMove="1" noResize="1" noEditPoints="1" noAdjustHandles="1" noChangeArrowheads="1" noChangeShapeType="1" noTextEdit="1"/>
+          </p:cNvSpPr>
+          <p:nvPr>
+            <p:extLst>
+              <p:ext uri="{386F3935-93C4-4BCD-93E2-E3B085C9AB24}">
+                <p16:designElem xmlns:p16="http://schemas.microsoft.com/office/powerpoint/2015/main" val="1"/>
+              </p:ext>
+            </p:extLst>
+          </p:nvPr>
+        </p:nvSpPr>
+        <p:spPr>
+          <a:xfrm>
+            <a:off x="477012" y="480060"/>
+            <a:ext cx="11237976" cy="5897880"/>
+          </a:xfrm>
+          <a:prstGeom prst="rect">
+            <a:avLst/>
+          </a:prstGeom>
+          <a:solidFill>
+            <a:srgbClr val="FFFFFF"/>
+          </a:solidFill>
+          <a:ln w="9525">
+            <a:noFill/>
+          </a:ln>
+          <a:effectLst>
+            <a:outerShdw blurRad="63500" dist="17780" dir="5400000" algn="t" rotWithShape="0">
+              <a:prstClr val="black">
+                <a:alpha val="43000"/>
+              </a:prstClr>
+            </a:outerShdw>
+          </a:effectLst>
+        </p:spPr>
+        <p:style>
+          <a:lnRef idx="2">
+            <a:schemeClr val="accent1">
+              <a:shade val="50000"/>
+            </a:schemeClr>
+          </a:lnRef>
+          <a:fillRef idx="1">
+            <a:schemeClr val="accent1"/>
+          </a:fillRef>
+          <a:effectRef idx="0">
+            <a:schemeClr val="accent1"/>
+          </a:effectRef>
+          <a:fontRef idx="minor">
+            <a:schemeClr val="lt1"/>
+          </a:fontRef>
+        </p:style>
+        <p:txBody>
+          <a:bodyPr rtlCol="0" anchor="ctr"/>
+          <a:lstStyle/>
+          <a:p>
+            <a:pPr algn="ctr"/>
+            <a:endParaRPr lang="en-US"/>
+          </a:p>
+        </p:txBody>
+      </p:sp>
       <p:pic>
         <p:nvPicPr>
           <p:cNvPr id="9" name="Segnaposto contenuto 8" descr="Immagine che contiene cerchio, schermata, Oggetto astronomico, sfera&#10;&#10;Descrizione generata automaticamente">
@@ -5495,11 +5876,66 @@
         </p:blipFill>
         <p:spPr>
           <a:xfrm>
-            <a:off x="648561" y="1513737"/>
-            <a:ext cx="5271700" cy="4351338"/>
-          </a:xfrm>
+            <a:off x="643467" y="1244929"/>
+            <a:ext cx="5294716" cy="4368140"/>
+          </a:xfrm>
+          <a:prstGeom prst="rect">
+            <a:avLst/>
+          </a:prstGeom>
         </p:spPr>
       </p:pic>
+      <p:cxnSp>
+        <p:nvCxnSpPr>
+          <p:cNvPr id="20" name="Straight Connector 19">
+            <a:extLst>
+              <a:ext uri="{FF2B5EF4-FFF2-40B4-BE49-F238E27FC236}">
+                <a16:creationId xmlns:a16="http://schemas.microsoft.com/office/drawing/2014/main" id="{8C730EAB-A532-4295-A302-FB4B90DB9F5E}"/>
+              </a:ext>
+              <a:ext uri="{C183D7F6-B498-43B3-948B-1728B52AA6E4}">
+                <adec:decorative xmlns:adec="http://schemas.microsoft.com/office/drawing/2017/decorative" val="1"/>
+              </a:ext>
+            </a:extLst>
+          </p:cNvPr>
+          <p:cNvCxnSpPr>
+            <a:cxnSpLocks noGrp="1" noRot="1" noChangeAspect="1" noMove="1" noResize="1" noEditPoints="1" noAdjustHandles="1" noChangeArrowheads="1" noChangeShapeType="1"/>
+          </p:cNvCxnSpPr>
+          <p:nvPr>
+            <p:extLst>
+              <p:ext uri="{386F3935-93C4-4BCD-93E2-E3B085C9AB24}">
+                <p16:designElem xmlns:p16="http://schemas.microsoft.com/office/powerpoint/2015/main" val="1"/>
+              </p:ext>
+            </p:extLst>
+          </p:nvPr>
+        </p:nvCxnSpPr>
+        <p:spPr>
+          <a:xfrm>
+            <a:off x="6079958" y="1143000"/>
+            <a:ext cx="0" cy="4572000"/>
+          </a:xfrm>
+          <a:prstGeom prst="line">
+            <a:avLst/>
+          </a:prstGeom>
+          <a:ln>
+            <a:solidFill>
+              <a:srgbClr val="4E4E4E"/>
+            </a:solidFill>
+          </a:ln>
+        </p:spPr>
+        <p:style>
+          <a:lnRef idx="1">
+            <a:schemeClr val="accent1"/>
+          </a:lnRef>
+          <a:fillRef idx="0">
+            <a:schemeClr val="accent1"/>
+          </a:fillRef>
+          <a:effectRef idx="0">
+            <a:schemeClr val="accent1"/>
+          </a:effectRef>
+          <a:fontRef idx="minor">
+            <a:schemeClr val="tx1"/>
+          </a:fontRef>
+        </p:style>
+      </p:cxnSp>
       <p:pic>
         <p:nvPicPr>
           <p:cNvPr id="11" name="Immagine 10" descr="Immagine che contiene cerchio, sfera, schermata&#10;&#10;Descrizione generata automaticamente">
@@ -5528,8 +5964,8 @@
         </p:blipFill>
         <p:spPr>
           <a:xfrm>
-            <a:off x="6271741" y="1513737"/>
-            <a:ext cx="5031603" cy="4443948"/>
+            <a:off x="6253817" y="1092708"/>
+            <a:ext cx="5294715" cy="4672584"/>
           </a:xfrm>
           <a:prstGeom prst="rect">
             <a:avLst/>
@@ -5538,10 +5974,10 @@
       </p:pic>
       <p:sp>
         <p:nvSpPr>
-          <p:cNvPr id="12" name="CasellaDiTesto 11">
-            <a:extLst>
-              <a:ext uri="{FF2B5EF4-FFF2-40B4-BE49-F238E27FC236}">
-                <a16:creationId xmlns:a16="http://schemas.microsoft.com/office/drawing/2014/main" id="{EEFC9CDB-DC44-7189-8B15-71B8B6D74462}"/>
+          <p:cNvPr id="2" name="CasellaDiTesto 1">
+            <a:extLst>
+              <a:ext uri="{FF2B5EF4-FFF2-40B4-BE49-F238E27FC236}">
+                <a16:creationId xmlns:a16="http://schemas.microsoft.com/office/drawing/2014/main" id="{19A93D81-E71E-B7D2-9153-0FAA0C53C9C0}"/>
               </a:ext>
             </a:extLst>
           </p:cNvPr>
@@ -5550,8 +5986,8 @@
         </p:nvSpPr>
         <p:spPr>
           <a:xfrm>
-            <a:off x="7414436" y="908900"/>
-            <a:ext cx="3175591" cy="369332"/>
+            <a:off x="7892716" y="742520"/>
+            <a:ext cx="2763825" cy="369332"/>
           </a:xfrm>
           <a:prstGeom prst="rect">
             <a:avLst/>
@@ -5566,7 +6002,7 @@
           <a:p>
             <a:r>
               <a:rPr lang="it-IT" dirty="0"/>
-              <a:t>Start Quantum subroutine</a:t>
+              <a:t>Quantum subroutine</a:t>
             </a:r>
           </a:p>
         </p:txBody>
@@ -5587,6 +6023,14 @@
 <file path=ppt/slides/slide8.xml><?xml version="1.0" encoding="utf-8"?>
 <p:sld xmlns:a="http://schemas.openxmlformats.org/drawingml/2006/main" xmlns:r="http://schemas.openxmlformats.org/officeDocument/2006/relationships" xmlns:p="http://schemas.openxmlformats.org/presentationml/2006/main">
   <p:cSld>
+    <p:bg>
+      <p:bgPr>
+        <a:solidFill>
+          <a:schemeClr val="bg1"/>
+        </a:solidFill>
+        <a:effectLst/>
+      </p:bgPr>
+    </p:bg>
     <p:spTree>
       <p:nvGrpSpPr>
         <p:cNvPr id="1" name=""/>
@@ -5601,6 +6045,143 @@
           <a:chExt cx="0" cy="0"/>
         </a:xfrm>
       </p:grpSpPr>
+      <p:sp>
+        <p:nvSpPr>
+          <p:cNvPr id="12" name="Rectangle 11">
+            <a:extLst>
+              <a:ext uri="{FF2B5EF4-FFF2-40B4-BE49-F238E27FC236}">
+                <a16:creationId xmlns:a16="http://schemas.microsoft.com/office/drawing/2014/main" id="{A9F529C3-C941-49FD-8C67-82F134F64BDB}"/>
+              </a:ext>
+              <a:ext uri="{C183D7F6-B498-43B3-948B-1728B52AA6E4}">
+                <adec:decorative xmlns:adec="http://schemas.microsoft.com/office/drawing/2017/decorative" val="1"/>
+              </a:ext>
+            </a:extLst>
+          </p:cNvPr>
+          <p:cNvSpPr>
+            <a:spLocks noGrp="1" noRot="1" noChangeAspect="1" noMove="1" noResize="1" noEditPoints="1" noAdjustHandles="1" noChangeArrowheads="1" noChangeShapeType="1" noTextEdit="1"/>
+          </p:cNvSpPr>
+          <p:nvPr>
+            <p:extLst>
+              <p:ext uri="{386F3935-93C4-4BCD-93E2-E3B085C9AB24}">
+                <p16:designElem xmlns:p16="http://schemas.microsoft.com/office/powerpoint/2015/main" val="1"/>
+              </p:ext>
+            </p:extLst>
+          </p:nvPr>
+        </p:nvSpPr>
+        <p:spPr>
+          <a:xfrm>
+            <a:off x="0" y="0"/>
+            <a:ext cx="12192000" cy="6858000"/>
+          </a:xfrm>
+          <a:prstGeom prst="rect">
+            <a:avLst/>
+          </a:prstGeom>
+          <a:solidFill>
+            <a:schemeClr val="tx1">
+              <a:lumMod val="50000"/>
+              <a:lumOff val="50000"/>
+              <a:alpha val="30000"/>
+            </a:schemeClr>
+          </a:solidFill>
+          <a:ln>
+            <a:noFill/>
+          </a:ln>
+        </p:spPr>
+        <p:style>
+          <a:lnRef idx="2">
+            <a:schemeClr val="accent1">
+              <a:shade val="50000"/>
+            </a:schemeClr>
+          </a:lnRef>
+          <a:fillRef idx="1">
+            <a:schemeClr val="accent1"/>
+          </a:fillRef>
+          <a:effectRef idx="0">
+            <a:schemeClr val="accent1"/>
+          </a:effectRef>
+          <a:fontRef idx="minor">
+            <a:schemeClr val="lt1"/>
+          </a:fontRef>
+        </p:style>
+        <p:txBody>
+          <a:bodyPr rtlCol="0" anchor="ctr"/>
+          <a:lstStyle/>
+          <a:p>
+            <a:pPr algn="ctr"/>
+            <a:endParaRPr lang="en-US"/>
+          </a:p>
+        </p:txBody>
+      </p:sp>
+      <p:sp>
+        <p:nvSpPr>
+          <p:cNvPr id="14" name="Rectangle 13">
+            <a:extLst>
+              <a:ext uri="{FF2B5EF4-FFF2-40B4-BE49-F238E27FC236}">
+                <a16:creationId xmlns:a16="http://schemas.microsoft.com/office/drawing/2014/main" id="{20586029-32A0-47E5-9AEC-AE3ABA6B94D0}"/>
+              </a:ext>
+              <a:ext uri="{C183D7F6-B498-43B3-948B-1728B52AA6E4}">
+                <adec:decorative xmlns:adec="http://schemas.microsoft.com/office/drawing/2017/decorative" val="1"/>
+              </a:ext>
+            </a:extLst>
+          </p:cNvPr>
+          <p:cNvSpPr>
+            <a:spLocks noGrp="1" noRot="1" noChangeAspect="1" noMove="1" noResize="1" noEditPoints="1" noAdjustHandles="1" noChangeArrowheads="1" noChangeShapeType="1" noTextEdit="1"/>
+          </p:cNvSpPr>
+          <p:nvPr>
+            <p:extLst>
+              <p:ext uri="{386F3935-93C4-4BCD-93E2-E3B085C9AB24}">
+                <p16:designElem xmlns:p16="http://schemas.microsoft.com/office/powerpoint/2015/main" val="1"/>
+              </p:ext>
+            </p:extLst>
+          </p:nvPr>
+        </p:nvSpPr>
+        <p:spPr>
+          <a:xfrm>
+            <a:off x="477012" y="480060"/>
+            <a:ext cx="11237976" cy="5897880"/>
+          </a:xfrm>
+          <a:prstGeom prst="rect">
+            <a:avLst/>
+          </a:prstGeom>
+          <a:solidFill>
+            <a:srgbClr val="FFFFFF"/>
+          </a:solidFill>
+          <a:ln w="9525">
+            <a:noFill/>
+          </a:ln>
+          <a:effectLst>
+            <a:outerShdw blurRad="63500" dist="17780" dir="5400000" algn="t" rotWithShape="0">
+              <a:prstClr val="black">
+                <a:alpha val="43000"/>
+              </a:prstClr>
+            </a:outerShdw>
+          </a:effectLst>
+        </p:spPr>
+        <p:style>
+          <a:lnRef idx="2">
+            <a:schemeClr val="accent1">
+              <a:shade val="50000"/>
+            </a:schemeClr>
+          </a:lnRef>
+          <a:fillRef idx="1">
+            <a:schemeClr val="accent1"/>
+          </a:fillRef>
+          <a:effectRef idx="0">
+            <a:schemeClr val="accent1"/>
+          </a:effectRef>
+          <a:fontRef idx="minor">
+            <a:schemeClr val="lt1"/>
+          </a:fontRef>
+        </p:style>
+        <p:txBody>
+          <a:bodyPr rtlCol="0" anchor="ctr"/>
+          <a:lstStyle/>
+          <a:p>
+            <a:pPr algn="ctr"/>
+            <a:endParaRPr lang="en-US"/>
+          </a:p>
+        </p:txBody>
+      </p:sp>
       <p:pic>
         <p:nvPicPr>
           <p:cNvPr id="5" name="Segnaposto contenuto 4" descr="Immagine che contiene luna, cerchio, Oggetto astronomico, sfera&#10;&#10;Descrizione generata automaticamente">
@@ -5631,11 +6212,66 @@
         </p:blipFill>
         <p:spPr>
           <a:xfrm>
-            <a:off x="889191" y="1113923"/>
-            <a:ext cx="5107111" cy="4351338"/>
-          </a:xfrm>
+            <a:off x="643467" y="1172127"/>
+            <a:ext cx="5294716" cy="4513743"/>
+          </a:xfrm>
+          <a:prstGeom prst="rect">
+            <a:avLst/>
+          </a:prstGeom>
         </p:spPr>
       </p:pic>
+      <p:cxnSp>
+        <p:nvCxnSpPr>
+          <p:cNvPr id="16" name="Straight Connector 15">
+            <a:extLst>
+              <a:ext uri="{FF2B5EF4-FFF2-40B4-BE49-F238E27FC236}">
+                <a16:creationId xmlns:a16="http://schemas.microsoft.com/office/drawing/2014/main" id="{8C730EAB-A532-4295-A302-FB4B90DB9F5E}"/>
+              </a:ext>
+              <a:ext uri="{C183D7F6-B498-43B3-948B-1728B52AA6E4}">
+                <adec:decorative xmlns:adec="http://schemas.microsoft.com/office/drawing/2017/decorative" val="1"/>
+              </a:ext>
+            </a:extLst>
+          </p:cNvPr>
+          <p:cNvCxnSpPr>
+            <a:cxnSpLocks noGrp="1" noRot="1" noChangeAspect="1" noMove="1" noResize="1" noEditPoints="1" noAdjustHandles="1" noChangeArrowheads="1" noChangeShapeType="1"/>
+          </p:cNvCxnSpPr>
+          <p:nvPr>
+            <p:extLst>
+              <p:ext uri="{386F3935-93C4-4BCD-93E2-E3B085C9AB24}">
+                <p16:designElem xmlns:p16="http://schemas.microsoft.com/office/powerpoint/2015/main" val="1"/>
+              </p:ext>
+            </p:extLst>
+          </p:nvPr>
+        </p:nvCxnSpPr>
+        <p:spPr>
+          <a:xfrm>
+            <a:off x="6079958" y="1143000"/>
+            <a:ext cx="0" cy="4572000"/>
+          </a:xfrm>
+          <a:prstGeom prst="line">
+            <a:avLst/>
+          </a:prstGeom>
+          <a:ln>
+            <a:solidFill>
+              <a:srgbClr val="4E4E4E"/>
+            </a:solidFill>
+          </a:ln>
+        </p:spPr>
+        <p:style>
+          <a:lnRef idx="1">
+            <a:schemeClr val="accent1"/>
+          </a:lnRef>
+          <a:fillRef idx="0">
+            <a:schemeClr val="accent1"/>
+          </a:fillRef>
+          <a:effectRef idx="0">
+            <a:schemeClr val="accent1"/>
+          </a:effectRef>
+          <a:fontRef idx="minor">
+            <a:schemeClr val="tx1"/>
+          </a:fontRef>
+        </p:style>
+      </p:cxnSp>
       <p:pic>
         <p:nvPicPr>
           <p:cNvPr id="7" name="Immagine 6" descr="Immagine che contiene cerchio, sfera, Oggetto astronomico, schermata&#10;&#10;Descrizione generata automaticamente">
@@ -5664,8 +6300,8 @@
         </p:blipFill>
         <p:spPr>
           <a:xfrm>
-            <a:off x="6763319" y="1392738"/>
-            <a:ext cx="4539490" cy="4072523"/>
+            <a:off x="6253817" y="1052997"/>
+            <a:ext cx="5294715" cy="4752005"/>
           </a:xfrm>
           <a:prstGeom prst="rect">
             <a:avLst/>
@@ -5688,6 +6324,14 @@
 <file path=ppt/slides/slide9.xml><?xml version="1.0" encoding="utf-8"?>
 <p:sld xmlns:a="http://schemas.openxmlformats.org/drawingml/2006/main" xmlns:r="http://schemas.openxmlformats.org/officeDocument/2006/relationships" xmlns:p="http://schemas.openxmlformats.org/presentationml/2006/main">
   <p:cSld>
+    <p:bg>
+      <p:bgPr>
+        <a:solidFill>
+          <a:schemeClr val="bg1"/>
+        </a:solidFill>
+        <a:effectLst/>
+      </p:bgPr>
+    </p:bg>
     <p:spTree>
       <p:nvGrpSpPr>
         <p:cNvPr id="1" name=""/>
@@ -5704,54 +6348,267 @@
       </p:grpSpPr>
       <p:sp>
         <p:nvSpPr>
-          <p:cNvPr id="2" name="Titolo 1">
-            <a:extLst>
-              <a:ext uri="{FF2B5EF4-FFF2-40B4-BE49-F238E27FC236}">
-                <a16:creationId xmlns:a16="http://schemas.microsoft.com/office/drawing/2014/main" id="{4534BB15-FC22-E85D-006C-62E2D9668676}"/>
-              </a:ext>
-            </a:extLst>
-          </p:cNvPr>
-          <p:cNvSpPr>
-            <a:spLocks noGrp="1"/>
-          </p:cNvSpPr>
-          <p:nvPr>
-            <p:ph type="title"/>
-          </p:nvPr>
-        </p:nvSpPr>
-        <p:spPr/>
-        <p:txBody>
-          <a:bodyPr/>
-          <a:lstStyle/>
-          <a:p>
-            <a:endParaRPr lang="it-IT"/>
-          </a:p>
-        </p:txBody>
-      </p:sp>
-      <p:sp>
-        <p:nvSpPr>
-          <p:cNvPr id="3" name="Segnaposto contenuto 2">
-            <a:extLst>
-              <a:ext uri="{FF2B5EF4-FFF2-40B4-BE49-F238E27FC236}">
-                <a16:creationId xmlns:a16="http://schemas.microsoft.com/office/drawing/2014/main" id="{C6FEEB9D-B8BF-D3D3-E9CC-4182F541FEEA}"/>
-              </a:ext>
-            </a:extLst>
-          </p:cNvPr>
-          <p:cNvSpPr>
-            <a:spLocks noGrp="1"/>
-          </p:cNvSpPr>
+          <p:cNvPr id="12" name="Rectangle 11">
+            <a:extLst>
+              <a:ext uri="{FF2B5EF4-FFF2-40B4-BE49-F238E27FC236}">
+                <a16:creationId xmlns:a16="http://schemas.microsoft.com/office/drawing/2014/main" id="{A9F529C3-C941-49FD-8C67-82F134F64BDB}"/>
+              </a:ext>
+              <a:ext uri="{C183D7F6-B498-43B3-948B-1728B52AA6E4}">
+                <adec:decorative xmlns:adec="http://schemas.microsoft.com/office/drawing/2017/decorative" val="1"/>
+              </a:ext>
+            </a:extLst>
+          </p:cNvPr>
+          <p:cNvSpPr>
+            <a:spLocks noGrp="1" noRot="1" noChangeAspect="1" noMove="1" noResize="1" noEditPoints="1" noAdjustHandles="1" noChangeArrowheads="1" noChangeShapeType="1" noTextEdit="1"/>
+          </p:cNvSpPr>
+          <p:nvPr>
+            <p:extLst>
+              <p:ext uri="{386F3935-93C4-4BCD-93E2-E3B085C9AB24}">
+                <p16:designElem xmlns:p16="http://schemas.microsoft.com/office/powerpoint/2015/main" val="1"/>
+              </p:ext>
+            </p:extLst>
+          </p:nvPr>
+        </p:nvSpPr>
+        <p:spPr>
+          <a:xfrm>
+            <a:off x="0" y="0"/>
+            <a:ext cx="12192000" cy="6858000"/>
+          </a:xfrm>
+          <a:prstGeom prst="rect">
+            <a:avLst/>
+          </a:prstGeom>
+          <a:solidFill>
+            <a:schemeClr val="tx1">
+              <a:lumMod val="50000"/>
+              <a:lumOff val="50000"/>
+              <a:alpha val="30000"/>
+            </a:schemeClr>
+          </a:solidFill>
+          <a:ln>
+            <a:noFill/>
+          </a:ln>
+        </p:spPr>
+        <p:style>
+          <a:lnRef idx="2">
+            <a:schemeClr val="accent1">
+              <a:shade val="50000"/>
+            </a:schemeClr>
+          </a:lnRef>
+          <a:fillRef idx="1">
+            <a:schemeClr val="accent1"/>
+          </a:fillRef>
+          <a:effectRef idx="0">
+            <a:schemeClr val="accent1"/>
+          </a:effectRef>
+          <a:fontRef idx="minor">
+            <a:schemeClr val="lt1"/>
+          </a:fontRef>
+        </p:style>
+        <p:txBody>
+          <a:bodyPr rtlCol="0" anchor="ctr"/>
+          <a:lstStyle/>
+          <a:p>
+            <a:pPr algn="ctr"/>
+            <a:endParaRPr lang="en-US"/>
+          </a:p>
+        </p:txBody>
+      </p:sp>
+      <p:sp>
+        <p:nvSpPr>
+          <p:cNvPr id="14" name="Rectangle 13">
+            <a:extLst>
+              <a:ext uri="{FF2B5EF4-FFF2-40B4-BE49-F238E27FC236}">
+                <a16:creationId xmlns:a16="http://schemas.microsoft.com/office/drawing/2014/main" id="{20586029-32A0-47E5-9AEC-AE3ABA6B94D0}"/>
+              </a:ext>
+              <a:ext uri="{C183D7F6-B498-43B3-948B-1728B52AA6E4}">
+                <adec:decorative xmlns:adec="http://schemas.microsoft.com/office/drawing/2017/decorative" val="1"/>
+              </a:ext>
+            </a:extLst>
+          </p:cNvPr>
+          <p:cNvSpPr>
+            <a:spLocks noGrp="1" noRot="1" noChangeAspect="1" noMove="1" noResize="1" noEditPoints="1" noAdjustHandles="1" noChangeArrowheads="1" noChangeShapeType="1" noTextEdit="1"/>
+          </p:cNvSpPr>
+          <p:nvPr>
+            <p:extLst>
+              <p:ext uri="{386F3935-93C4-4BCD-93E2-E3B085C9AB24}">
+                <p16:designElem xmlns:p16="http://schemas.microsoft.com/office/powerpoint/2015/main" val="1"/>
+              </p:ext>
+            </p:extLst>
+          </p:nvPr>
+        </p:nvSpPr>
+        <p:spPr>
+          <a:xfrm>
+            <a:off x="477012" y="480060"/>
+            <a:ext cx="11237976" cy="5897880"/>
+          </a:xfrm>
+          <a:prstGeom prst="rect">
+            <a:avLst/>
+          </a:prstGeom>
+          <a:solidFill>
+            <a:srgbClr val="FFFFFF"/>
+          </a:solidFill>
+          <a:ln w="9525">
+            <a:noFill/>
+          </a:ln>
+          <a:effectLst>
+            <a:outerShdw blurRad="63500" dist="17780" dir="5400000" algn="t" rotWithShape="0">
+              <a:prstClr val="black">
+                <a:alpha val="43000"/>
+              </a:prstClr>
+            </a:outerShdw>
+          </a:effectLst>
+        </p:spPr>
+        <p:style>
+          <a:lnRef idx="2">
+            <a:schemeClr val="accent1">
+              <a:shade val="50000"/>
+            </a:schemeClr>
+          </a:lnRef>
+          <a:fillRef idx="1">
+            <a:schemeClr val="accent1"/>
+          </a:fillRef>
+          <a:effectRef idx="0">
+            <a:schemeClr val="accent1"/>
+          </a:effectRef>
+          <a:fontRef idx="minor">
+            <a:schemeClr val="lt1"/>
+          </a:fontRef>
+        </p:style>
+        <p:txBody>
+          <a:bodyPr rtlCol="0" anchor="ctr"/>
+          <a:lstStyle/>
+          <a:p>
+            <a:pPr algn="ctr"/>
+            <a:endParaRPr lang="en-US"/>
+          </a:p>
+        </p:txBody>
+      </p:sp>
+      <p:pic>
+        <p:nvPicPr>
+          <p:cNvPr id="5" name="Segnaposto contenuto 4" descr="Immagine che contiene cerchio, Oggetto astronomico, sfera, schermata&#10;&#10;Descrizione generata automaticamente">
+            <a:extLst>
+              <a:ext uri="{FF2B5EF4-FFF2-40B4-BE49-F238E27FC236}">
+                <a16:creationId xmlns:a16="http://schemas.microsoft.com/office/drawing/2014/main" id="{5E32CCF1-5744-9038-E125-7FA9033142B6}"/>
+              </a:ext>
+            </a:extLst>
+          </p:cNvPr>
+          <p:cNvPicPr>
+            <a:picLocks noGrp="1" noChangeAspect="1"/>
+          </p:cNvPicPr>
           <p:nvPr>
             <p:ph idx="1"/>
           </p:nvPr>
-        </p:nvSpPr>
-        <p:spPr/>
-        <p:txBody>
-          <a:bodyPr/>
-          <a:lstStyle/>
-          <a:p>
-            <a:endParaRPr lang="it-IT" dirty="0"/>
-          </a:p>
-        </p:txBody>
-      </p:sp>
+        </p:nvPicPr>
+        <p:blipFill>
+          <a:blip r:embed="rId2">
+            <a:extLst>
+              <a:ext uri="{28A0092B-C50C-407E-A947-70E740481C1C}">
+                <a14:useLocalDpi xmlns:a14="http://schemas.microsoft.com/office/drawing/2010/main" val="0"/>
+              </a:ext>
+            </a:extLst>
+          </a:blip>
+          <a:stretch>
+            <a:fillRect/>
+          </a:stretch>
+        </p:blipFill>
+        <p:spPr>
+          <a:xfrm>
+            <a:off x="643467" y="1052996"/>
+            <a:ext cx="5294716" cy="4752006"/>
+          </a:xfrm>
+          <a:prstGeom prst="rect">
+            <a:avLst/>
+          </a:prstGeom>
+        </p:spPr>
+      </p:pic>
+      <p:cxnSp>
+        <p:nvCxnSpPr>
+          <p:cNvPr id="16" name="Straight Connector 15">
+            <a:extLst>
+              <a:ext uri="{FF2B5EF4-FFF2-40B4-BE49-F238E27FC236}">
+                <a16:creationId xmlns:a16="http://schemas.microsoft.com/office/drawing/2014/main" id="{8C730EAB-A532-4295-A302-FB4B90DB9F5E}"/>
+              </a:ext>
+              <a:ext uri="{C183D7F6-B498-43B3-948B-1728B52AA6E4}">
+                <adec:decorative xmlns:adec="http://schemas.microsoft.com/office/drawing/2017/decorative" val="1"/>
+              </a:ext>
+            </a:extLst>
+          </p:cNvPr>
+          <p:cNvCxnSpPr>
+            <a:cxnSpLocks noGrp="1" noRot="1" noChangeAspect="1" noMove="1" noResize="1" noEditPoints="1" noAdjustHandles="1" noChangeArrowheads="1" noChangeShapeType="1"/>
+          </p:cNvCxnSpPr>
+          <p:nvPr>
+            <p:extLst>
+              <p:ext uri="{386F3935-93C4-4BCD-93E2-E3B085C9AB24}">
+                <p16:designElem xmlns:p16="http://schemas.microsoft.com/office/powerpoint/2015/main" val="1"/>
+              </p:ext>
+            </p:extLst>
+          </p:nvPr>
+        </p:nvCxnSpPr>
+        <p:spPr>
+          <a:xfrm>
+            <a:off x="6079958" y="1143000"/>
+            <a:ext cx="0" cy="4572000"/>
+          </a:xfrm>
+          <a:prstGeom prst="line">
+            <a:avLst/>
+          </a:prstGeom>
+          <a:ln>
+            <a:solidFill>
+              <a:srgbClr val="4E4E4E"/>
+            </a:solidFill>
+          </a:ln>
+        </p:spPr>
+        <p:style>
+          <a:lnRef idx="1">
+            <a:schemeClr val="accent1"/>
+          </a:lnRef>
+          <a:fillRef idx="0">
+            <a:schemeClr val="accent1"/>
+          </a:fillRef>
+          <a:effectRef idx="0">
+            <a:schemeClr val="accent1"/>
+          </a:effectRef>
+          <a:fontRef idx="minor">
+            <a:schemeClr val="tx1"/>
+          </a:fontRef>
+        </p:style>
+      </p:cxnSp>
+      <p:pic>
+        <p:nvPicPr>
+          <p:cNvPr id="7" name="Immagine 6" descr="Immagine che contiene cerchio, Oggetto astronomico, sfera, Evento celeste&#10;&#10;Descrizione generata automaticamente">
+            <a:extLst>
+              <a:ext uri="{FF2B5EF4-FFF2-40B4-BE49-F238E27FC236}">
+                <a16:creationId xmlns:a16="http://schemas.microsoft.com/office/drawing/2014/main" id="{65E119EB-34C7-79DD-B9D7-56299C95E0FA}"/>
+              </a:ext>
+            </a:extLst>
+          </p:cNvPr>
+          <p:cNvPicPr>
+            <a:picLocks noChangeAspect="1"/>
+          </p:cNvPicPr>
+          <p:nvPr/>
+        </p:nvPicPr>
+        <p:blipFill>
+          <a:blip r:embed="rId3">
+            <a:extLst>
+              <a:ext uri="{28A0092B-C50C-407E-A947-70E740481C1C}">
+                <a14:useLocalDpi xmlns:a14="http://schemas.microsoft.com/office/drawing/2010/main" val="0"/>
+              </a:ext>
+            </a:extLst>
+          </a:blip>
+          <a:stretch>
+            <a:fillRect/>
+          </a:stretch>
+        </p:blipFill>
+        <p:spPr>
+          <a:xfrm>
+            <a:off x="6253817" y="1006669"/>
+            <a:ext cx="5294715" cy="4844662"/>
+          </a:xfrm>
+          <a:prstGeom prst="rect">
+            <a:avLst/>
+          </a:prstGeom>
+        </p:spPr>
+      </p:pic>
     </p:spTree>
     <p:extLst>
       <p:ext uri="{BB962C8B-B14F-4D97-AF65-F5344CB8AC3E}">

--- a/Fast Quantum Byzantine Agreement.pptx
+++ b/Fast Quantum Byzantine Agreement.pptx
@@ -10,14 +10,15 @@
     <p:sldId id="258" r:id="rId4"/>
     <p:sldId id="259" r:id="rId5"/>
     <p:sldId id="260" r:id="rId6"/>
-    <p:sldId id="265" r:id="rId7"/>
-    <p:sldId id="266" r:id="rId8"/>
-    <p:sldId id="267" r:id="rId9"/>
-    <p:sldId id="268" r:id="rId10"/>
-    <p:sldId id="261" r:id="rId11"/>
-    <p:sldId id="262" r:id="rId12"/>
-    <p:sldId id="263" r:id="rId13"/>
-    <p:sldId id="264" r:id="rId14"/>
+    <p:sldId id="269" r:id="rId7"/>
+    <p:sldId id="265" r:id="rId8"/>
+    <p:sldId id="266" r:id="rId9"/>
+    <p:sldId id="267" r:id="rId10"/>
+    <p:sldId id="268" r:id="rId11"/>
+    <p:sldId id="261" r:id="rId12"/>
+    <p:sldId id="262" r:id="rId13"/>
+    <p:sldId id="263" r:id="rId14"/>
+    <p:sldId id="264" r:id="rId15"/>
   </p:sldIdLst>
   <p:sldSz cx="12192000" cy="6858000"/>
   <p:notesSz cx="6858000" cy="9144000"/>
@@ -3453,8 +3454,13 @@
             </a:pPr>
             <a:r>
               <a:rPr lang="it-IT" sz="1900" dirty="0"/>
-              <a:t>Progetto per High Performance Computing</a:t>
-            </a:r>
+              <a:t>High Performance Computing </a:t>
+            </a:r>
+            <a:r>
+              <a:rPr lang="it-IT" sz="1900" dirty="0" err="1"/>
+              <a:t>assignment</a:t>
+            </a:r>
+            <a:endParaRPr lang="it-IT" sz="1900" dirty="0"/>
           </a:p>
           <a:p>
             <a:pPr>
@@ -3741,125 +3747,237 @@
       </p:grpSpPr>
       <p:sp>
         <p:nvSpPr>
-          <p:cNvPr id="2" name="Titolo 1">
-            <a:extLst>
-              <a:ext uri="{FF2B5EF4-FFF2-40B4-BE49-F238E27FC236}">
-                <a16:creationId xmlns:a16="http://schemas.microsoft.com/office/drawing/2014/main" id="{A3943FB6-6CB9-0FD0-F920-734BD0522DC8}"/>
-              </a:ext>
-            </a:extLst>
-          </p:cNvPr>
-          <p:cNvSpPr>
-            <a:spLocks noGrp="1"/>
-          </p:cNvSpPr>
-          <p:nvPr>
-            <p:ph type="title"/>
-          </p:nvPr>
-        </p:nvSpPr>
-        <p:spPr>
-          <a:xfrm>
-            <a:off x="565149" y="1204721"/>
-            <a:ext cx="4114799" cy="1446550"/>
-          </a:xfrm>
-        </p:spPr>
-        <p:txBody>
-          <a:bodyPr>
-            <a:normAutofit/>
-          </a:bodyPr>
-          <a:lstStyle/>
-          <a:p>
-            <a:r>
-              <a:rPr lang="it-IT" dirty="0" err="1"/>
-              <a:t>Implementation</a:t>
-            </a:r>
-            <a:endParaRPr lang="it-IT" dirty="0"/>
-          </a:p>
-        </p:txBody>
-      </p:sp>
-      <p:sp>
-        <p:nvSpPr>
-          <p:cNvPr id="3" name="Segnaposto contenuto 2">
-            <a:extLst>
-              <a:ext uri="{FF2B5EF4-FFF2-40B4-BE49-F238E27FC236}">
-                <a16:creationId xmlns:a16="http://schemas.microsoft.com/office/drawing/2014/main" id="{3D4DE5C7-5A8B-ADA9-B124-3B1051BD8B90}"/>
-              </a:ext>
-            </a:extLst>
-          </p:cNvPr>
-          <p:cNvSpPr>
-            <a:spLocks noGrp="1"/>
-          </p:cNvSpPr>
-          <p:nvPr>
-            <p:ph idx="1"/>
-          </p:nvPr>
-        </p:nvSpPr>
-        <p:spPr>
-          <a:xfrm>
-            <a:off x="565150" y="2691638"/>
-            <a:ext cx="4114799" cy="3188586"/>
-          </a:xfrm>
-        </p:spPr>
-        <p:txBody>
-          <a:bodyPr>
-            <a:normAutofit fontScale="92500" lnSpcReduction="10000"/>
-          </a:bodyPr>
-          <a:lstStyle/>
-          <a:p>
-            <a:r>
-              <a:rPr lang="it-IT" dirty="0" err="1"/>
-              <a:t>NetQASM</a:t>
-            </a:r>
-            <a:r>
-              <a:rPr lang="it-IT" dirty="0"/>
-              <a:t> to make quantum network </a:t>
-            </a:r>
-            <a:r>
-              <a:rPr lang="it-IT" dirty="0" err="1"/>
-              <a:t>applications</a:t>
-            </a:r>
-            <a:endParaRPr lang="it-IT" dirty="0"/>
-          </a:p>
-          <a:p>
-            <a:r>
-              <a:rPr lang="it-IT" dirty="0"/>
-              <a:t>Python</a:t>
-            </a:r>
-          </a:p>
-          <a:p>
-            <a:r>
-              <a:rPr lang="it-IT" dirty="0" err="1"/>
-              <a:t>SquidASM</a:t>
-            </a:r>
-            <a:r>
-              <a:rPr lang="it-IT" dirty="0"/>
-              <a:t> to simulate </a:t>
-            </a:r>
-            <a:r>
-              <a:rPr lang="it-IT" dirty="0" err="1"/>
-              <a:t>application</a:t>
-            </a:r>
-            <a:endParaRPr lang="it-IT" dirty="0"/>
-          </a:p>
-          <a:p>
-            <a:r>
-              <a:rPr lang="it-IT" dirty="0"/>
-              <a:t>Alternative to QOCC for </a:t>
-            </a:r>
-            <a:r>
-              <a:rPr lang="it-IT" dirty="0" err="1"/>
-              <a:t>noise</a:t>
-            </a:r>
-            <a:r>
-              <a:rPr lang="it-IT" dirty="0"/>
-              <a:t> study</a:t>
-            </a:r>
+          <p:cNvPr id="12" name="Rectangle 11">
+            <a:extLst>
+              <a:ext uri="{FF2B5EF4-FFF2-40B4-BE49-F238E27FC236}">
+                <a16:creationId xmlns:a16="http://schemas.microsoft.com/office/drawing/2014/main" id="{A9F529C3-C941-49FD-8C67-82F134F64BDB}"/>
+              </a:ext>
+              <a:ext uri="{C183D7F6-B498-43B3-948B-1728B52AA6E4}">
+                <adec:decorative xmlns:adec="http://schemas.microsoft.com/office/drawing/2017/decorative" val="1"/>
+              </a:ext>
+            </a:extLst>
+          </p:cNvPr>
+          <p:cNvSpPr>
+            <a:spLocks noGrp="1" noRot="1" noChangeAspect="1" noMove="1" noResize="1" noEditPoints="1" noAdjustHandles="1" noChangeArrowheads="1" noChangeShapeType="1" noTextEdit="1"/>
+          </p:cNvSpPr>
+          <p:nvPr>
+            <p:extLst>
+              <p:ext uri="{386F3935-93C4-4BCD-93E2-E3B085C9AB24}">
+                <p16:designElem xmlns:p16="http://schemas.microsoft.com/office/powerpoint/2015/main" val="1"/>
+              </p:ext>
+            </p:extLst>
+          </p:nvPr>
+        </p:nvSpPr>
+        <p:spPr>
+          <a:xfrm>
+            <a:off x="0" y="0"/>
+            <a:ext cx="12192000" cy="6858000"/>
+          </a:xfrm>
+          <a:prstGeom prst="rect">
+            <a:avLst/>
+          </a:prstGeom>
+          <a:solidFill>
+            <a:schemeClr val="tx1">
+              <a:lumMod val="50000"/>
+              <a:lumOff val="50000"/>
+              <a:alpha val="30000"/>
+            </a:schemeClr>
+          </a:solidFill>
+          <a:ln>
+            <a:noFill/>
+          </a:ln>
+        </p:spPr>
+        <p:style>
+          <a:lnRef idx="2">
+            <a:schemeClr val="accent1">
+              <a:shade val="50000"/>
+            </a:schemeClr>
+          </a:lnRef>
+          <a:fillRef idx="1">
+            <a:schemeClr val="accent1"/>
+          </a:fillRef>
+          <a:effectRef idx="0">
+            <a:schemeClr val="accent1"/>
+          </a:effectRef>
+          <a:fontRef idx="minor">
+            <a:schemeClr val="lt1"/>
+          </a:fontRef>
+        </p:style>
+        <p:txBody>
+          <a:bodyPr rtlCol="0" anchor="ctr"/>
+          <a:lstStyle/>
+          <a:p>
+            <a:pPr algn="ctr"/>
+            <a:endParaRPr lang="en-US"/>
+          </a:p>
+        </p:txBody>
+      </p:sp>
+      <p:sp>
+        <p:nvSpPr>
+          <p:cNvPr id="14" name="Rectangle 13">
+            <a:extLst>
+              <a:ext uri="{FF2B5EF4-FFF2-40B4-BE49-F238E27FC236}">
+                <a16:creationId xmlns:a16="http://schemas.microsoft.com/office/drawing/2014/main" id="{20586029-32A0-47E5-9AEC-AE3ABA6B94D0}"/>
+              </a:ext>
+              <a:ext uri="{C183D7F6-B498-43B3-948B-1728B52AA6E4}">
+                <adec:decorative xmlns:adec="http://schemas.microsoft.com/office/drawing/2017/decorative" val="1"/>
+              </a:ext>
+            </a:extLst>
+          </p:cNvPr>
+          <p:cNvSpPr>
+            <a:spLocks noGrp="1" noRot="1" noChangeAspect="1" noMove="1" noResize="1" noEditPoints="1" noAdjustHandles="1" noChangeArrowheads="1" noChangeShapeType="1" noTextEdit="1"/>
+          </p:cNvSpPr>
+          <p:nvPr>
+            <p:extLst>
+              <p:ext uri="{386F3935-93C4-4BCD-93E2-E3B085C9AB24}">
+                <p16:designElem xmlns:p16="http://schemas.microsoft.com/office/powerpoint/2015/main" val="1"/>
+              </p:ext>
+            </p:extLst>
+          </p:nvPr>
+        </p:nvSpPr>
+        <p:spPr>
+          <a:xfrm>
+            <a:off x="477012" y="480060"/>
+            <a:ext cx="11237976" cy="5897880"/>
+          </a:xfrm>
+          <a:prstGeom prst="rect">
+            <a:avLst/>
+          </a:prstGeom>
+          <a:solidFill>
+            <a:srgbClr val="FFFFFF"/>
+          </a:solidFill>
+          <a:ln w="9525">
+            <a:noFill/>
+          </a:ln>
+          <a:effectLst>
+            <a:outerShdw blurRad="63500" dist="17780" dir="5400000" algn="t" rotWithShape="0">
+              <a:prstClr val="black">
+                <a:alpha val="43000"/>
+              </a:prstClr>
+            </a:outerShdw>
+          </a:effectLst>
+        </p:spPr>
+        <p:style>
+          <a:lnRef idx="2">
+            <a:schemeClr val="accent1">
+              <a:shade val="50000"/>
+            </a:schemeClr>
+          </a:lnRef>
+          <a:fillRef idx="1">
+            <a:schemeClr val="accent1"/>
+          </a:fillRef>
+          <a:effectRef idx="0">
+            <a:schemeClr val="accent1"/>
+          </a:effectRef>
+          <a:fontRef idx="minor">
+            <a:schemeClr val="lt1"/>
+          </a:fontRef>
+        </p:style>
+        <p:txBody>
+          <a:bodyPr rtlCol="0" anchor="ctr"/>
+          <a:lstStyle/>
+          <a:p>
+            <a:pPr algn="ctr"/>
+            <a:endParaRPr lang="en-US"/>
           </a:p>
         </p:txBody>
       </p:sp>
       <p:pic>
         <p:nvPicPr>
-          <p:cNvPr id="5" name="Picture 4" descr="Sphere of mesh and nodes">
-            <a:extLst>
-              <a:ext uri="{FF2B5EF4-FFF2-40B4-BE49-F238E27FC236}">
-                <a16:creationId xmlns:a16="http://schemas.microsoft.com/office/drawing/2014/main" id="{E3CDCFE7-3158-9268-3246-647B1CDF0553}"/>
+          <p:cNvPr id="5" name="Segnaposto contenuto 4" descr="Immagine che contiene cerchio, Oggetto astronomico, sfera, schermata&#10;&#10;Descrizione generata automaticamente">
+            <a:extLst>
+              <a:ext uri="{FF2B5EF4-FFF2-40B4-BE49-F238E27FC236}">
+                <a16:creationId xmlns:a16="http://schemas.microsoft.com/office/drawing/2014/main" id="{5E32CCF1-5744-9038-E125-7FA9033142B6}"/>
+              </a:ext>
+            </a:extLst>
+          </p:cNvPr>
+          <p:cNvPicPr>
+            <a:picLocks noGrp="1" noChangeAspect="1"/>
+          </p:cNvPicPr>
+          <p:nvPr>
+            <p:ph idx="1"/>
+          </p:nvPr>
+        </p:nvPicPr>
+        <p:blipFill>
+          <a:blip r:embed="rId2">
+            <a:extLst>
+              <a:ext uri="{28A0092B-C50C-407E-A947-70E740481C1C}">
+                <a14:useLocalDpi xmlns:a14="http://schemas.microsoft.com/office/drawing/2010/main" val="0"/>
+              </a:ext>
+            </a:extLst>
+          </a:blip>
+          <a:stretch>
+            <a:fillRect/>
+          </a:stretch>
+        </p:blipFill>
+        <p:spPr>
+          <a:xfrm>
+            <a:off x="643467" y="1052996"/>
+            <a:ext cx="5294716" cy="4752006"/>
+          </a:xfrm>
+          <a:prstGeom prst="rect">
+            <a:avLst/>
+          </a:prstGeom>
+        </p:spPr>
+      </p:pic>
+      <p:cxnSp>
+        <p:nvCxnSpPr>
+          <p:cNvPr id="16" name="Straight Connector 15">
+            <a:extLst>
+              <a:ext uri="{FF2B5EF4-FFF2-40B4-BE49-F238E27FC236}">
+                <a16:creationId xmlns:a16="http://schemas.microsoft.com/office/drawing/2014/main" id="{8C730EAB-A532-4295-A302-FB4B90DB9F5E}"/>
+              </a:ext>
+              <a:ext uri="{C183D7F6-B498-43B3-948B-1728B52AA6E4}">
+                <adec:decorative xmlns:adec="http://schemas.microsoft.com/office/drawing/2017/decorative" val="1"/>
+              </a:ext>
+            </a:extLst>
+          </p:cNvPr>
+          <p:cNvCxnSpPr>
+            <a:cxnSpLocks noGrp="1" noRot="1" noChangeAspect="1" noMove="1" noResize="1" noEditPoints="1" noAdjustHandles="1" noChangeArrowheads="1" noChangeShapeType="1"/>
+          </p:cNvCxnSpPr>
+          <p:nvPr>
+            <p:extLst>
+              <p:ext uri="{386F3935-93C4-4BCD-93E2-E3B085C9AB24}">
+                <p16:designElem xmlns:p16="http://schemas.microsoft.com/office/powerpoint/2015/main" val="1"/>
+              </p:ext>
+            </p:extLst>
+          </p:nvPr>
+        </p:nvCxnSpPr>
+        <p:spPr>
+          <a:xfrm>
+            <a:off x="6079958" y="1143000"/>
+            <a:ext cx="0" cy="4572000"/>
+          </a:xfrm>
+          <a:prstGeom prst="line">
+            <a:avLst/>
+          </a:prstGeom>
+          <a:ln>
+            <a:solidFill>
+              <a:srgbClr val="4E4E4E"/>
+            </a:solidFill>
+          </a:ln>
+        </p:spPr>
+        <p:style>
+          <a:lnRef idx="1">
+            <a:schemeClr val="accent1"/>
+          </a:lnRef>
+          <a:fillRef idx="0">
+            <a:schemeClr val="accent1"/>
+          </a:fillRef>
+          <a:effectRef idx="0">
+            <a:schemeClr val="accent1"/>
+          </a:effectRef>
+          <a:fontRef idx="minor">
+            <a:schemeClr val="tx1"/>
+          </a:fontRef>
+        </p:style>
+      </p:cxnSp>
+      <p:pic>
+        <p:nvPicPr>
+          <p:cNvPr id="7" name="Immagine 6" descr="Immagine che contiene cerchio, Oggetto astronomico, sfera, Evento celeste&#10;&#10;Descrizione generata automaticamente">
+            <a:extLst>
+              <a:ext uri="{FF2B5EF4-FFF2-40B4-BE49-F238E27FC236}">
+                <a16:creationId xmlns:a16="http://schemas.microsoft.com/office/drawing/2014/main" id="{65E119EB-34C7-79DD-B9D7-56299C95E0FA}"/>
               </a:ext>
             </a:extLst>
           </p:cNvPr>
@@ -3868,15 +3986,22 @@
           </p:cNvPicPr>
           <p:nvPr/>
         </p:nvPicPr>
-        <p:blipFill rotWithShape="1">
-          <a:blip r:embed="rId2"/>
-          <a:srcRect l="23800"/>
-          <a:stretch/>
+        <p:blipFill>
+          <a:blip r:embed="rId3">
+            <a:extLst>
+              <a:ext uri="{28A0092B-C50C-407E-A947-70E740481C1C}">
+                <a14:useLocalDpi xmlns:a14="http://schemas.microsoft.com/office/drawing/2010/main" val="0"/>
+              </a:ext>
+            </a:extLst>
+          </a:blip>
+          <a:stretch>
+            <a:fillRect/>
+          </a:stretch>
         </p:blipFill>
         <p:spPr>
           <a:xfrm>
-            <a:off x="5224242" y="10"/>
-            <a:ext cx="6967758" cy="6857990"/>
+            <a:off x="6253817" y="1006669"/>
+            <a:ext cx="5294715" cy="4844662"/>
           </a:xfrm>
           <a:prstGeom prst="rect">
             <a:avLst/>
@@ -3886,7 +4011,7 @@
     </p:spTree>
     <p:extLst>
       <p:ext uri="{BB962C8B-B14F-4D97-AF65-F5344CB8AC3E}">
-        <p14:creationId xmlns:p14="http://schemas.microsoft.com/office/powerpoint/2010/main" val="1396010090"/>
+        <p14:creationId xmlns:p14="http://schemas.microsoft.com/office/powerpoint/2010/main" val="3118947374"/>
       </p:ext>
     </p:extLst>
   </p:cSld>
@@ -3926,6 +4051,223 @@
           <p:cNvPr id="2" name="Titolo 1">
             <a:extLst>
               <a:ext uri="{FF2B5EF4-FFF2-40B4-BE49-F238E27FC236}">
+                <a16:creationId xmlns:a16="http://schemas.microsoft.com/office/drawing/2014/main" id="{A3943FB6-6CB9-0FD0-F920-734BD0522DC8}"/>
+              </a:ext>
+            </a:extLst>
+          </p:cNvPr>
+          <p:cNvSpPr>
+            <a:spLocks noGrp="1"/>
+          </p:cNvSpPr>
+          <p:nvPr>
+            <p:ph type="title"/>
+          </p:nvPr>
+        </p:nvSpPr>
+        <p:spPr>
+          <a:xfrm>
+            <a:off x="565149" y="1204721"/>
+            <a:ext cx="4114799" cy="1446550"/>
+          </a:xfrm>
+        </p:spPr>
+        <p:txBody>
+          <a:bodyPr>
+            <a:normAutofit/>
+          </a:bodyPr>
+          <a:lstStyle/>
+          <a:p>
+            <a:r>
+              <a:rPr lang="it-IT" dirty="0" err="1"/>
+              <a:t>Implementation</a:t>
+            </a:r>
+            <a:endParaRPr lang="it-IT" dirty="0"/>
+          </a:p>
+        </p:txBody>
+      </p:sp>
+      <p:sp>
+        <p:nvSpPr>
+          <p:cNvPr id="3" name="Segnaposto contenuto 2">
+            <a:extLst>
+              <a:ext uri="{FF2B5EF4-FFF2-40B4-BE49-F238E27FC236}">
+                <a16:creationId xmlns:a16="http://schemas.microsoft.com/office/drawing/2014/main" id="{3D4DE5C7-5A8B-ADA9-B124-3B1051BD8B90}"/>
+              </a:ext>
+            </a:extLst>
+          </p:cNvPr>
+          <p:cNvSpPr>
+            <a:spLocks noGrp="1"/>
+          </p:cNvSpPr>
+          <p:nvPr>
+            <p:ph idx="1"/>
+          </p:nvPr>
+        </p:nvSpPr>
+        <p:spPr>
+          <a:xfrm>
+            <a:off x="565150" y="2691637"/>
+            <a:ext cx="4114799" cy="3530408"/>
+          </a:xfrm>
+        </p:spPr>
+        <p:txBody>
+          <a:bodyPr>
+            <a:normAutofit fontScale="92500" lnSpcReduction="20000"/>
+          </a:bodyPr>
+          <a:lstStyle/>
+          <a:p>
+            <a:r>
+              <a:rPr lang="it-IT" dirty="0" err="1"/>
+              <a:t>NetQASM</a:t>
+            </a:r>
+            <a:r>
+              <a:rPr lang="it-IT" dirty="0"/>
+              <a:t> to make quantum network </a:t>
+            </a:r>
+            <a:r>
+              <a:rPr lang="it-IT" dirty="0" err="1"/>
+              <a:t>applications</a:t>
+            </a:r>
+            <a:endParaRPr lang="it-IT" dirty="0"/>
+          </a:p>
+          <a:p>
+            <a:r>
+              <a:rPr lang="it-IT" dirty="0"/>
+              <a:t>Python</a:t>
+            </a:r>
+          </a:p>
+          <a:p>
+            <a:r>
+              <a:rPr lang="it-IT" dirty="0" err="1"/>
+              <a:t>SquidASM</a:t>
+            </a:r>
+            <a:r>
+              <a:rPr lang="it-IT" dirty="0"/>
+              <a:t> to simulate </a:t>
+            </a:r>
+            <a:r>
+              <a:rPr lang="it-IT" dirty="0" err="1"/>
+              <a:t>application</a:t>
+            </a:r>
+            <a:endParaRPr lang="it-IT" dirty="0"/>
+          </a:p>
+          <a:p>
+            <a:r>
+              <a:rPr lang="it-IT" dirty="0"/>
+              <a:t>Single </a:t>
+            </a:r>
+            <a:r>
+              <a:rPr lang="it-IT" dirty="0" err="1"/>
+              <a:t>config</a:t>
+            </a:r>
+            <a:r>
+              <a:rPr lang="it-IT" dirty="0"/>
+              <a:t> file </a:t>
+            </a:r>
+            <a:r>
+              <a:rPr lang="it-IT" dirty="0" err="1"/>
+              <a:t>generates</a:t>
+            </a:r>
+            <a:r>
+              <a:rPr lang="it-IT" dirty="0"/>
+              <a:t> </a:t>
+            </a:r>
+            <a:r>
+              <a:rPr lang="it-IT" dirty="0" err="1"/>
+              <a:t>all</a:t>
+            </a:r>
+            <a:r>
+              <a:rPr lang="it-IT" dirty="0"/>
+              <a:t> </a:t>
+            </a:r>
+            <a:r>
+              <a:rPr lang="it-IT" dirty="0" err="1"/>
+              <a:t>nodes</a:t>
+            </a:r>
+            <a:endParaRPr lang="it-IT" dirty="0"/>
+          </a:p>
+          <a:p>
+            <a:r>
+              <a:rPr lang="it-IT" dirty="0"/>
+              <a:t>Alternative to QOCC for </a:t>
+            </a:r>
+            <a:r>
+              <a:rPr lang="it-IT" dirty="0" err="1"/>
+              <a:t>noise</a:t>
+            </a:r>
+            <a:r>
+              <a:rPr lang="it-IT" dirty="0"/>
+              <a:t> study</a:t>
+            </a:r>
+          </a:p>
+        </p:txBody>
+      </p:sp>
+      <p:pic>
+        <p:nvPicPr>
+          <p:cNvPr id="5" name="Picture 4" descr="Sphere of mesh and nodes">
+            <a:extLst>
+              <a:ext uri="{FF2B5EF4-FFF2-40B4-BE49-F238E27FC236}">
+                <a16:creationId xmlns:a16="http://schemas.microsoft.com/office/drawing/2014/main" id="{E3CDCFE7-3158-9268-3246-647B1CDF0553}"/>
+              </a:ext>
+            </a:extLst>
+          </p:cNvPr>
+          <p:cNvPicPr>
+            <a:picLocks noChangeAspect="1"/>
+          </p:cNvPicPr>
+          <p:nvPr/>
+        </p:nvPicPr>
+        <p:blipFill rotWithShape="1">
+          <a:blip r:embed="rId2"/>
+          <a:srcRect l="23800"/>
+          <a:stretch/>
+        </p:blipFill>
+        <p:spPr>
+          <a:xfrm>
+            <a:off x="5224242" y="10"/>
+            <a:ext cx="6967758" cy="6857990"/>
+          </a:xfrm>
+          <a:prstGeom prst="rect">
+            <a:avLst/>
+          </a:prstGeom>
+        </p:spPr>
+      </p:pic>
+    </p:spTree>
+    <p:extLst>
+      <p:ext uri="{BB962C8B-B14F-4D97-AF65-F5344CB8AC3E}">
+        <p14:creationId xmlns:p14="http://schemas.microsoft.com/office/powerpoint/2010/main" val="1396010090"/>
+      </p:ext>
+    </p:extLst>
+  </p:cSld>
+  <p:clrMapOvr>
+    <a:masterClrMapping/>
+  </p:clrMapOvr>
+</p:sld>
+</file>
+
+<file path=ppt/slides/slide12.xml><?xml version="1.0" encoding="utf-8"?>
+<p:sld xmlns:a="http://schemas.openxmlformats.org/drawingml/2006/main" xmlns:r="http://schemas.openxmlformats.org/officeDocument/2006/relationships" xmlns:p="http://schemas.openxmlformats.org/presentationml/2006/main">
+  <p:cSld>
+    <p:bg>
+      <p:bgPr>
+        <a:solidFill>
+          <a:schemeClr val="bg1"/>
+        </a:solidFill>
+        <a:effectLst/>
+      </p:bgPr>
+    </p:bg>
+    <p:spTree>
+      <p:nvGrpSpPr>
+        <p:cNvPr id="1" name=""/>
+        <p:cNvGrpSpPr/>
+        <p:nvPr/>
+      </p:nvGrpSpPr>
+      <p:grpSpPr>
+        <a:xfrm>
+          <a:off x="0" y="0"/>
+          <a:ext cx="0" cy="0"/>
+          <a:chOff x="0" y="0"/>
+          <a:chExt cx="0" cy="0"/>
+        </a:xfrm>
+      </p:grpSpPr>
+      <p:sp>
+        <p:nvSpPr>
+          <p:cNvPr id="2" name="Titolo 1">
+            <a:extLst>
+              <a:ext uri="{FF2B5EF4-FFF2-40B4-BE49-F238E27FC236}">
                 <a16:creationId xmlns:a16="http://schemas.microsoft.com/office/drawing/2014/main" id="{AF4F5160-818F-E59D-AD76-75628EB33D85}"/>
               </a:ext>
             </a:extLst>
@@ -4121,7 +4463,7 @@
 </p:sld>
 </file>
 
-<file path=ppt/slides/slide12.xml><?xml version="1.0" encoding="utf-8"?>
+<file path=ppt/slides/slide13.xml><?xml version="1.0" encoding="utf-8"?>
 <p:sld xmlns:a="http://schemas.openxmlformats.org/drawingml/2006/main" xmlns:r="http://schemas.openxmlformats.org/officeDocument/2006/relationships" xmlns:p="http://schemas.openxmlformats.org/presentationml/2006/main">
   <p:cSld>
     <p:spTree>
@@ -4251,7 +4593,7 @@
 </p:sld>
 </file>
 
-<file path=ppt/slides/slide13.xml><?xml version="1.0" encoding="utf-8"?>
+<file path=ppt/slides/slide14.xml><?xml version="1.0" encoding="utf-8"?>
 <p:sld xmlns:a="http://schemas.openxmlformats.org/drawingml/2006/main" xmlns:r="http://schemas.openxmlformats.org/officeDocument/2006/relationships" xmlns:p="http://schemas.openxmlformats.org/presentationml/2006/main">
   <p:cSld>
     <p:bg>
@@ -5084,7 +5426,7 @@
             </a:r>
             <a:r>
               <a:rPr lang="it-IT" dirty="0" err="1"/>
-              <a:t>beetwen</a:t>
+              <a:t>between</a:t>
             </a:r>
             <a:r>
               <a:rPr lang="it-IT" dirty="0"/>
@@ -5198,6 +5540,133 @@
           <a:chExt cx="0" cy="0"/>
         </a:xfrm>
       </p:grpSpPr>
+      <p:sp useBgFill="1">
+        <p:nvSpPr>
+          <p:cNvPr id="33" name="Slide Background">
+            <a:extLst>
+              <a:ext uri="{FF2B5EF4-FFF2-40B4-BE49-F238E27FC236}">
+                <a16:creationId xmlns:a16="http://schemas.microsoft.com/office/drawing/2014/main" id="{B210AC1D-4063-4C6E-9528-FA9C4C0C18E6}"/>
+              </a:ext>
+              <a:ext uri="{C183D7F6-B498-43B3-948B-1728B52AA6E4}">
+                <adec:decorative xmlns:adec="http://schemas.microsoft.com/office/drawing/2017/decorative" val="1"/>
+              </a:ext>
+            </a:extLst>
+          </p:cNvPr>
+          <p:cNvSpPr>
+            <a:spLocks noGrp="1" noRot="1" noChangeAspect="1" noMove="1" noResize="1" noEditPoints="1" noAdjustHandles="1" noChangeArrowheads="1" noChangeShapeType="1" noTextEdit="1"/>
+          </p:cNvSpPr>
+          <p:nvPr>
+            <p:extLst>
+              <p:ext uri="{386F3935-93C4-4BCD-93E2-E3B085C9AB24}">
+                <p16:designElem xmlns:p16="http://schemas.microsoft.com/office/powerpoint/2015/main" val="1"/>
+              </p:ext>
+            </p:extLst>
+          </p:nvPr>
+        </p:nvSpPr>
+        <p:spPr>
+          <a:xfrm>
+            <a:off x="0" y="0"/>
+            <a:ext cx="12192000" cy="6858000"/>
+          </a:xfrm>
+          <a:prstGeom prst="rect">
+            <a:avLst/>
+          </a:prstGeom>
+          <a:ln>
+            <a:noFill/>
+          </a:ln>
+        </p:spPr>
+        <p:style>
+          <a:lnRef idx="2">
+            <a:schemeClr val="accent1">
+              <a:shade val="50000"/>
+            </a:schemeClr>
+          </a:lnRef>
+          <a:fillRef idx="1">
+            <a:schemeClr val="accent1"/>
+          </a:fillRef>
+          <a:effectRef idx="0">
+            <a:schemeClr val="accent1"/>
+          </a:effectRef>
+          <a:fontRef idx="minor">
+            <a:schemeClr val="lt1"/>
+          </a:fontRef>
+        </p:style>
+        <p:txBody>
+          <a:bodyPr rtlCol="0" anchor="ctr"/>
+          <a:lstStyle/>
+          <a:p>
+            <a:pPr algn="ctr"/>
+            <a:endParaRPr lang="en-US"/>
+          </a:p>
+        </p:txBody>
+      </p:sp>
+      <p:sp useBgFill="1">
+        <p:nvSpPr>
+          <p:cNvPr id="34" name="Rectangle 30">
+            <a:extLst>
+              <a:ext uri="{FF2B5EF4-FFF2-40B4-BE49-F238E27FC236}">
+                <a16:creationId xmlns:a16="http://schemas.microsoft.com/office/drawing/2014/main" id="{02F8C595-E68C-4306-AED8-DC7826A0A506}"/>
+              </a:ext>
+              <a:ext uri="{C183D7F6-B498-43B3-948B-1728B52AA6E4}">
+                <adec:decorative xmlns:adec="http://schemas.microsoft.com/office/drawing/2017/decorative" val="1"/>
+              </a:ext>
+            </a:extLst>
+          </p:cNvPr>
+          <p:cNvSpPr>
+            <a:spLocks noGrp="1" noRot="1" noChangeAspect="1" noMove="1" noResize="1" noEditPoints="1" noAdjustHandles="1" noChangeArrowheads="1" noChangeShapeType="1" noTextEdit="1"/>
+          </p:cNvSpPr>
+          <p:nvPr>
+            <p:extLst>
+              <p:ext uri="{386F3935-93C4-4BCD-93E2-E3B085C9AB24}">
+                <p16:designElem xmlns:p16="http://schemas.microsoft.com/office/powerpoint/2015/main" val="1"/>
+              </p:ext>
+            </p:extLst>
+          </p:nvPr>
+        </p:nvSpPr>
+        <p:spPr>
+          <a:xfrm>
+            <a:off x="0" y="0"/>
+            <a:ext cx="11416414" cy="6858000"/>
+          </a:xfrm>
+          <a:prstGeom prst="rect">
+            <a:avLst/>
+          </a:prstGeom>
+          <a:ln>
+            <a:noFill/>
+          </a:ln>
+          <a:effectLst>
+            <a:outerShdw blurRad="889000" dist="406400" dir="21540000" sx="90000" sy="90000" algn="t" rotWithShape="0">
+              <a:srgbClr val="000000">
+                <a:alpha val="20000"/>
+              </a:srgbClr>
+            </a:outerShdw>
+          </a:effectLst>
+        </p:spPr>
+        <p:style>
+          <a:lnRef idx="2">
+            <a:schemeClr val="accent1">
+              <a:shade val="50000"/>
+            </a:schemeClr>
+          </a:lnRef>
+          <a:fillRef idx="1">
+            <a:schemeClr val="accent1"/>
+          </a:fillRef>
+          <a:effectRef idx="0">
+            <a:schemeClr val="accent1"/>
+          </a:effectRef>
+          <a:fontRef idx="minor">
+            <a:schemeClr val="lt1"/>
+          </a:fontRef>
+        </p:style>
+        <p:txBody>
+          <a:bodyPr rtlCol="0" anchor="ctr"/>
+          <a:lstStyle/>
+          <a:p>
+            <a:pPr algn="ctr"/>
+            <a:endParaRPr lang="en-US"/>
+          </a:p>
+        </p:txBody>
+      </p:sp>
       <p:sp>
         <p:nvSpPr>
           <p:cNvPr id="2" name="Titolo 1">
@@ -5216,128 +5685,20 @@
         </p:nvSpPr>
         <p:spPr>
           <a:xfrm>
-            <a:off x="7513055" y="622544"/>
-            <a:ext cx="4133647" cy="1446550"/>
-          </a:xfrm>
-        </p:spPr>
-        <p:txBody>
-          <a:bodyPr>
+            <a:off x="6803409" y="762001"/>
+            <a:ext cx="4156512" cy="1708244"/>
+          </a:xfrm>
+        </p:spPr>
+        <p:txBody>
+          <a:bodyPr anchor="ctr">
             <a:normAutofit/>
           </a:bodyPr>
           <a:lstStyle/>
           <a:p>
             <a:r>
-              <a:rPr lang="it-IT" dirty="0" err="1"/>
+              <a:rPr lang="it-IT" sz="4000"/>
               <a:t>Algorithm</a:t>
             </a:r>
-            <a:endParaRPr lang="it-IT" dirty="0"/>
-          </a:p>
-        </p:txBody>
-      </p:sp>
-      <p:sp>
-        <p:nvSpPr>
-          <p:cNvPr id="3" name="Segnaposto contenuto 2">
-            <a:extLst>
-              <a:ext uri="{FF2B5EF4-FFF2-40B4-BE49-F238E27FC236}">
-                <a16:creationId xmlns:a16="http://schemas.microsoft.com/office/drawing/2014/main" id="{6516F902-6C33-B5E6-AF0C-68949B23002F}"/>
-              </a:ext>
-            </a:extLst>
-          </p:cNvPr>
-          <p:cNvSpPr>
-            <a:spLocks noGrp="1"/>
-          </p:cNvSpPr>
-          <p:nvPr>
-            <p:ph idx="1"/>
-          </p:nvPr>
-        </p:nvSpPr>
-        <p:spPr>
-          <a:xfrm>
-            <a:off x="7513054" y="2539238"/>
-            <a:ext cx="4133647" cy="3188586"/>
-          </a:xfrm>
-        </p:spPr>
-        <p:txBody>
-          <a:bodyPr>
-            <a:normAutofit fontScale="92500" lnSpcReduction="10000"/>
-          </a:bodyPr>
-          <a:lstStyle/>
-          <a:p>
-            <a:r>
-              <a:rPr lang="it-IT" dirty="0" err="1"/>
-              <a:t>Composed</a:t>
-            </a:r>
-            <a:r>
-              <a:rPr lang="it-IT" dirty="0"/>
-              <a:t> by </a:t>
-            </a:r>
-            <a:r>
-              <a:rPr lang="it-IT" dirty="0" err="1"/>
-              <a:t>three</a:t>
-            </a:r>
-            <a:r>
-              <a:rPr lang="it-IT" dirty="0"/>
-              <a:t> </a:t>
-            </a:r>
-            <a:r>
-              <a:rPr lang="it-IT" dirty="0" err="1"/>
-              <a:t>routines</a:t>
-            </a:r>
-            <a:endParaRPr lang="it-IT" dirty="0"/>
-          </a:p>
-          <a:p>
-            <a:r>
-              <a:rPr lang="it-IT" dirty="0" err="1"/>
-              <a:t>Every</a:t>
-            </a:r>
-            <a:r>
-              <a:rPr lang="it-IT" dirty="0"/>
-              <a:t> peer </a:t>
-            </a:r>
-            <a:r>
-              <a:rPr lang="it-IT" dirty="0" err="1"/>
-              <a:t>sends</a:t>
-            </a:r>
-            <a:r>
-              <a:rPr lang="it-IT" dirty="0"/>
-              <a:t> and </a:t>
-            </a:r>
-            <a:r>
-              <a:rPr lang="it-IT" dirty="0" err="1"/>
-              <a:t>receive</a:t>
-            </a:r>
-            <a:r>
-              <a:rPr lang="it-IT" dirty="0"/>
-              <a:t> bits from </a:t>
-            </a:r>
-            <a:r>
-              <a:rPr lang="it-IT" dirty="0" err="1"/>
-              <a:t>other</a:t>
-            </a:r>
-            <a:endParaRPr lang="it-IT" dirty="0"/>
-          </a:p>
-          <a:p>
-            <a:r>
-              <a:rPr lang="it-IT" dirty="0" err="1"/>
-              <a:t>Calculate</a:t>
-            </a:r>
-            <a:r>
-              <a:rPr lang="it-IT" dirty="0"/>
-              <a:t> the sum of bits and checks </a:t>
-            </a:r>
-            <a:r>
-              <a:rPr lang="it-IT" dirty="0" err="1"/>
-              <a:t>it</a:t>
-            </a:r>
-            <a:endParaRPr lang="it-IT" dirty="0"/>
-          </a:p>
-          <a:p>
-            <a:r>
-              <a:rPr lang="it-IT" dirty="0"/>
-              <a:t>In base to sum sets the bit to 0 or 1</a:t>
-            </a:r>
-          </a:p>
-          <a:p>
-            <a:endParaRPr lang="it-IT" dirty="0"/>
           </a:p>
         </p:txBody>
       </p:sp>
@@ -5357,19 +5718,75 @@
         </p:nvPicPr>
         <p:blipFill rotWithShape="1">
           <a:blip r:embed="rId2"/>
-          <a:srcRect l="39040"/>
+          <a:srcRect l="42993" r="3673"/>
           <a:stretch/>
         </p:blipFill>
         <p:spPr>
           <a:xfrm>
-            <a:off x="20" y="10"/>
-            <a:ext cx="6967738" cy="6857990"/>
+            <a:off x="-1" y="-2"/>
+            <a:ext cx="6096001" cy="6858002"/>
           </a:xfrm>
           <a:prstGeom prst="rect">
             <a:avLst/>
           </a:prstGeom>
         </p:spPr>
       </p:pic>
+      <p:sp>
+        <p:nvSpPr>
+          <p:cNvPr id="3" name="Segnaposto contenuto 2">
+            <a:extLst>
+              <a:ext uri="{FF2B5EF4-FFF2-40B4-BE49-F238E27FC236}">
+                <a16:creationId xmlns:a16="http://schemas.microsoft.com/office/drawing/2014/main" id="{6516F902-6C33-B5E6-AF0C-68949B23002F}"/>
+              </a:ext>
+            </a:extLst>
+          </p:cNvPr>
+          <p:cNvSpPr>
+            <a:spLocks noGrp="1"/>
+          </p:cNvSpPr>
+          <p:nvPr>
+            <p:ph idx="1"/>
+          </p:nvPr>
+        </p:nvSpPr>
+        <p:spPr>
+          <a:xfrm>
+            <a:off x="6803409" y="2470245"/>
+            <a:ext cx="4156512" cy="3769835"/>
+          </a:xfrm>
+        </p:spPr>
+        <p:txBody>
+          <a:bodyPr anchor="ctr">
+            <a:normAutofit/>
+          </a:bodyPr>
+          <a:lstStyle/>
+          <a:p>
+            <a:r>
+              <a:rPr lang="it-IT" sz="2000"/>
+              <a:t>Composed by three routines</a:t>
+            </a:r>
+          </a:p>
+          <a:p>
+            <a:r>
+              <a:rPr lang="it-IT" sz="2000"/>
+              <a:t>Every peer sends and receive bits from other</a:t>
+            </a:r>
+          </a:p>
+          <a:p>
+            <a:r>
+              <a:rPr lang="it-IT" sz="2000"/>
+              <a:t>Calculate the sum of bits and checks it</a:t>
+            </a:r>
+          </a:p>
+          <a:p>
+            <a:r>
+              <a:rPr lang="it-IT" sz="2000"/>
+              <a:t>In base to sum sets the bit to 0 or 1</a:t>
+            </a:r>
+          </a:p>
+          <a:p>
+            <a:endParaRPr lang="it-IT" sz="2000"/>
+          </a:p>
+        </p:txBody>
+      </p:sp>
     </p:spTree>
     <p:extLst>
       <p:ext uri="{BB962C8B-B14F-4D97-AF65-F5344CB8AC3E}">
@@ -5408,12 +5825,12 @@
           <a:chExt cx="0" cy="0"/>
         </a:xfrm>
       </p:grpSpPr>
-      <p:sp>
-        <p:nvSpPr>
-          <p:cNvPr id="13" name="Rectangle 12">
-            <a:extLst>
-              <a:ext uri="{FF2B5EF4-FFF2-40B4-BE49-F238E27FC236}">
-                <a16:creationId xmlns:a16="http://schemas.microsoft.com/office/drawing/2014/main" id="{A9F529C3-C941-49FD-8C67-82F134F64BDB}"/>
+      <p:sp useBgFill="1">
+        <p:nvSpPr>
+          <p:cNvPr id="16" name="Slide Background">
+            <a:extLst>
+              <a:ext uri="{FF2B5EF4-FFF2-40B4-BE49-F238E27FC236}">
+                <a16:creationId xmlns:a16="http://schemas.microsoft.com/office/drawing/2014/main" id="{B210AC1D-4063-4C6E-9528-FA9C4C0C18E6}"/>
               </a:ext>
               <a:ext uri="{C183D7F6-B498-43B3-948B-1728B52AA6E4}">
                 <adec:decorative xmlns:adec="http://schemas.microsoft.com/office/drawing/2017/decorative" val="1"/>
@@ -5439,13 +5856,6 @@
           <a:prstGeom prst="rect">
             <a:avLst/>
           </a:prstGeom>
-          <a:solidFill>
-            <a:schemeClr val="tx1">
-              <a:lumMod val="50000"/>
-              <a:lumOff val="50000"/>
-              <a:alpha val="30000"/>
-            </a:schemeClr>
-          </a:solidFill>
           <a:ln>
             <a:noFill/>
           </a:ln>
@@ -5475,12 +5885,12 @@
           </a:p>
         </p:txBody>
       </p:sp>
-      <p:sp>
-        <p:nvSpPr>
-          <p:cNvPr id="15" name="Rectangle 14">
-            <a:extLst>
-              <a:ext uri="{FF2B5EF4-FFF2-40B4-BE49-F238E27FC236}">
-                <a16:creationId xmlns:a16="http://schemas.microsoft.com/office/drawing/2014/main" id="{20586029-32A0-47E5-9AEC-AE3ABA6B94D0}"/>
+      <p:sp useBgFill="1">
+        <p:nvSpPr>
+          <p:cNvPr id="18" name="Rectangle 17">
+            <a:extLst>
+              <a:ext uri="{FF2B5EF4-FFF2-40B4-BE49-F238E27FC236}">
+                <a16:creationId xmlns:a16="http://schemas.microsoft.com/office/drawing/2014/main" id="{02F8C595-E68C-4306-AED8-DC7826A0A506}"/>
               </a:ext>
               <a:ext uri="{C183D7F6-B498-43B3-948B-1728B52AA6E4}">
                 <adec:decorative xmlns:adec="http://schemas.microsoft.com/office/drawing/2017/decorative" val="1"/>
@@ -5500,23 +5910,20 @@
         </p:nvSpPr>
         <p:spPr>
           <a:xfrm>
-            <a:off x="477012" y="480060"/>
-            <a:ext cx="11237976" cy="5897880"/>
+            <a:off x="0" y="0"/>
+            <a:ext cx="11416414" cy="6858000"/>
           </a:xfrm>
           <a:prstGeom prst="rect">
             <a:avLst/>
           </a:prstGeom>
-          <a:solidFill>
-            <a:srgbClr val="FFFFFF"/>
-          </a:solidFill>
-          <a:ln w="9525">
+          <a:ln>
             <a:noFill/>
           </a:ln>
           <a:effectLst>
-            <a:outerShdw blurRad="63500" dist="17780" dir="5400000" algn="t" rotWithShape="0">
-              <a:prstClr val="black">
-                <a:alpha val="43000"/>
-              </a:prstClr>
+            <a:outerShdw blurRad="889000" dist="406400" dir="21540000" sx="90000" sy="90000" algn="t" rotWithShape="0">
+              <a:srgbClr val="000000">
+                <a:alpha val="20000"/>
+              </a:srgbClr>
             </a:outerShdw>
           </a:effectLst>
         </p:spPr>
@@ -5545,12 +5952,48 @@
           </a:p>
         </p:txBody>
       </p:sp>
+      <p:sp>
+        <p:nvSpPr>
+          <p:cNvPr id="2" name="Titolo 1">
+            <a:extLst>
+              <a:ext uri="{FF2B5EF4-FFF2-40B4-BE49-F238E27FC236}">
+                <a16:creationId xmlns:a16="http://schemas.microsoft.com/office/drawing/2014/main" id="{5C78D9BC-97C5-2C59-C3C3-DE9EA05D5077}"/>
+              </a:ext>
+            </a:extLst>
+          </p:cNvPr>
+          <p:cNvSpPr>
+            <a:spLocks noGrp="1"/>
+          </p:cNvSpPr>
+          <p:nvPr>
+            <p:ph type="title"/>
+          </p:nvPr>
+        </p:nvSpPr>
+        <p:spPr>
+          <a:xfrm>
+            <a:off x="6803409" y="762001"/>
+            <a:ext cx="4156512" cy="1708244"/>
+          </a:xfrm>
+        </p:spPr>
+        <p:txBody>
+          <a:bodyPr anchor="ctr">
+            <a:normAutofit/>
+          </a:bodyPr>
+          <a:lstStyle/>
+          <a:p>
+            <a:r>
+              <a:rPr lang="it-IT" sz="4000"/>
+              <a:t>Algorithm</a:t>
+            </a:r>
+            <a:endParaRPr lang="it-IT" sz="4000" dirty="0"/>
+          </a:p>
+        </p:txBody>
+      </p:sp>
       <p:pic>
         <p:nvPicPr>
-          <p:cNvPr id="7" name="Immagine 6" descr="Nodi step 1">
-            <a:extLst>
-              <a:ext uri="{FF2B5EF4-FFF2-40B4-BE49-F238E27FC236}">
-                <a16:creationId xmlns:a16="http://schemas.microsoft.com/office/drawing/2014/main" id="{BB03DC2D-A1CF-DAB3-33D1-D13CE385E997}"/>
+          <p:cNvPr id="4" name="Picture 4" descr="Abstract background">
+            <a:extLst>
+              <a:ext uri="{FF2B5EF4-FFF2-40B4-BE49-F238E27FC236}">
+                <a16:creationId xmlns:a16="http://schemas.microsoft.com/office/drawing/2014/main" id="{7F8D7699-7F25-453C-380D-2C75DB159CDB}"/>
               </a:ext>
             </a:extLst>
           </p:cNvPr>
@@ -5559,122 +6002,96 @@
           </p:cNvPicPr>
           <p:nvPr/>
         </p:nvPicPr>
-        <p:blipFill>
-          <a:blip r:embed="rId2">
-            <a:extLst>
-              <a:ext uri="{28A0092B-C50C-407E-A947-70E740481C1C}">
-                <a14:useLocalDpi xmlns:a14="http://schemas.microsoft.com/office/drawing/2010/main" val="0"/>
-              </a:ext>
-            </a:extLst>
-          </a:blip>
-          <a:stretch>
-            <a:fillRect/>
-          </a:stretch>
+        <p:blipFill rotWithShape="1">
+          <a:blip r:embed="rId2"/>
+          <a:srcRect l="42993" r="3673"/>
+          <a:stretch/>
         </p:blipFill>
         <p:spPr>
           <a:xfrm>
-            <a:off x="643467" y="1052996"/>
-            <a:ext cx="5294716" cy="4752006"/>
+            <a:off x="-1" y="-2"/>
+            <a:ext cx="6096001" cy="6858002"/>
           </a:xfrm>
           <a:prstGeom prst="rect">
             <a:avLst/>
           </a:prstGeom>
         </p:spPr>
       </p:pic>
-      <p:cxnSp>
-        <p:nvCxnSpPr>
-          <p:cNvPr id="17" name="Straight Connector 16">
-            <a:extLst>
-              <a:ext uri="{FF2B5EF4-FFF2-40B4-BE49-F238E27FC236}">
-                <a16:creationId xmlns:a16="http://schemas.microsoft.com/office/drawing/2014/main" id="{8C730EAB-A532-4295-A302-FB4B90DB9F5E}"/>
-              </a:ext>
-              <a:ext uri="{C183D7F6-B498-43B3-948B-1728B52AA6E4}">
-                <adec:decorative xmlns:adec="http://schemas.microsoft.com/office/drawing/2017/decorative" val="1"/>
-              </a:ext>
-            </a:extLst>
-          </p:cNvPr>
-          <p:cNvCxnSpPr>
-            <a:cxnSpLocks noGrp="1" noRot="1" noChangeAspect="1" noMove="1" noResize="1" noEditPoints="1" noAdjustHandles="1" noChangeArrowheads="1" noChangeShapeType="1"/>
-          </p:cNvCxnSpPr>
-          <p:nvPr>
-            <p:extLst>
-              <p:ext uri="{386F3935-93C4-4BCD-93E2-E3B085C9AB24}">
-                <p16:designElem xmlns:p16="http://schemas.microsoft.com/office/powerpoint/2015/main" val="1"/>
-              </p:ext>
-            </p:extLst>
-          </p:nvPr>
-        </p:nvCxnSpPr>
-        <p:spPr>
-          <a:xfrm>
-            <a:off x="6079958" y="1143000"/>
-            <a:ext cx="0" cy="4572000"/>
-          </a:xfrm>
-          <a:prstGeom prst="line">
-            <a:avLst/>
-          </a:prstGeom>
-          <a:ln>
-            <a:solidFill>
-              <a:srgbClr val="4E4E4E"/>
-            </a:solidFill>
-          </a:ln>
-        </p:spPr>
-        <p:style>
-          <a:lnRef idx="1">
-            <a:schemeClr val="accent1"/>
-          </a:lnRef>
-          <a:fillRef idx="0">
-            <a:schemeClr val="accent1"/>
-          </a:fillRef>
-          <a:effectRef idx="0">
-            <a:schemeClr val="accent1"/>
-          </a:effectRef>
-          <a:fontRef idx="minor">
-            <a:schemeClr val="tx1"/>
-          </a:fontRef>
-        </p:style>
-      </p:cxnSp>
-      <p:pic>
-        <p:nvPicPr>
-          <p:cNvPr id="8" name="Segnaposto contenuto 4" descr="Immagine che contiene cerchio, Oggetto astronomico, schermata, sfera&#10;&#10;Descrizione generata automaticamente">
-            <a:extLst>
-              <a:ext uri="{FF2B5EF4-FFF2-40B4-BE49-F238E27FC236}">
-                <a16:creationId xmlns:a16="http://schemas.microsoft.com/office/drawing/2014/main" id="{2D361754-7294-36B1-8914-8C897FF6CCCD}"/>
-              </a:ext>
-            </a:extLst>
-          </p:cNvPr>
-          <p:cNvPicPr>
-            <a:picLocks noGrp="1" noChangeAspect="1"/>
-          </p:cNvPicPr>
+      <p:sp>
+        <p:nvSpPr>
+          <p:cNvPr id="3" name="Segnaposto contenuto 2">
+            <a:extLst>
+              <a:ext uri="{FF2B5EF4-FFF2-40B4-BE49-F238E27FC236}">
+                <a16:creationId xmlns:a16="http://schemas.microsoft.com/office/drawing/2014/main" id="{61DC6FFA-2614-F38E-D595-806A2C6088E5}"/>
+              </a:ext>
+            </a:extLst>
+          </p:cNvPr>
+          <p:cNvSpPr>
+            <a:spLocks noGrp="1"/>
+          </p:cNvSpPr>
           <p:nvPr>
             <p:ph idx="1"/>
           </p:nvPr>
-        </p:nvPicPr>
-        <p:blipFill>
-          <a:blip r:embed="rId3">
-            <a:extLst>
-              <a:ext uri="{28A0092B-C50C-407E-A947-70E740481C1C}">
-                <a14:useLocalDpi xmlns:a14="http://schemas.microsoft.com/office/drawing/2010/main" val="0"/>
-              </a:ext>
-            </a:extLst>
-          </a:blip>
-          <a:stretch>
-            <a:fillRect/>
-          </a:stretch>
-        </p:blipFill>
-        <p:spPr>
-          <a:xfrm>
-            <a:off x="6253817" y="894156"/>
-            <a:ext cx="5294715" cy="5069688"/>
-          </a:xfrm>
-          <a:prstGeom prst="rect">
-            <a:avLst/>
-          </a:prstGeom>
-        </p:spPr>
-      </p:pic>
+        </p:nvSpPr>
+        <p:spPr>
+          <a:xfrm>
+            <a:off x="6803409" y="2470245"/>
+            <a:ext cx="4156512" cy="3769835"/>
+          </a:xfrm>
+        </p:spPr>
+        <p:txBody>
+          <a:bodyPr anchor="ctr">
+            <a:normAutofit/>
+          </a:bodyPr>
+          <a:lstStyle/>
+          <a:p>
+            <a:pPr marL="0" indent="0">
+              <a:buNone/>
+            </a:pPr>
+            <a:r>
+              <a:rPr lang="it-IT" sz="2000"/>
+              <a:t>First routine:</a:t>
+            </a:r>
+          </a:p>
+          <a:p>
+            <a:r>
+              <a:rPr lang="it-IT" sz="2000"/>
+              <a:t>Decides direction of execution</a:t>
+            </a:r>
+          </a:p>
+          <a:p>
+            <a:r>
+              <a:rPr lang="it-IT" sz="2000"/>
+              <a:t>If indecision -&gt; Quantum subroutine</a:t>
+            </a:r>
+          </a:p>
+          <a:p>
+            <a:pPr marL="0" indent="0">
+              <a:buNone/>
+            </a:pPr>
+            <a:r>
+              <a:rPr lang="it-IT" sz="2000"/>
+              <a:t>Second and third routine:</a:t>
+            </a:r>
+          </a:p>
+          <a:p>
+            <a:r>
+              <a:rPr lang="it-IT" sz="2000"/>
+              <a:t>Boost of bias into 1 or 0 output</a:t>
+            </a:r>
+          </a:p>
+          <a:p>
+            <a:r>
+              <a:rPr lang="it-IT" sz="2000"/>
+              <a:t>Return or start another round</a:t>
+            </a:r>
+          </a:p>
+        </p:txBody>
+      </p:sp>
     </p:spTree>
     <p:extLst>
       <p:ext uri="{BB962C8B-B14F-4D97-AF65-F5344CB8AC3E}">
-        <p14:creationId xmlns:p14="http://schemas.microsoft.com/office/powerpoint/2010/main" val="379552993"/>
+        <p14:creationId xmlns:p14="http://schemas.microsoft.com/office/powerpoint/2010/main" val="1975211524"/>
       </p:ext>
     </p:extLst>
   </p:cSld>
@@ -5711,7 +6128,7 @@
       </p:grpSpPr>
       <p:sp>
         <p:nvSpPr>
-          <p:cNvPr id="16" name="Rectangle 15">
+          <p:cNvPr id="13" name="Rectangle 12">
             <a:extLst>
               <a:ext uri="{FF2B5EF4-FFF2-40B4-BE49-F238E27FC236}">
                 <a16:creationId xmlns:a16="http://schemas.microsoft.com/office/drawing/2014/main" id="{A9F529C3-C941-49FD-8C67-82F134F64BDB}"/>
@@ -5778,7 +6195,7 @@
       </p:sp>
       <p:sp>
         <p:nvSpPr>
-          <p:cNvPr id="18" name="Rectangle 17">
+          <p:cNvPr id="15" name="Rectangle 14">
             <a:extLst>
               <a:ext uri="{FF2B5EF4-FFF2-40B4-BE49-F238E27FC236}">
                 <a16:creationId xmlns:a16="http://schemas.microsoft.com/office/drawing/2014/main" id="{20586029-32A0-47E5-9AEC-AE3ABA6B94D0}"/>
@@ -5848,19 +6265,17 @@
       </p:sp>
       <p:pic>
         <p:nvPicPr>
-          <p:cNvPr id="9" name="Segnaposto contenuto 8" descr="Immagine che contiene cerchio, schermata, Oggetto astronomico, sfera&#10;&#10;Descrizione generata automaticamente">
-            <a:extLst>
-              <a:ext uri="{FF2B5EF4-FFF2-40B4-BE49-F238E27FC236}">
-                <a16:creationId xmlns:a16="http://schemas.microsoft.com/office/drawing/2014/main" id="{54811156-AEE9-95A2-FD81-0E8E8509F014}"/>
+          <p:cNvPr id="7" name="Immagine 6" descr="Nodi step 1">
+            <a:extLst>
+              <a:ext uri="{FF2B5EF4-FFF2-40B4-BE49-F238E27FC236}">
+                <a16:creationId xmlns:a16="http://schemas.microsoft.com/office/drawing/2014/main" id="{BB03DC2D-A1CF-DAB3-33D1-D13CE385E997}"/>
               </a:ext>
             </a:extLst>
           </p:cNvPr>
           <p:cNvPicPr>
-            <a:picLocks noGrp="1" noChangeAspect="1"/>
+            <a:picLocks noChangeAspect="1"/>
           </p:cNvPicPr>
-          <p:nvPr>
-            <p:ph idx="1"/>
-          </p:nvPr>
+          <p:nvPr/>
         </p:nvPicPr>
         <p:blipFill>
           <a:blip r:embed="rId2">
@@ -5876,8 +6291,8 @@
         </p:blipFill>
         <p:spPr>
           <a:xfrm>
-            <a:off x="643467" y="1244929"/>
-            <a:ext cx="5294716" cy="4368140"/>
+            <a:off x="643467" y="1052996"/>
+            <a:ext cx="5294716" cy="4752006"/>
           </a:xfrm>
           <a:prstGeom prst="rect">
             <a:avLst/>
@@ -5886,7 +6301,7 @@
       </p:pic>
       <p:cxnSp>
         <p:nvCxnSpPr>
-          <p:cNvPr id="20" name="Straight Connector 19">
+          <p:cNvPr id="17" name="Straight Connector 16">
             <a:extLst>
               <a:ext uri="{FF2B5EF4-FFF2-40B4-BE49-F238E27FC236}">
                 <a16:creationId xmlns:a16="http://schemas.microsoft.com/office/drawing/2014/main" id="{8C730EAB-A532-4295-A302-FB4B90DB9F5E}"/>
@@ -5938,17 +6353,19 @@
       </p:cxnSp>
       <p:pic>
         <p:nvPicPr>
-          <p:cNvPr id="11" name="Immagine 10" descr="Immagine che contiene cerchio, sfera, schermata&#10;&#10;Descrizione generata automaticamente">
-            <a:extLst>
-              <a:ext uri="{FF2B5EF4-FFF2-40B4-BE49-F238E27FC236}">
-                <a16:creationId xmlns:a16="http://schemas.microsoft.com/office/drawing/2014/main" id="{A3071446-4A31-F10E-23BF-FBE4EB49021E}"/>
+          <p:cNvPr id="8" name="Segnaposto contenuto 4" descr="Immagine che contiene cerchio, Oggetto astronomico, schermata, sfera&#10;&#10;Descrizione generata automaticamente">
+            <a:extLst>
+              <a:ext uri="{FF2B5EF4-FFF2-40B4-BE49-F238E27FC236}">
+                <a16:creationId xmlns:a16="http://schemas.microsoft.com/office/drawing/2014/main" id="{2D361754-7294-36B1-8914-8C897FF6CCCD}"/>
               </a:ext>
             </a:extLst>
           </p:cNvPr>
           <p:cNvPicPr>
-            <a:picLocks noChangeAspect="1"/>
+            <a:picLocks noGrp="1" noChangeAspect="1"/>
           </p:cNvPicPr>
-          <p:nvPr/>
+          <p:nvPr>
+            <p:ph idx="1"/>
+          </p:nvPr>
         </p:nvPicPr>
         <p:blipFill>
           <a:blip r:embed="rId3">
@@ -5964,53 +6381,18 @@
         </p:blipFill>
         <p:spPr>
           <a:xfrm>
-            <a:off x="6253817" y="1092708"/>
-            <a:ext cx="5294715" cy="4672584"/>
+            <a:off x="6253817" y="894156"/>
+            <a:ext cx="5294715" cy="5069688"/>
           </a:xfrm>
           <a:prstGeom prst="rect">
             <a:avLst/>
           </a:prstGeom>
         </p:spPr>
       </p:pic>
-      <p:sp>
-        <p:nvSpPr>
-          <p:cNvPr id="2" name="CasellaDiTesto 1">
-            <a:extLst>
-              <a:ext uri="{FF2B5EF4-FFF2-40B4-BE49-F238E27FC236}">
-                <a16:creationId xmlns:a16="http://schemas.microsoft.com/office/drawing/2014/main" id="{19A93D81-E71E-B7D2-9153-0FAA0C53C9C0}"/>
-              </a:ext>
-            </a:extLst>
-          </p:cNvPr>
-          <p:cNvSpPr txBox="1"/>
-          <p:nvPr/>
-        </p:nvSpPr>
-        <p:spPr>
-          <a:xfrm>
-            <a:off x="7892716" y="742520"/>
-            <a:ext cx="2763825" cy="369332"/>
-          </a:xfrm>
-          <a:prstGeom prst="rect">
-            <a:avLst/>
-          </a:prstGeom>
-          <a:noFill/>
-        </p:spPr>
-        <p:txBody>
-          <a:bodyPr wrap="square" rtlCol="0">
-            <a:spAutoFit/>
-          </a:bodyPr>
-          <a:lstStyle/>
-          <a:p>
-            <a:r>
-              <a:rPr lang="it-IT" dirty="0"/>
-              <a:t>Quantum subroutine</a:t>
-            </a:r>
-          </a:p>
-        </p:txBody>
-      </p:sp>
     </p:spTree>
     <p:extLst>
       <p:ext uri="{BB962C8B-B14F-4D97-AF65-F5344CB8AC3E}">
-        <p14:creationId xmlns:p14="http://schemas.microsoft.com/office/powerpoint/2010/main" val="1011540840"/>
+        <p14:creationId xmlns:p14="http://schemas.microsoft.com/office/powerpoint/2010/main" val="379552993"/>
       </p:ext>
     </p:extLst>
   </p:cSld>
@@ -6047,7 +6429,7 @@
       </p:grpSpPr>
       <p:sp>
         <p:nvSpPr>
-          <p:cNvPr id="12" name="Rectangle 11">
+          <p:cNvPr id="16" name="Rectangle 15">
             <a:extLst>
               <a:ext uri="{FF2B5EF4-FFF2-40B4-BE49-F238E27FC236}">
                 <a16:creationId xmlns:a16="http://schemas.microsoft.com/office/drawing/2014/main" id="{A9F529C3-C941-49FD-8C67-82F134F64BDB}"/>
@@ -6114,7 +6496,7 @@
       </p:sp>
       <p:sp>
         <p:nvSpPr>
-          <p:cNvPr id="14" name="Rectangle 13">
+          <p:cNvPr id="18" name="Rectangle 17">
             <a:extLst>
               <a:ext uri="{FF2B5EF4-FFF2-40B4-BE49-F238E27FC236}">
                 <a16:creationId xmlns:a16="http://schemas.microsoft.com/office/drawing/2014/main" id="{20586029-32A0-47E5-9AEC-AE3ABA6B94D0}"/>
@@ -6184,10 +6566,10 @@
       </p:sp>
       <p:pic>
         <p:nvPicPr>
-          <p:cNvPr id="5" name="Segnaposto contenuto 4" descr="Immagine che contiene luna, cerchio, Oggetto astronomico, sfera&#10;&#10;Descrizione generata automaticamente">
-            <a:extLst>
-              <a:ext uri="{FF2B5EF4-FFF2-40B4-BE49-F238E27FC236}">
-                <a16:creationId xmlns:a16="http://schemas.microsoft.com/office/drawing/2014/main" id="{34C3AD6E-7D22-DBDA-9A7C-22FF767DACC9}"/>
+          <p:cNvPr id="9" name="Segnaposto contenuto 8" descr="Immagine che contiene cerchio, schermata, Oggetto astronomico, sfera&#10;&#10;Descrizione generata automaticamente">
+            <a:extLst>
+              <a:ext uri="{FF2B5EF4-FFF2-40B4-BE49-F238E27FC236}">
+                <a16:creationId xmlns:a16="http://schemas.microsoft.com/office/drawing/2014/main" id="{54811156-AEE9-95A2-FD81-0E8E8509F014}"/>
               </a:ext>
             </a:extLst>
           </p:cNvPr>
@@ -6212,8 +6594,8 @@
         </p:blipFill>
         <p:spPr>
           <a:xfrm>
-            <a:off x="643467" y="1172127"/>
-            <a:ext cx="5294716" cy="4513743"/>
+            <a:off x="643467" y="1244929"/>
+            <a:ext cx="5294716" cy="4368140"/>
           </a:xfrm>
           <a:prstGeom prst="rect">
             <a:avLst/>
@@ -6222,7 +6604,7 @@
       </p:pic>
       <p:cxnSp>
         <p:nvCxnSpPr>
-          <p:cNvPr id="16" name="Straight Connector 15">
+          <p:cNvPr id="20" name="Straight Connector 19">
             <a:extLst>
               <a:ext uri="{FF2B5EF4-FFF2-40B4-BE49-F238E27FC236}">
                 <a16:creationId xmlns:a16="http://schemas.microsoft.com/office/drawing/2014/main" id="{8C730EAB-A532-4295-A302-FB4B90DB9F5E}"/>
@@ -6274,10 +6656,10 @@
       </p:cxnSp>
       <p:pic>
         <p:nvPicPr>
-          <p:cNvPr id="7" name="Immagine 6" descr="Immagine che contiene cerchio, sfera, Oggetto astronomico, schermata&#10;&#10;Descrizione generata automaticamente">
-            <a:extLst>
-              <a:ext uri="{FF2B5EF4-FFF2-40B4-BE49-F238E27FC236}">
-                <a16:creationId xmlns:a16="http://schemas.microsoft.com/office/drawing/2014/main" id="{721C5268-364B-10FE-97D7-9D834C4D6840}"/>
+          <p:cNvPr id="11" name="Immagine 10" descr="Immagine che contiene cerchio, sfera, schermata&#10;&#10;Descrizione generata automaticamente">
+            <a:extLst>
+              <a:ext uri="{FF2B5EF4-FFF2-40B4-BE49-F238E27FC236}">
+                <a16:creationId xmlns:a16="http://schemas.microsoft.com/office/drawing/2014/main" id="{A3071446-4A31-F10E-23BF-FBE4EB49021E}"/>
               </a:ext>
             </a:extLst>
           </p:cNvPr>
@@ -6300,18 +6682,53 @@
         </p:blipFill>
         <p:spPr>
           <a:xfrm>
-            <a:off x="6253817" y="1052997"/>
-            <a:ext cx="5294715" cy="4752005"/>
+            <a:off x="6253817" y="1092708"/>
+            <a:ext cx="5294715" cy="4672584"/>
           </a:xfrm>
           <a:prstGeom prst="rect">
             <a:avLst/>
           </a:prstGeom>
         </p:spPr>
       </p:pic>
+      <p:sp>
+        <p:nvSpPr>
+          <p:cNvPr id="2" name="CasellaDiTesto 1">
+            <a:extLst>
+              <a:ext uri="{FF2B5EF4-FFF2-40B4-BE49-F238E27FC236}">
+                <a16:creationId xmlns:a16="http://schemas.microsoft.com/office/drawing/2014/main" id="{19A93D81-E71E-B7D2-9153-0FAA0C53C9C0}"/>
+              </a:ext>
+            </a:extLst>
+          </p:cNvPr>
+          <p:cNvSpPr txBox="1"/>
+          <p:nvPr/>
+        </p:nvSpPr>
+        <p:spPr>
+          <a:xfrm>
+            <a:off x="7892716" y="742520"/>
+            <a:ext cx="2763825" cy="369332"/>
+          </a:xfrm>
+          <a:prstGeom prst="rect">
+            <a:avLst/>
+          </a:prstGeom>
+          <a:noFill/>
+        </p:spPr>
+        <p:txBody>
+          <a:bodyPr wrap="square" rtlCol="0">
+            <a:spAutoFit/>
+          </a:bodyPr>
+          <a:lstStyle/>
+          <a:p>
+            <a:r>
+              <a:rPr lang="it-IT" dirty="0"/>
+              <a:t>Quantum subroutine</a:t>
+            </a:r>
+          </a:p>
+        </p:txBody>
+      </p:sp>
     </p:spTree>
     <p:extLst>
       <p:ext uri="{BB962C8B-B14F-4D97-AF65-F5344CB8AC3E}">
-        <p14:creationId xmlns:p14="http://schemas.microsoft.com/office/powerpoint/2010/main" val="2177200231"/>
+        <p14:creationId xmlns:p14="http://schemas.microsoft.com/office/powerpoint/2010/main" val="1011540840"/>
       </p:ext>
     </p:extLst>
   </p:cSld>
@@ -6485,10 +6902,10 @@
       </p:sp>
       <p:pic>
         <p:nvPicPr>
-          <p:cNvPr id="5" name="Segnaposto contenuto 4" descr="Immagine che contiene cerchio, Oggetto astronomico, sfera, schermata&#10;&#10;Descrizione generata automaticamente">
-            <a:extLst>
-              <a:ext uri="{FF2B5EF4-FFF2-40B4-BE49-F238E27FC236}">
-                <a16:creationId xmlns:a16="http://schemas.microsoft.com/office/drawing/2014/main" id="{5E32CCF1-5744-9038-E125-7FA9033142B6}"/>
+          <p:cNvPr id="5" name="Segnaposto contenuto 4" descr="Immagine che contiene luna, cerchio, Oggetto astronomico, sfera&#10;&#10;Descrizione generata automaticamente">
+            <a:extLst>
+              <a:ext uri="{FF2B5EF4-FFF2-40B4-BE49-F238E27FC236}">
+                <a16:creationId xmlns:a16="http://schemas.microsoft.com/office/drawing/2014/main" id="{34C3AD6E-7D22-DBDA-9A7C-22FF767DACC9}"/>
               </a:ext>
             </a:extLst>
           </p:cNvPr>
@@ -6513,8 +6930,8 @@
         </p:blipFill>
         <p:spPr>
           <a:xfrm>
-            <a:off x="643467" y="1052996"/>
-            <a:ext cx="5294716" cy="4752006"/>
+            <a:off x="643467" y="1172127"/>
+            <a:ext cx="5294716" cy="4513743"/>
           </a:xfrm>
           <a:prstGeom prst="rect">
             <a:avLst/>
@@ -6575,10 +6992,10 @@
       </p:cxnSp>
       <p:pic>
         <p:nvPicPr>
-          <p:cNvPr id="7" name="Immagine 6" descr="Immagine che contiene cerchio, Oggetto astronomico, sfera, Evento celeste&#10;&#10;Descrizione generata automaticamente">
-            <a:extLst>
-              <a:ext uri="{FF2B5EF4-FFF2-40B4-BE49-F238E27FC236}">
-                <a16:creationId xmlns:a16="http://schemas.microsoft.com/office/drawing/2014/main" id="{65E119EB-34C7-79DD-B9D7-56299C95E0FA}"/>
+          <p:cNvPr id="7" name="Immagine 6" descr="Immagine che contiene cerchio, sfera, Oggetto astronomico, schermata&#10;&#10;Descrizione generata automaticamente">
+            <a:extLst>
+              <a:ext uri="{FF2B5EF4-FFF2-40B4-BE49-F238E27FC236}">
+                <a16:creationId xmlns:a16="http://schemas.microsoft.com/office/drawing/2014/main" id="{721C5268-364B-10FE-97D7-9D834C4D6840}"/>
               </a:ext>
             </a:extLst>
           </p:cNvPr>
@@ -6601,8 +7018,8 @@
         </p:blipFill>
         <p:spPr>
           <a:xfrm>
-            <a:off x="6253817" y="1006669"/>
-            <a:ext cx="5294715" cy="4844662"/>
+            <a:off x="6253817" y="1052997"/>
+            <a:ext cx="5294715" cy="4752005"/>
           </a:xfrm>
           <a:prstGeom prst="rect">
             <a:avLst/>
@@ -6612,7 +7029,7 @@
     </p:spTree>
     <p:extLst>
       <p:ext uri="{BB962C8B-B14F-4D97-AF65-F5344CB8AC3E}">
-        <p14:creationId xmlns:p14="http://schemas.microsoft.com/office/powerpoint/2010/main" val="3118947374"/>
+        <p14:creationId xmlns:p14="http://schemas.microsoft.com/office/powerpoint/2010/main" val="2177200231"/>
       </p:ext>
     </p:extLst>
   </p:cSld>
